--- a/sesija-16/PPT/Front-End Developer-16.pptx
+++ b/sesija-16/PPT/Front-End Developer-16.pptx
@@ -6,13 +6,14 @@
     <p:sldMasterId id="2147483676" r:id="rId2"/>
   </p:sldMasterIdLst>
   <p:notesMasterIdLst>
-    <p:notesMasterId r:id="rId7"/>
+    <p:notesMasterId r:id="rId8"/>
   </p:notesMasterIdLst>
   <p:sldIdLst>
     <p:sldId id="256" r:id="rId3"/>
     <p:sldId id="257" r:id="rId4"/>
     <p:sldId id="258" r:id="rId5"/>
     <p:sldId id="263" r:id="rId6"/>
+    <p:sldId id="264" r:id="rId7"/>
   </p:sldIdLst>
   <p:sldSz cx="12192000" cy="6858000"/>
   <p:notesSz cx="6858000" cy="9144000"/>
@@ -120,6 +121,7 @@
             <p14:sldId id="257"/>
             <p14:sldId id="258"/>
             <p14:sldId id="263"/>
+            <p14:sldId id="264"/>
           </p14:sldIdLst>
         </p14:section>
       </p14:sectionLst>
@@ -903,8 +905,8 @@
         <a:lstStyle/>
         <a:p>
           <a:r>
-            <a:rPr lang="en-US" b="1" smtClean="0"/>
-            <a:t>HTML</a:t>
+            <a:rPr lang="en-US" smtClean="0"/>
+            <a:t>JavaScript</a:t>
           </a:r>
           <a:endParaRPr lang="en-US"/>
         </a:p>
@@ -939,6 +941,10 @@
         <a:bodyPr/>
         <a:lstStyle/>
         <a:p>
+          <a:r>
+            <a:rPr lang="en-US" smtClean="0"/>
+            <a:t>Closures</a:t>
+          </a:r>
           <a:endParaRPr lang="en-US"/>
         </a:p>
       </dgm:t>
@@ -948,6 +954,52 @@
       <dgm:spPr/>
     </dgm:pt>
     <dgm:pt modelId="{B8A6BCFB-F597-4971-BF20-6B7B52347AE9}" type="sibTrans" cxnId="{C78D7D1E-4353-489A-8F01-856C716DDAA5}">
+      <dgm:prSet/>
+      <dgm:spPr/>
+    </dgm:pt>
+    <dgm:pt modelId="{0EEA0303-624F-4E72-BD34-39FE2B1D8CF8}">
+      <dgm:prSet phldrT="[Text]"/>
+      <dgm:spPr/>
+      <dgm:t>
+        <a:bodyPr/>
+        <a:lstStyle/>
+        <a:p>
+          <a:r>
+            <a:rPr lang="en-US" smtClean="0"/>
+            <a:t>Algoritmi – mesanje niza celih brojeva</a:t>
+          </a:r>
+          <a:endParaRPr lang="en-US"/>
+        </a:p>
+      </dgm:t>
+    </dgm:pt>
+    <dgm:pt modelId="{16C16D1B-49C2-4CC1-BBB9-36278D248401}" type="parTrans" cxnId="{3B113B71-A9FA-473B-8B57-5386CFC4FCB4}">
+      <dgm:prSet/>
+      <dgm:spPr/>
+    </dgm:pt>
+    <dgm:pt modelId="{EAEB4339-B724-4721-BEFD-66113758BD98}" type="sibTrans" cxnId="{3B113B71-A9FA-473B-8B57-5386CFC4FCB4}">
+      <dgm:prSet/>
+      <dgm:spPr/>
+    </dgm:pt>
+    <dgm:pt modelId="{B01001EA-899D-46F9-88B0-9DAF7D66DA44}">
+      <dgm:prSet phldrT="[Text]"/>
+      <dgm:spPr/>
+      <dgm:t>
+        <a:bodyPr/>
+        <a:lstStyle/>
+        <a:p>
+          <a:r>
+            <a:rPr lang="en-US" smtClean="0"/>
+            <a:t>DOM manipulacije</a:t>
+          </a:r>
+          <a:endParaRPr lang="en-US"/>
+        </a:p>
+      </dgm:t>
+    </dgm:pt>
+    <dgm:pt modelId="{9D0B7E3F-2B07-44FB-81E0-BEF82EDE599F}" type="parTrans" cxnId="{57D89051-37B5-4D61-8CA4-9C71D44104E0}">
+      <dgm:prSet/>
+      <dgm:spPr/>
+    </dgm:pt>
+    <dgm:pt modelId="{C7CBC3E8-EB4F-439C-8E37-BC9077E878B7}" type="sibTrans" cxnId="{57D89051-37B5-4D61-8CA4-9C71D44104E0}">
       <dgm:prSet/>
       <dgm:spPr/>
     </dgm:pt>
@@ -1000,11 +1052,15 @@
     </dgm:pt>
   </dgm:ptLst>
   <dgm:cxnLst>
-    <dgm:cxn modelId="{C5A8E9B4-A897-4242-BCB6-414B02FAC18D}" type="presOf" srcId="{7BA3726F-3900-4FC3-8B1E-5B513F942281}" destId="{AADBD8E6-695F-4FE3-9A02-D807BC812A7C}" srcOrd="0" destOrd="0" presId="urn:microsoft.com/office/officeart/2005/8/layout/vList2"/>
+    <dgm:cxn modelId="{3B113B71-A9FA-473B-8B57-5386CFC4FCB4}" srcId="{01EB205F-FC18-44EF-B4D7-07083A382D6D}" destId="{0EEA0303-624F-4E72-BD34-39FE2B1D8CF8}" srcOrd="1" destOrd="0" parTransId="{16C16D1B-49C2-4CC1-BBB9-36278D248401}" sibTransId="{EAEB4339-B724-4721-BEFD-66113758BD98}"/>
+    <dgm:cxn modelId="{57D89051-37B5-4D61-8CA4-9C71D44104E0}" srcId="{01EB205F-FC18-44EF-B4D7-07083A382D6D}" destId="{B01001EA-899D-46F9-88B0-9DAF7D66DA44}" srcOrd="2" destOrd="0" parTransId="{9D0B7E3F-2B07-44FB-81E0-BEF82EDE599F}" sibTransId="{C7CBC3E8-EB4F-439C-8E37-BC9077E878B7}"/>
     <dgm:cxn modelId="{FB3F133B-D980-4586-8A93-14087C2AFDB7}" type="presOf" srcId="{01EB205F-FC18-44EF-B4D7-07083A382D6D}" destId="{F4D94EE2-DE87-41D3-8995-9FDA4ED2D4BE}" srcOrd="0" destOrd="0" presId="urn:microsoft.com/office/officeart/2005/8/layout/vList2"/>
+    <dgm:cxn modelId="{9ADF0326-01FB-4790-B759-ACDFB0217796}" type="presOf" srcId="{4EE1351B-4B79-4D48-8F5E-455F7AD945A8}" destId="{AEABCDDF-3180-4C76-A7CB-FC0B6AF0719A}" srcOrd="0" destOrd="0" presId="urn:microsoft.com/office/officeart/2005/8/layout/vList2"/>
     <dgm:cxn modelId="{C78D7D1E-4353-489A-8F01-856C716DDAA5}" srcId="{01EB205F-FC18-44EF-B4D7-07083A382D6D}" destId="{7BA3726F-3900-4FC3-8B1E-5B513F942281}" srcOrd="0" destOrd="0" parTransId="{F89418B0-7D47-48D3-A0DD-7DC00E292A1E}" sibTransId="{B8A6BCFB-F597-4971-BF20-6B7B52347AE9}"/>
     <dgm:cxn modelId="{554D4833-0D13-4D4C-92BF-76D83AECFDE6}" srcId="{4EE1351B-4B79-4D48-8F5E-455F7AD945A8}" destId="{01EB205F-FC18-44EF-B4D7-07083A382D6D}" srcOrd="0" destOrd="0" parTransId="{D4C6F2B3-566C-488E-AC05-F7BDFB6B7331}" sibTransId="{2BF717F9-FCD3-4CE3-A0A5-83D104AFB328}"/>
-    <dgm:cxn modelId="{9ADF0326-01FB-4790-B759-ACDFB0217796}" type="presOf" srcId="{4EE1351B-4B79-4D48-8F5E-455F7AD945A8}" destId="{AEABCDDF-3180-4C76-A7CB-FC0B6AF0719A}" srcOrd="0" destOrd="0" presId="urn:microsoft.com/office/officeart/2005/8/layout/vList2"/>
+    <dgm:cxn modelId="{E3BCF8DD-8FBA-415C-AB79-A83507B236E6}" type="presOf" srcId="{0EEA0303-624F-4E72-BD34-39FE2B1D8CF8}" destId="{AADBD8E6-695F-4FE3-9A02-D807BC812A7C}" srcOrd="0" destOrd="1" presId="urn:microsoft.com/office/officeart/2005/8/layout/vList2"/>
+    <dgm:cxn modelId="{C5A8E9B4-A897-4242-BCB6-414B02FAC18D}" type="presOf" srcId="{7BA3726F-3900-4FC3-8B1E-5B513F942281}" destId="{AADBD8E6-695F-4FE3-9A02-D807BC812A7C}" srcOrd="0" destOrd="0" presId="urn:microsoft.com/office/officeart/2005/8/layout/vList2"/>
+    <dgm:cxn modelId="{48A29816-65F0-4395-89DB-2D759CE3906C}" type="presOf" srcId="{B01001EA-899D-46F9-88B0-9DAF7D66DA44}" destId="{AADBD8E6-695F-4FE3-9A02-D807BC812A7C}" srcOrd="0" destOrd="2" presId="urn:microsoft.com/office/officeart/2005/8/layout/vList2"/>
     <dgm:cxn modelId="{541BD5B9-51DA-497F-838D-CDA31366E980}" type="presParOf" srcId="{AEABCDDF-3180-4C76-A7CB-FC0B6AF0719A}" destId="{F4D94EE2-DE87-41D3-8995-9FDA4ED2D4BE}" srcOrd="0" destOrd="0" presId="urn:microsoft.com/office/officeart/2005/8/layout/vList2"/>
     <dgm:cxn modelId="{C7801D2E-7067-4E56-86BD-8C707C34363A}" type="presParOf" srcId="{AEABCDDF-3180-4C76-A7CB-FC0B6AF0719A}" destId="{AADBD8E6-695F-4FE3-9A02-D807BC812A7C}" srcOrd="1" destOrd="0" presId="urn:microsoft.com/office/officeart/2005/8/layout/vList2"/>
   </dgm:cxnLst>
@@ -1033,7 +1089,7 @@
       </dsp:nvSpPr>
       <dsp:spPr>
         <a:xfrm>
-          <a:off x="0" y="1548347"/>
+          <a:off x="0" y="505585"/>
           <a:ext cx="8298873" cy="1521000"/>
         </a:xfrm>
         <a:prstGeom prst="roundRect">
@@ -1092,14 +1148,14 @@
             </a:spcAft>
           </a:pPr>
           <a:r>
-            <a:rPr lang="en-US" sz="6500" b="1" kern="1200" smtClean="0"/>
-            <a:t>HTML</a:t>
+            <a:rPr lang="en-US" sz="6500" kern="1200" smtClean="0"/>
+            <a:t>JavaScript</a:t>
           </a:r>
           <a:endParaRPr lang="en-US" sz="6500" kern="1200"/>
         </a:p>
       </dsp:txBody>
       <dsp:txXfrm>
-        <a:off x="74249" y="1622596"/>
+        <a:off x="74249" y="579834"/>
         <a:ext cx="8150375" cy="1372502"/>
       </dsp:txXfrm>
     </dsp:sp>
@@ -1110,8 +1166,8 @@
       </dsp:nvSpPr>
       <dsp:spPr>
         <a:xfrm>
-          <a:off x="0" y="3069347"/>
-          <a:ext cx="8298873" cy="1076400"/>
+          <a:off x="0" y="2026585"/>
+          <a:ext cx="8298873" cy="3161925"/>
         </a:xfrm>
         <a:prstGeom prst="rect">
           <a:avLst/>
@@ -1152,12 +1208,54 @@
             </a:spcAft>
             <a:buChar char="••"/>
           </a:pPr>
+          <a:r>
+            <a:rPr lang="en-US" sz="5100" kern="1200" smtClean="0"/>
+            <a:t>Closures</a:t>
+          </a:r>
+          <a:endParaRPr lang="en-US" sz="5100" kern="1200"/>
+        </a:p>
+        <a:p>
+          <a:pPr marL="285750" lvl="1" indent="-285750" algn="l" defTabSz="2266950">
+            <a:lnSpc>
+              <a:spcPct val="90000"/>
+            </a:lnSpc>
+            <a:spcBef>
+              <a:spcPct val="0"/>
+            </a:spcBef>
+            <a:spcAft>
+              <a:spcPct val="20000"/>
+            </a:spcAft>
+            <a:buChar char="••"/>
+          </a:pPr>
+          <a:r>
+            <a:rPr lang="en-US" sz="5100" kern="1200" smtClean="0"/>
+            <a:t>Algoritmi – mesanje niza celih brojeva</a:t>
+          </a:r>
+          <a:endParaRPr lang="en-US" sz="5100" kern="1200"/>
+        </a:p>
+        <a:p>
+          <a:pPr marL="285750" lvl="1" indent="-285750" algn="l" defTabSz="2266950">
+            <a:lnSpc>
+              <a:spcPct val="90000"/>
+            </a:lnSpc>
+            <a:spcBef>
+              <a:spcPct val="0"/>
+            </a:spcBef>
+            <a:spcAft>
+              <a:spcPct val="20000"/>
+            </a:spcAft>
+            <a:buChar char="••"/>
+          </a:pPr>
+          <a:r>
+            <a:rPr lang="en-US" sz="5100" kern="1200" smtClean="0"/>
+            <a:t>DOM manipulacije</a:t>
+          </a:r>
           <a:endParaRPr lang="en-US" sz="5100" kern="1200"/>
         </a:p>
       </dsp:txBody>
       <dsp:txXfrm>
-        <a:off x="0" y="3069347"/>
-        <a:ext cx="8298873" cy="1076400"/>
+        <a:off x="0" y="2026585"/>
+        <a:ext cx="8298873" cy="3161925"/>
       </dsp:txXfrm>
     </dsp:sp>
   </dsp:spTree>
@@ -2447,7 +2545,7 @@
           <a:p>
             <a:fld id="{D32AC403-8EB1-4D4E-8C3A-24BD19820531}" type="datetimeFigureOut">
               <a:rPr lang="en-US" smtClean="0"/>
-              <a:t>13-Mar-18</a:t>
+              <a:t>15-Mar-18</a:t>
             </a:fld>
             <a:endParaRPr lang="en-US"/>
           </a:p>
@@ -3193,7 +3291,7 @@
           <a:p>
             <a:fld id="{B35B300D-7DF5-4E96-8AA6-60E94C6E9F44}" type="datetimeFigureOut">
               <a:rPr lang="sr-Latn-RS" smtClean="0"/>
-              <a:t>13.3.2018.</a:t>
+              <a:t>15.3.2018.</a:t>
             </a:fld>
             <a:endParaRPr lang="sr-Latn-RS"/>
           </a:p>
@@ -3627,7 +3725,7 @@
           <a:p>
             <a:fld id="{B35B300D-7DF5-4E96-8AA6-60E94C6E9F44}" type="datetimeFigureOut">
               <a:rPr lang="sr-Latn-RS" smtClean="0"/>
-              <a:t>13.3.2018.</a:t>
+              <a:t>15.3.2018.</a:t>
             </a:fld>
             <a:endParaRPr lang="sr-Latn-RS"/>
           </a:p>
@@ -4001,7 +4099,7 @@
           <a:p>
             <a:fld id="{B35B300D-7DF5-4E96-8AA6-60E94C6E9F44}" type="datetimeFigureOut">
               <a:rPr lang="sr-Latn-RS" smtClean="0"/>
-              <a:t>13.3.2018.</a:t>
+              <a:t>15.3.2018.</a:t>
             </a:fld>
             <a:endParaRPr lang="sr-Latn-RS"/>
           </a:p>
@@ -4285,7 +4383,7 @@
           <a:p>
             <a:fld id="{B35B300D-7DF5-4E96-8AA6-60E94C6E9F44}" type="datetimeFigureOut">
               <a:rPr lang="sr-Latn-RS" smtClean="0"/>
-              <a:t>13.3.2018.</a:t>
+              <a:t>15.3.2018.</a:t>
             </a:fld>
             <a:endParaRPr lang="sr-Latn-RS"/>
           </a:p>
@@ -4462,7 +4560,7 @@
           <a:p>
             <a:fld id="{B35B300D-7DF5-4E96-8AA6-60E94C6E9F44}" type="datetimeFigureOut">
               <a:rPr lang="sr-Latn-RS" smtClean="0"/>
-              <a:t>13.3.2018.</a:t>
+              <a:t>15.3.2018.</a:t>
             </a:fld>
             <a:endParaRPr lang="sr-Latn-RS"/>
           </a:p>
@@ -4649,7 +4747,7 @@
           <a:p>
             <a:fld id="{B35B300D-7DF5-4E96-8AA6-60E94C6E9F44}" type="datetimeFigureOut">
               <a:rPr lang="sr-Latn-RS" smtClean="0"/>
-              <a:t>13.3.2018.</a:t>
+              <a:t>15.3.2018.</a:t>
             </a:fld>
             <a:endParaRPr lang="sr-Latn-RS"/>
           </a:p>
@@ -4896,7 +4994,7 @@
           <a:p>
             <a:fld id="{B35B300D-7DF5-4E96-8AA6-60E94C6E9F44}" type="datetimeFigureOut">
               <a:rPr lang="sr-Latn-RS" smtClean="0"/>
-              <a:t>13.3.2018.</a:t>
+              <a:t>15.3.2018.</a:t>
             </a:fld>
             <a:endParaRPr lang="sr-Latn-RS"/>
           </a:p>
@@ -5180,7 +5278,7 @@
           <a:p>
             <a:fld id="{B35B300D-7DF5-4E96-8AA6-60E94C6E9F44}" type="datetimeFigureOut">
               <a:rPr lang="sr-Latn-RS" smtClean="0"/>
-              <a:t>13.3.2018.</a:t>
+              <a:t>15.3.2018.</a:t>
             </a:fld>
             <a:endParaRPr lang="sr-Latn-RS"/>
           </a:p>
@@ -7099,7 +7197,7 @@
           <a:p>
             <a:fld id="{B35B300D-7DF5-4E96-8AA6-60E94C6E9F44}" type="datetimeFigureOut">
               <a:rPr lang="sr-Latn-RS" smtClean="0"/>
-              <a:t>13.3.2018.</a:t>
+              <a:t>15.3.2018.</a:t>
             </a:fld>
             <a:endParaRPr lang="sr-Latn-RS"/>
           </a:p>
@@ -7533,15 +7631,7 @@
             </a:br>
             <a:r>
               <a:rPr lang="en-US" b="1" smtClean="0"/>
-              <a:t>16 </a:t>
-            </a:r>
-            <a:r>
-              <a:rPr lang="en-US" b="1" smtClean="0"/>
-              <a:t>– </a:t>
-            </a:r>
-            <a:r>
-              <a:rPr lang="en-US" b="1" smtClean="0"/>
-              <a:t>16.03.2018</a:t>
+              <a:t>16 – 16.03.2018</a:t>
             </a:r>
             <a:endParaRPr lang="en-US"/>
           </a:p>
@@ -7670,7 +7760,7 @@
           <p:nvPr>
             <p:extLst>
               <p:ext uri="{D42A27DB-BD31-4B8C-83A1-F6EECF244321}">
-                <p14:modId xmlns:p14="http://schemas.microsoft.com/office/powerpoint/2010/main" val="571710413"/>
+                <p14:modId xmlns:p14="http://schemas.microsoft.com/office/powerpoint/2010/main" val="3688072844"/>
               </p:ext>
             </p:extLst>
           </p:nvPr>
@@ -7795,6 +7885,10 @@
           <a:lstStyle/>
           <a:p>
             <a:pPr lvl="1"/>
+            <a:r>
+              <a:rPr lang="en-US" smtClean="0"/>
+              <a:t>Function constructor</a:t>
+            </a:r>
             <a:endParaRPr lang="en-US" smtClean="0"/>
           </a:p>
         </p:txBody>
@@ -7890,15 +7984,10 @@
             <a:spLocks noGrp="1"/>
           </p:cNvSpPr>
           <p:nvPr>
-            <p:ph type="body" sz="quarter" idx="4294967295"/>
+            <p:ph type="body" sz="quarter" idx="11"/>
           </p:nvPr>
         </p:nvSpPr>
-        <p:spPr>
-          <a:xfrm>
-            <a:off x="7368309" y="3196013"/>
-            <a:ext cx="4699000" cy="1930400"/>
-          </a:xfrm>
-        </p:spPr>
+        <p:spPr/>
         <p:txBody>
           <a:bodyPr/>
           <a:lstStyle/>
@@ -7906,7 +7995,7 @@
             <a:pPr lvl="0"/>
             <a:r>
               <a:rPr lang="en-US" sz="4000" smtClean="0"/>
-              <a:t>text</a:t>
+              <a:t>Mesanje niza celih brojeva</a:t>
             </a:r>
             <a:endParaRPr lang="en-US" sz="4000"/>
           </a:p>
@@ -7929,6 +8018,88 @@
       </p:par>
     </p:tnLst>
   </p:timing>
+</p:sld>
+</file>
+
+<file path=ppt/slides/slide5.xml><?xml version="1.0" encoding="utf-8"?>
+<p:sld xmlns:a="http://schemas.openxmlformats.org/drawingml/2006/main" xmlns:r="http://schemas.openxmlformats.org/officeDocument/2006/relationships" xmlns:p="http://schemas.openxmlformats.org/presentationml/2006/main">
+  <p:cSld>
+    <p:spTree>
+      <p:nvGrpSpPr>
+        <p:cNvPr id="1" name=""/>
+        <p:cNvGrpSpPr/>
+        <p:nvPr/>
+      </p:nvGrpSpPr>
+      <p:grpSpPr>
+        <a:xfrm>
+          <a:off x="0" y="0"/>
+          <a:ext cx="0" cy="0"/>
+          <a:chOff x="0" y="0"/>
+          <a:chExt cx="0" cy="0"/>
+        </a:xfrm>
+      </p:grpSpPr>
+      <p:sp>
+        <p:nvSpPr>
+          <p:cNvPr id="4" name="Title 3"/>
+          <p:cNvSpPr>
+            <a:spLocks noGrp="1"/>
+          </p:cNvSpPr>
+          <p:nvPr>
+            <p:ph type="title"/>
+          </p:nvPr>
+        </p:nvSpPr>
+        <p:spPr/>
+        <p:txBody>
+          <a:bodyPr/>
+          <a:lstStyle/>
+          <a:p>
+            <a:r>
+              <a:rPr lang="en-US" smtClean="0"/>
+              <a:t>Problem</a:t>
+            </a:r>
+            <a:endParaRPr lang="sr-Latn-RS"/>
+          </a:p>
+        </p:txBody>
+      </p:sp>
+      <p:sp>
+        <p:nvSpPr>
+          <p:cNvPr id="5" name="Content Placeholder 4"/>
+          <p:cNvSpPr>
+            <a:spLocks noGrp="1"/>
+          </p:cNvSpPr>
+          <p:nvPr>
+            <p:ph sz="quarter" idx="10"/>
+          </p:nvPr>
+        </p:nvSpPr>
+        <p:spPr/>
+        <p:txBody>
+          <a:bodyPr/>
+          <a:lstStyle/>
+          <a:p>
+            <a:r>
+              <a:rPr lang="en-US" smtClean="0"/>
+              <a:t>Ulaz [1,2,3,4]</a:t>
+            </a:r>
+          </a:p>
+          <a:p>
+            <a:r>
+              <a:rPr lang="en-US" smtClean="0"/>
+              <a:t>Izlaz [3,1,4,2]</a:t>
+            </a:r>
+            <a:endParaRPr lang="sr-Latn-RS"/>
+          </a:p>
+        </p:txBody>
+      </p:sp>
+    </p:spTree>
+    <p:extLst>
+      <p:ext uri="{BB962C8B-B14F-4D97-AF65-F5344CB8AC3E}">
+        <p14:creationId xmlns:p14="http://schemas.microsoft.com/office/powerpoint/2010/main" val="1153353680"/>
+      </p:ext>
+    </p:extLst>
+  </p:cSld>
+  <p:clrMapOvr>
+    <a:masterClrMapping/>
+  </p:clrMapOvr>
 </p:sld>
 </file>
 

--- a/sesija-16/PPT/Front-End Developer-16.pptx
+++ b/sesija-16/PPT/Front-End Developer-16.pptx
@@ -6,14 +6,21 @@
     <p:sldMasterId id="2147483676" r:id="rId2"/>
   </p:sldMasterIdLst>
   <p:notesMasterIdLst>
-    <p:notesMasterId r:id="rId8"/>
+    <p:notesMasterId r:id="rId15"/>
   </p:notesMasterIdLst>
   <p:sldIdLst>
     <p:sldId id="256" r:id="rId3"/>
     <p:sldId id="257" r:id="rId4"/>
     <p:sldId id="258" r:id="rId5"/>
     <p:sldId id="263" r:id="rId6"/>
-    <p:sldId id="264" r:id="rId7"/>
+    <p:sldId id="267" r:id="rId7"/>
+    <p:sldId id="266" r:id="rId8"/>
+    <p:sldId id="265" r:id="rId9"/>
+    <p:sldId id="264" r:id="rId10"/>
+    <p:sldId id="268" r:id="rId11"/>
+    <p:sldId id="269" r:id="rId12"/>
+    <p:sldId id="270" r:id="rId13"/>
+    <p:sldId id="271" r:id="rId14"/>
   </p:sldIdLst>
   <p:sldSz cx="12192000" cy="6858000"/>
   <p:notesSz cx="6858000" cy="9144000"/>
@@ -121,7 +128,14 @@
             <p14:sldId id="257"/>
             <p14:sldId id="258"/>
             <p14:sldId id="263"/>
+            <p14:sldId id="267"/>
+            <p14:sldId id="266"/>
+            <p14:sldId id="265"/>
             <p14:sldId id="264"/>
+            <p14:sldId id="268"/>
+            <p14:sldId id="269"/>
+            <p14:sldId id="270"/>
+            <p14:sldId id="271"/>
           </p14:sldIdLst>
         </p14:section>
       </p14:sectionLst>
@@ -136,7 +150,794 @@
 </p:presentation>
 </file>
 
+<file path=ppt/commentAuthors.xml><?xml version="1.0" encoding="utf-8"?>
+<p:cmAuthorLst xmlns:a="http://schemas.openxmlformats.org/drawingml/2006/main" xmlns:r="http://schemas.openxmlformats.org/officeDocument/2006/relationships" xmlns:p="http://schemas.openxmlformats.org/presentationml/2006/main">
+  <p:cmAuthor id="1" name="Radovan Ostojić" initials="RO" lastIdx="1" clrIdx="0">
+    <p:extLst>
+      <p:ext uri="{19B8F6BF-5375-455C-9EA6-DF929625EA0E}">
+        <p15:presenceInfo xmlns:p15="http://schemas.microsoft.com/office/powerpoint/2012/main" userId="S-1-5-21-1378709938-19552491-2855517121-2262" providerId="AD"/>
+      </p:ext>
+    </p:extLst>
+  </p:cmAuthor>
+</p:cmAuthorLst>
+</file>
+
+<file path=ppt/comments/comment1.xml><?xml version="1.0" encoding="utf-8"?>
+<p:cmLst xmlns:a="http://schemas.openxmlformats.org/drawingml/2006/main" xmlns:r="http://schemas.openxmlformats.org/officeDocument/2006/relationships" xmlns:p="http://schemas.openxmlformats.org/presentationml/2006/main">
+  <p:cm authorId="1" dt="2018-03-15T23:19:31.991" idx="1">
+    <p:pos x="10" y="10"/>
+    <p:text/>
+    <p:extLst>
+      <p:ext uri="{C676402C-5697-4E1C-873F-D02D1690AC5C}">
+        <p15:threadingInfo xmlns:p15="http://schemas.microsoft.com/office/powerpoint/2012/main" timeZoneBias="-60"/>
+      </p:ext>
+    </p:extLst>
+  </p:cm>
+</p:cmLst>
+</file>
+
+<file path=ppt/comments/comment2.xml><?xml version="1.0" encoding="utf-8"?>
+<p:cmLst xmlns:a="http://schemas.openxmlformats.org/drawingml/2006/main" xmlns:r="http://schemas.openxmlformats.org/officeDocument/2006/relationships" xmlns:p="http://schemas.openxmlformats.org/presentationml/2006/main">
+  <p:cm authorId="1" dt="2018-03-15T23:19:31.991" idx="1">
+    <p:pos x="10" y="10"/>
+    <p:text/>
+    <p:extLst>
+      <p:ext uri="{C676402C-5697-4E1C-873F-D02D1690AC5C}">
+        <p15:threadingInfo xmlns:p15="http://schemas.microsoft.com/office/powerpoint/2012/main" timeZoneBias="-60"/>
+      </p:ext>
+    </p:extLst>
+  </p:cm>
+</p:cmLst>
+</file>
+
 <file path=ppt/diagrams/colors1.xml><?xml version="1.0" encoding="utf-8"?>
+<dgm:colorsDef xmlns:dgm="http://schemas.openxmlformats.org/drawingml/2006/diagram" xmlns:a="http://schemas.openxmlformats.org/drawingml/2006/main" uniqueId="urn:microsoft.com/office/officeart/2005/8/colors/accent1_2">
+  <dgm:title val=""/>
+  <dgm:desc val=""/>
+  <dgm:catLst>
+    <dgm:cat type="accent1" pri="11200"/>
+  </dgm:catLst>
+  <dgm:styleLbl name="node0">
+    <dgm:fillClrLst meth="repeat">
+      <a:schemeClr val="accent1"/>
+    </dgm:fillClrLst>
+    <dgm:linClrLst meth="repeat">
+      <a:schemeClr val="lt1"/>
+    </dgm:linClrLst>
+    <dgm:effectClrLst/>
+    <dgm:txLinClrLst/>
+    <dgm:txFillClrLst/>
+    <dgm:txEffectClrLst/>
+  </dgm:styleLbl>
+  <dgm:styleLbl name="alignNode1">
+    <dgm:fillClrLst meth="repeat">
+      <a:schemeClr val="accent1"/>
+    </dgm:fillClrLst>
+    <dgm:linClrLst meth="repeat">
+      <a:schemeClr val="accent1"/>
+    </dgm:linClrLst>
+    <dgm:effectClrLst/>
+    <dgm:txLinClrLst/>
+    <dgm:txFillClrLst/>
+    <dgm:txEffectClrLst/>
+  </dgm:styleLbl>
+  <dgm:styleLbl name="node1">
+    <dgm:fillClrLst meth="repeat">
+      <a:schemeClr val="accent1"/>
+    </dgm:fillClrLst>
+    <dgm:linClrLst meth="repeat">
+      <a:schemeClr val="lt1"/>
+    </dgm:linClrLst>
+    <dgm:effectClrLst/>
+    <dgm:txLinClrLst/>
+    <dgm:txFillClrLst/>
+    <dgm:txEffectClrLst/>
+  </dgm:styleLbl>
+  <dgm:styleLbl name="lnNode1">
+    <dgm:fillClrLst meth="repeat">
+      <a:schemeClr val="accent1"/>
+    </dgm:fillClrLst>
+    <dgm:linClrLst meth="repeat">
+      <a:schemeClr val="lt1"/>
+    </dgm:linClrLst>
+    <dgm:effectClrLst/>
+    <dgm:txLinClrLst/>
+    <dgm:txFillClrLst/>
+    <dgm:txEffectClrLst/>
+  </dgm:styleLbl>
+  <dgm:styleLbl name="vennNode1">
+    <dgm:fillClrLst meth="repeat">
+      <a:schemeClr val="accent1">
+        <a:alpha val="50000"/>
+      </a:schemeClr>
+    </dgm:fillClrLst>
+    <dgm:linClrLst meth="repeat">
+      <a:schemeClr val="lt1"/>
+    </dgm:linClrLst>
+    <dgm:effectClrLst/>
+    <dgm:txLinClrLst/>
+    <dgm:txFillClrLst/>
+    <dgm:txEffectClrLst/>
+  </dgm:styleLbl>
+  <dgm:styleLbl name="node2">
+    <dgm:fillClrLst meth="repeat">
+      <a:schemeClr val="accent1"/>
+    </dgm:fillClrLst>
+    <dgm:linClrLst meth="repeat">
+      <a:schemeClr val="lt1"/>
+    </dgm:linClrLst>
+    <dgm:effectClrLst/>
+    <dgm:txLinClrLst/>
+    <dgm:txFillClrLst/>
+    <dgm:txEffectClrLst/>
+  </dgm:styleLbl>
+  <dgm:styleLbl name="node3">
+    <dgm:fillClrLst meth="repeat">
+      <a:schemeClr val="accent1"/>
+    </dgm:fillClrLst>
+    <dgm:linClrLst meth="repeat">
+      <a:schemeClr val="lt1"/>
+    </dgm:linClrLst>
+    <dgm:effectClrLst/>
+    <dgm:txLinClrLst/>
+    <dgm:txFillClrLst/>
+    <dgm:txEffectClrLst/>
+  </dgm:styleLbl>
+  <dgm:styleLbl name="node4">
+    <dgm:fillClrLst meth="repeat">
+      <a:schemeClr val="accent1"/>
+    </dgm:fillClrLst>
+    <dgm:linClrLst meth="repeat">
+      <a:schemeClr val="lt1"/>
+    </dgm:linClrLst>
+    <dgm:effectClrLst/>
+    <dgm:txLinClrLst/>
+    <dgm:txFillClrLst/>
+    <dgm:txEffectClrLst/>
+  </dgm:styleLbl>
+  <dgm:styleLbl name="fgImgPlace1">
+    <dgm:fillClrLst meth="repeat">
+      <a:schemeClr val="accent1">
+        <a:tint val="50000"/>
+      </a:schemeClr>
+    </dgm:fillClrLst>
+    <dgm:linClrLst meth="repeat">
+      <a:schemeClr val="lt1"/>
+    </dgm:linClrLst>
+    <dgm:effectClrLst/>
+    <dgm:txLinClrLst/>
+    <dgm:txFillClrLst meth="repeat">
+      <a:schemeClr val="lt1"/>
+    </dgm:txFillClrLst>
+    <dgm:txEffectClrLst/>
+  </dgm:styleLbl>
+  <dgm:styleLbl name="alignImgPlace1">
+    <dgm:fillClrLst meth="repeat">
+      <a:schemeClr val="accent1">
+        <a:tint val="50000"/>
+      </a:schemeClr>
+    </dgm:fillClrLst>
+    <dgm:linClrLst meth="repeat">
+      <a:schemeClr val="lt1"/>
+    </dgm:linClrLst>
+    <dgm:effectClrLst/>
+    <dgm:txLinClrLst/>
+    <dgm:txFillClrLst meth="repeat">
+      <a:schemeClr val="lt1"/>
+    </dgm:txFillClrLst>
+    <dgm:txEffectClrLst/>
+  </dgm:styleLbl>
+  <dgm:styleLbl name="bgImgPlace1">
+    <dgm:fillClrLst meth="repeat">
+      <a:schemeClr val="accent1">
+        <a:tint val="50000"/>
+      </a:schemeClr>
+    </dgm:fillClrLst>
+    <dgm:linClrLst meth="repeat">
+      <a:schemeClr val="lt1"/>
+    </dgm:linClrLst>
+    <dgm:effectClrLst/>
+    <dgm:txLinClrLst/>
+    <dgm:txFillClrLst meth="repeat">
+      <a:schemeClr val="lt1"/>
+    </dgm:txFillClrLst>
+    <dgm:txEffectClrLst/>
+  </dgm:styleLbl>
+  <dgm:styleLbl name="sibTrans2D1">
+    <dgm:fillClrLst meth="repeat">
+      <a:schemeClr val="accent1">
+        <a:tint val="60000"/>
+      </a:schemeClr>
+    </dgm:fillClrLst>
+    <dgm:linClrLst meth="repeat">
+      <a:schemeClr val="accent1">
+        <a:tint val="60000"/>
+      </a:schemeClr>
+    </dgm:linClrLst>
+    <dgm:effectClrLst/>
+    <dgm:txLinClrLst/>
+    <dgm:txFillClrLst/>
+    <dgm:txEffectClrLst/>
+  </dgm:styleLbl>
+  <dgm:styleLbl name="fgSibTrans2D1">
+    <dgm:fillClrLst meth="repeat">
+      <a:schemeClr val="accent1">
+        <a:tint val="60000"/>
+      </a:schemeClr>
+    </dgm:fillClrLst>
+    <dgm:linClrLst meth="repeat">
+      <a:schemeClr val="accent1">
+        <a:tint val="60000"/>
+      </a:schemeClr>
+    </dgm:linClrLst>
+    <dgm:effectClrLst/>
+    <dgm:txLinClrLst/>
+    <dgm:txFillClrLst/>
+    <dgm:txEffectClrLst/>
+  </dgm:styleLbl>
+  <dgm:styleLbl name="bgSibTrans2D1">
+    <dgm:fillClrLst meth="repeat">
+      <a:schemeClr val="accent1">
+        <a:tint val="60000"/>
+      </a:schemeClr>
+    </dgm:fillClrLst>
+    <dgm:linClrLst meth="repeat">
+      <a:schemeClr val="accent1">
+        <a:tint val="60000"/>
+      </a:schemeClr>
+    </dgm:linClrLst>
+    <dgm:effectClrLst/>
+    <dgm:txLinClrLst/>
+    <dgm:txFillClrLst/>
+    <dgm:txEffectClrLst/>
+  </dgm:styleLbl>
+  <dgm:styleLbl name="sibTrans1D1">
+    <dgm:fillClrLst meth="repeat">
+      <a:schemeClr val="accent1"/>
+    </dgm:fillClrLst>
+    <dgm:linClrLst meth="repeat">
+      <a:schemeClr val="accent1"/>
+    </dgm:linClrLst>
+    <dgm:effectClrLst/>
+    <dgm:txLinClrLst/>
+    <dgm:txFillClrLst meth="repeat">
+      <a:schemeClr val="tx1"/>
+    </dgm:txFillClrLst>
+    <dgm:txEffectClrLst/>
+  </dgm:styleLbl>
+  <dgm:styleLbl name="callout">
+    <dgm:fillClrLst meth="repeat">
+      <a:schemeClr val="accent1"/>
+    </dgm:fillClrLst>
+    <dgm:linClrLst meth="repeat">
+      <a:schemeClr val="accent1">
+        <a:tint val="50000"/>
+      </a:schemeClr>
+    </dgm:linClrLst>
+    <dgm:effectClrLst/>
+    <dgm:txLinClrLst/>
+    <dgm:txFillClrLst meth="repeat">
+      <a:schemeClr val="tx1"/>
+    </dgm:txFillClrLst>
+    <dgm:txEffectClrLst/>
+  </dgm:styleLbl>
+  <dgm:styleLbl name="asst0">
+    <dgm:fillClrLst meth="repeat">
+      <a:schemeClr val="accent1"/>
+    </dgm:fillClrLst>
+    <dgm:linClrLst meth="repeat">
+      <a:schemeClr val="lt1"/>
+    </dgm:linClrLst>
+    <dgm:effectClrLst/>
+    <dgm:txLinClrLst/>
+    <dgm:txFillClrLst/>
+    <dgm:txEffectClrLst/>
+  </dgm:styleLbl>
+  <dgm:styleLbl name="asst1">
+    <dgm:fillClrLst meth="repeat">
+      <a:schemeClr val="accent1"/>
+    </dgm:fillClrLst>
+    <dgm:linClrLst meth="repeat">
+      <a:schemeClr val="lt1"/>
+    </dgm:linClrLst>
+    <dgm:effectClrLst/>
+    <dgm:txLinClrLst/>
+    <dgm:txFillClrLst/>
+    <dgm:txEffectClrLst/>
+  </dgm:styleLbl>
+  <dgm:styleLbl name="asst2">
+    <dgm:fillClrLst meth="repeat">
+      <a:schemeClr val="accent1"/>
+    </dgm:fillClrLst>
+    <dgm:linClrLst meth="repeat">
+      <a:schemeClr val="lt1"/>
+    </dgm:linClrLst>
+    <dgm:effectClrLst/>
+    <dgm:txLinClrLst/>
+    <dgm:txFillClrLst/>
+    <dgm:txEffectClrLst/>
+  </dgm:styleLbl>
+  <dgm:styleLbl name="asst3">
+    <dgm:fillClrLst meth="repeat">
+      <a:schemeClr val="accent1"/>
+    </dgm:fillClrLst>
+    <dgm:linClrLst meth="repeat">
+      <a:schemeClr val="lt1"/>
+    </dgm:linClrLst>
+    <dgm:effectClrLst/>
+    <dgm:txLinClrLst/>
+    <dgm:txFillClrLst/>
+    <dgm:txEffectClrLst/>
+  </dgm:styleLbl>
+  <dgm:styleLbl name="asst4">
+    <dgm:fillClrLst meth="repeat">
+      <a:schemeClr val="accent1"/>
+    </dgm:fillClrLst>
+    <dgm:linClrLst meth="repeat">
+      <a:schemeClr val="lt1"/>
+    </dgm:linClrLst>
+    <dgm:effectClrLst/>
+    <dgm:txLinClrLst/>
+    <dgm:txFillClrLst/>
+    <dgm:txEffectClrLst/>
+  </dgm:styleLbl>
+  <dgm:styleLbl name="parChTrans2D1">
+    <dgm:fillClrLst meth="repeat">
+      <a:schemeClr val="accent1">
+        <a:tint val="60000"/>
+      </a:schemeClr>
+    </dgm:fillClrLst>
+    <dgm:linClrLst meth="repeat">
+      <a:schemeClr val="accent1">
+        <a:tint val="60000"/>
+      </a:schemeClr>
+    </dgm:linClrLst>
+    <dgm:effectClrLst/>
+    <dgm:txLinClrLst/>
+    <dgm:txFillClrLst meth="repeat">
+      <a:schemeClr val="lt1"/>
+    </dgm:txFillClrLst>
+    <dgm:txEffectClrLst/>
+  </dgm:styleLbl>
+  <dgm:styleLbl name="parChTrans2D2">
+    <dgm:fillClrLst meth="repeat">
+      <a:schemeClr val="accent1"/>
+    </dgm:fillClrLst>
+    <dgm:linClrLst meth="repeat">
+      <a:schemeClr val="accent1"/>
+    </dgm:linClrLst>
+    <dgm:effectClrLst/>
+    <dgm:txLinClrLst/>
+    <dgm:txFillClrLst meth="repeat">
+      <a:schemeClr val="lt1"/>
+    </dgm:txFillClrLst>
+    <dgm:txEffectClrLst/>
+  </dgm:styleLbl>
+  <dgm:styleLbl name="parChTrans2D3">
+    <dgm:fillClrLst meth="repeat">
+      <a:schemeClr val="accent1"/>
+    </dgm:fillClrLst>
+    <dgm:linClrLst meth="repeat">
+      <a:schemeClr val="accent1"/>
+    </dgm:linClrLst>
+    <dgm:effectClrLst/>
+    <dgm:txLinClrLst/>
+    <dgm:txFillClrLst meth="repeat">
+      <a:schemeClr val="lt1"/>
+    </dgm:txFillClrLst>
+    <dgm:txEffectClrLst/>
+  </dgm:styleLbl>
+  <dgm:styleLbl name="parChTrans2D4">
+    <dgm:fillClrLst meth="repeat">
+      <a:schemeClr val="accent1"/>
+    </dgm:fillClrLst>
+    <dgm:linClrLst meth="repeat">
+      <a:schemeClr val="accent1"/>
+    </dgm:linClrLst>
+    <dgm:effectClrLst/>
+    <dgm:txLinClrLst/>
+    <dgm:txFillClrLst meth="repeat">
+      <a:schemeClr val="lt1"/>
+    </dgm:txFillClrLst>
+    <dgm:txEffectClrLst/>
+  </dgm:styleLbl>
+  <dgm:styleLbl name="parChTrans1D1">
+    <dgm:fillClrLst meth="repeat">
+      <a:schemeClr val="accent1"/>
+    </dgm:fillClrLst>
+    <dgm:linClrLst meth="repeat">
+      <a:schemeClr val="accent1">
+        <a:shade val="60000"/>
+      </a:schemeClr>
+    </dgm:linClrLst>
+    <dgm:effectClrLst/>
+    <dgm:txLinClrLst/>
+    <dgm:txFillClrLst meth="repeat">
+      <a:schemeClr val="tx1"/>
+    </dgm:txFillClrLst>
+    <dgm:txEffectClrLst/>
+  </dgm:styleLbl>
+  <dgm:styleLbl name="parChTrans1D2">
+    <dgm:fillClrLst meth="repeat">
+      <a:schemeClr val="accent1"/>
+    </dgm:fillClrLst>
+    <dgm:linClrLst meth="repeat">
+      <a:schemeClr val="accent1">
+        <a:shade val="60000"/>
+      </a:schemeClr>
+    </dgm:linClrLst>
+    <dgm:effectClrLst/>
+    <dgm:txLinClrLst/>
+    <dgm:txFillClrLst meth="repeat">
+      <a:schemeClr val="tx1"/>
+    </dgm:txFillClrLst>
+    <dgm:txEffectClrLst/>
+  </dgm:styleLbl>
+  <dgm:styleLbl name="parChTrans1D3">
+    <dgm:fillClrLst meth="repeat">
+      <a:schemeClr val="accent1"/>
+    </dgm:fillClrLst>
+    <dgm:linClrLst meth="repeat">
+      <a:schemeClr val="accent1">
+        <a:shade val="80000"/>
+      </a:schemeClr>
+    </dgm:linClrLst>
+    <dgm:effectClrLst/>
+    <dgm:txLinClrLst/>
+    <dgm:txFillClrLst meth="repeat">
+      <a:schemeClr val="tx1"/>
+    </dgm:txFillClrLst>
+    <dgm:txEffectClrLst/>
+  </dgm:styleLbl>
+  <dgm:styleLbl name="parChTrans1D4">
+    <dgm:fillClrLst meth="repeat">
+      <a:schemeClr val="accent1"/>
+    </dgm:fillClrLst>
+    <dgm:linClrLst meth="repeat">
+      <a:schemeClr val="accent1">
+        <a:shade val="80000"/>
+      </a:schemeClr>
+    </dgm:linClrLst>
+    <dgm:effectClrLst/>
+    <dgm:txLinClrLst/>
+    <dgm:txFillClrLst meth="repeat">
+      <a:schemeClr val="tx1"/>
+    </dgm:txFillClrLst>
+    <dgm:txEffectClrLst/>
+  </dgm:styleLbl>
+  <dgm:styleLbl name="fgAcc1">
+    <dgm:fillClrLst meth="repeat">
+      <a:schemeClr val="lt1">
+        <a:alpha val="90000"/>
+      </a:schemeClr>
+    </dgm:fillClrLst>
+    <dgm:linClrLst meth="repeat">
+      <a:schemeClr val="accent1"/>
+    </dgm:linClrLst>
+    <dgm:effectClrLst/>
+    <dgm:txLinClrLst/>
+    <dgm:txFillClrLst meth="repeat">
+      <a:schemeClr val="dk1"/>
+    </dgm:txFillClrLst>
+    <dgm:txEffectClrLst/>
+  </dgm:styleLbl>
+  <dgm:styleLbl name="conFgAcc1">
+    <dgm:fillClrLst meth="repeat">
+      <a:schemeClr val="lt1">
+        <a:alpha val="90000"/>
+      </a:schemeClr>
+    </dgm:fillClrLst>
+    <dgm:linClrLst meth="repeat">
+      <a:schemeClr val="accent1"/>
+    </dgm:linClrLst>
+    <dgm:effectClrLst/>
+    <dgm:txLinClrLst/>
+    <dgm:txFillClrLst meth="repeat">
+      <a:schemeClr val="dk1"/>
+    </dgm:txFillClrLst>
+    <dgm:txEffectClrLst/>
+  </dgm:styleLbl>
+  <dgm:styleLbl name="alignAcc1">
+    <dgm:fillClrLst meth="repeat">
+      <a:schemeClr val="lt1">
+        <a:alpha val="90000"/>
+      </a:schemeClr>
+    </dgm:fillClrLst>
+    <dgm:linClrLst meth="repeat">
+      <a:schemeClr val="accent1"/>
+    </dgm:linClrLst>
+    <dgm:effectClrLst/>
+    <dgm:txLinClrLst/>
+    <dgm:txFillClrLst meth="repeat">
+      <a:schemeClr val="dk1"/>
+    </dgm:txFillClrLst>
+    <dgm:txEffectClrLst/>
+  </dgm:styleLbl>
+  <dgm:styleLbl name="trAlignAcc1">
+    <dgm:fillClrLst meth="repeat">
+      <a:schemeClr val="lt1">
+        <a:alpha val="40000"/>
+      </a:schemeClr>
+    </dgm:fillClrLst>
+    <dgm:linClrLst meth="repeat">
+      <a:schemeClr val="accent1"/>
+    </dgm:linClrLst>
+    <dgm:effectClrLst/>
+    <dgm:txLinClrLst/>
+    <dgm:txFillClrLst meth="repeat">
+      <a:schemeClr val="dk1"/>
+    </dgm:txFillClrLst>
+    <dgm:txEffectClrLst/>
+  </dgm:styleLbl>
+  <dgm:styleLbl name="bgAcc1">
+    <dgm:fillClrLst meth="repeat">
+      <a:schemeClr val="lt1">
+        <a:alpha val="90000"/>
+      </a:schemeClr>
+    </dgm:fillClrLst>
+    <dgm:linClrLst meth="repeat">
+      <a:schemeClr val="accent1"/>
+    </dgm:linClrLst>
+    <dgm:effectClrLst/>
+    <dgm:txLinClrLst/>
+    <dgm:txFillClrLst meth="repeat">
+      <a:schemeClr val="dk1"/>
+    </dgm:txFillClrLst>
+    <dgm:txEffectClrLst/>
+  </dgm:styleLbl>
+  <dgm:styleLbl name="solidFgAcc1">
+    <dgm:fillClrLst meth="repeat">
+      <a:schemeClr val="lt1"/>
+    </dgm:fillClrLst>
+    <dgm:linClrLst meth="repeat">
+      <a:schemeClr val="accent1"/>
+    </dgm:linClrLst>
+    <dgm:effectClrLst/>
+    <dgm:txLinClrLst/>
+    <dgm:txFillClrLst meth="repeat">
+      <a:schemeClr val="dk1"/>
+    </dgm:txFillClrLst>
+    <dgm:txEffectClrLst/>
+  </dgm:styleLbl>
+  <dgm:styleLbl name="solidAlignAcc1">
+    <dgm:fillClrLst meth="repeat">
+      <a:schemeClr val="lt1"/>
+    </dgm:fillClrLst>
+    <dgm:linClrLst meth="repeat">
+      <a:schemeClr val="accent1"/>
+    </dgm:linClrLst>
+    <dgm:effectClrLst/>
+    <dgm:txLinClrLst/>
+    <dgm:txFillClrLst meth="repeat">
+      <a:schemeClr val="dk1"/>
+    </dgm:txFillClrLst>
+    <dgm:txEffectClrLst/>
+  </dgm:styleLbl>
+  <dgm:styleLbl name="solidBgAcc1">
+    <dgm:fillClrLst meth="repeat">
+      <a:schemeClr val="lt1"/>
+    </dgm:fillClrLst>
+    <dgm:linClrLst meth="repeat">
+      <a:schemeClr val="accent1"/>
+    </dgm:linClrLst>
+    <dgm:effectClrLst/>
+    <dgm:txLinClrLst/>
+    <dgm:txFillClrLst meth="repeat">
+      <a:schemeClr val="dk1"/>
+    </dgm:txFillClrLst>
+    <dgm:txEffectClrLst/>
+  </dgm:styleLbl>
+  <dgm:styleLbl name="fgAccFollowNode1">
+    <dgm:fillClrLst meth="repeat">
+      <a:schemeClr val="accent1">
+        <a:alpha val="90000"/>
+        <a:tint val="40000"/>
+      </a:schemeClr>
+    </dgm:fillClrLst>
+    <dgm:linClrLst meth="repeat">
+      <a:schemeClr val="accent1">
+        <a:alpha val="90000"/>
+        <a:tint val="40000"/>
+      </a:schemeClr>
+    </dgm:linClrLst>
+    <dgm:effectClrLst/>
+    <dgm:txLinClrLst/>
+    <dgm:txFillClrLst meth="repeat">
+      <a:schemeClr val="dk1"/>
+    </dgm:txFillClrLst>
+    <dgm:txEffectClrLst/>
+  </dgm:styleLbl>
+  <dgm:styleLbl name="alignAccFollowNode1">
+    <dgm:fillClrLst meth="repeat">
+      <a:schemeClr val="accent1">
+        <a:alpha val="90000"/>
+        <a:tint val="40000"/>
+      </a:schemeClr>
+    </dgm:fillClrLst>
+    <dgm:linClrLst meth="repeat">
+      <a:schemeClr val="accent1">
+        <a:alpha val="90000"/>
+        <a:tint val="40000"/>
+      </a:schemeClr>
+    </dgm:linClrLst>
+    <dgm:effectClrLst/>
+    <dgm:txLinClrLst/>
+    <dgm:txFillClrLst meth="repeat">
+      <a:schemeClr val="dk1"/>
+    </dgm:txFillClrLst>
+    <dgm:txEffectClrLst/>
+  </dgm:styleLbl>
+  <dgm:styleLbl name="bgAccFollowNode1">
+    <dgm:fillClrLst meth="repeat">
+      <a:schemeClr val="accent1">
+        <a:alpha val="90000"/>
+        <a:tint val="40000"/>
+      </a:schemeClr>
+    </dgm:fillClrLst>
+    <dgm:linClrLst meth="repeat">
+      <a:schemeClr val="accent1">
+        <a:alpha val="90000"/>
+        <a:tint val="40000"/>
+      </a:schemeClr>
+    </dgm:linClrLst>
+    <dgm:effectClrLst/>
+    <dgm:txLinClrLst/>
+    <dgm:txFillClrLst meth="repeat">
+      <a:schemeClr val="dk1"/>
+    </dgm:txFillClrLst>
+    <dgm:txEffectClrLst/>
+  </dgm:styleLbl>
+  <dgm:styleLbl name="fgAcc0">
+    <dgm:fillClrLst meth="repeat">
+      <a:schemeClr val="lt1">
+        <a:alpha val="90000"/>
+      </a:schemeClr>
+    </dgm:fillClrLst>
+    <dgm:linClrLst meth="repeat">
+      <a:schemeClr val="accent1"/>
+    </dgm:linClrLst>
+    <dgm:effectClrLst/>
+    <dgm:txLinClrLst/>
+    <dgm:txFillClrLst meth="repeat">
+      <a:schemeClr val="dk1"/>
+    </dgm:txFillClrLst>
+    <dgm:txEffectClrLst/>
+  </dgm:styleLbl>
+  <dgm:styleLbl name="fgAcc2">
+    <dgm:fillClrLst meth="repeat">
+      <a:schemeClr val="lt1">
+        <a:alpha val="90000"/>
+      </a:schemeClr>
+    </dgm:fillClrLst>
+    <dgm:linClrLst meth="repeat">
+      <a:schemeClr val="accent1"/>
+    </dgm:linClrLst>
+    <dgm:effectClrLst/>
+    <dgm:txLinClrLst/>
+    <dgm:txFillClrLst meth="repeat">
+      <a:schemeClr val="dk1"/>
+    </dgm:txFillClrLst>
+    <dgm:txEffectClrLst/>
+  </dgm:styleLbl>
+  <dgm:styleLbl name="fgAcc3">
+    <dgm:fillClrLst meth="repeat">
+      <a:schemeClr val="lt1">
+        <a:alpha val="90000"/>
+      </a:schemeClr>
+    </dgm:fillClrLst>
+    <dgm:linClrLst meth="repeat">
+      <a:schemeClr val="accent1"/>
+    </dgm:linClrLst>
+    <dgm:effectClrLst/>
+    <dgm:txLinClrLst/>
+    <dgm:txFillClrLst meth="repeat">
+      <a:schemeClr val="dk1"/>
+    </dgm:txFillClrLst>
+    <dgm:txEffectClrLst/>
+  </dgm:styleLbl>
+  <dgm:styleLbl name="fgAcc4">
+    <dgm:fillClrLst meth="repeat">
+      <a:schemeClr val="lt1">
+        <a:alpha val="90000"/>
+      </a:schemeClr>
+    </dgm:fillClrLst>
+    <dgm:linClrLst meth="repeat">
+      <a:schemeClr val="accent1"/>
+    </dgm:linClrLst>
+    <dgm:effectClrLst/>
+    <dgm:txLinClrLst/>
+    <dgm:txFillClrLst meth="repeat">
+      <a:schemeClr val="dk1"/>
+    </dgm:txFillClrLst>
+    <dgm:txEffectClrLst/>
+  </dgm:styleLbl>
+  <dgm:styleLbl name="bgShp">
+    <dgm:fillClrLst meth="repeat">
+      <a:schemeClr val="accent1">
+        <a:tint val="40000"/>
+      </a:schemeClr>
+    </dgm:fillClrLst>
+    <dgm:linClrLst meth="repeat">
+      <a:schemeClr val="accent1"/>
+    </dgm:linClrLst>
+    <dgm:effectClrLst/>
+    <dgm:txLinClrLst/>
+    <dgm:txFillClrLst meth="repeat">
+      <a:schemeClr val="dk1"/>
+    </dgm:txFillClrLst>
+    <dgm:txEffectClrLst/>
+  </dgm:styleLbl>
+  <dgm:styleLbl name="dkBgShp">
+    <dgm:fillClrLst meth="repeat">
+      <a:schemeClr val="accent1">
+        <a:shade val="80000"/>
+      </a:schemeClr>
+    </dgm:fillClrLst>
+    <dgm:linClrLst meth="repeat">
+      <a:schemeClr val="accent1"/>
+    </dgm:linClrLst>
+    <dgm:effectClrLst/>
+    <dgm:txLinClrLst/>
+    <dgm:txFillClrLst meth="repeat">
+      <a:schemeClr val="lt1"/>
+    </dgm:txFillClrLst>
+    <dgm:txEffectClrLst/>
+  </dgm:styleLbl>
+  <dgm:styleLbl name="trBgShp">
+    <dgm:fillClrLst meth="repeat">
+      <a:schemeClr val="accent1">
+        <a:tint val="50000"/>
+        <a:alpha val="40000"/>
+      </a:schemeClr>
+    </dgm:fillClrLst>
+    <dgm:linClrLst meth="repeat">
+      <a:schemeClr val="accent1"/>
+    </dgm:linClrLst>
+    <dgm:effectClrLst/>
+    <dgm:txLinClrLst/>
+    <dgm:txFillClrLst meth="repeat">
+      <a:schemeClr val="lt1"/>
+    </dgm:txFillClrLst>
+    <dgm:txEffectClrLst/>
+  </dgm:styleLbl>
+  <dgm:styleLbl name="fgShp">
+    <dgm:fillClrLst meth="repeat">
+      <a:schemeClr val="accent1">
+        <a:tint val="60000"/>
+      </a:schemeClr>
+    </dgm:fillClrLst>
+    <dgm:linClrLst meth="repeat">
+      <a:schemeClr val="lt1"/>
+    </dgm:linClrLst>
+    <dgm:effectClrLst/>
+    <dgm:txLinClrLst/>
+    <dgm:txFillClrLst meth="repeat">
+      <a:schemeClr val="dk1"/>
+    </dgm:txFillClrLst>
+    <dgm:txEffectClrLst/>
+  </dgm:styleLbl>
+  <dgm:styleLbl name="revTx">
+    <dgm:fillClrLst meth="repeat">
+      <a:schemeClr val="lt1">
+        <a:alpha val="0"/>
+      </a:schemeClr>
+    </dgm:fillClrLst>
+    <dgm:linClrLst meth="repeat">
+      <a:schemeClr val="dk1">
+        <a:alpha val="0"/>
+      </a:schemeClr>
+    </dgm:linClrLst>
+    <dgm:effectClrLst/>
+    <dgm:txLinClrLst/>
+    <dgm:txFillClrLst meth="repeat">
+      <a:schemeClr val="tx1"/>
+    </dgm:txFillClrLst>
+    <dgm:txEffectClrLst/>
+  </dgm:styleLbl>
+</dgm:colorsDef>
+</file>
+
+<file path=ppt/diagrams/colors2.xml><?xml version="1.0" encoding="utf-8"?>
 <dgm:colorsDef xmlns:dgm="http://schemas.openxmlformats.org/drawingml/2006/diagram" xmlns:a="http://schemas.openxmlformats.org/drawingml/2006/main" uniqueId="urn:microsoft.com/office/officeart/2005/8/colors/accent1_2">
   <dgm:title val=""/>
   <dgm:desc val=""/>
@@ -966,7 +1767,15 @@
         <a:p>
           <a:r>
             <a:rPr lang="en-US" smtClean="0"/>
-            <a:t>Algoritmi – mesanje niza celih brojeva</a:t>
+            <a:t>Algoritmi – </a:t>
+          </a:r>
+          <a:r>
+            <a:rPr lang="en-US" smtClean="0"/>
+            <a:t>shuffle (mesanje) </a:t>
+          </a:r>
+          <a:r>
+            <a:rPr lang="en-US" smtClean="0"/>
+            <a:t>niza celih brojeva</a:t>
           </a:r>
           <a:endParaRPr lang="en-US"/>
         </a:p>
@@ -989,7 +1798,7 @@
         <a:p>
           <a:r>
             <a:rPr lang="en-US" smtClean="0"/>
-            <a:t>DOM manipulacije</a:t>
+            <a:t>Coding challenge</a:t>
           </a:r>
           <a:endParaRPr lang="en-US"/>
         </a:p>
@@ -1074,6 +1883,604 @@
 </dgm:dataModel>
 </file>
 
+<file path=ppt/diagrams/data2.xml><?xml version="1.0" encoding="utf-8"?>
+<dgm:dataModel xmlns:dgm="http://schemas.openxmlformats.org/drawingml/2006/diagram" xmlns:a="http://schemas.openxmlformats.org/drawingml/2006/main">
+  <dgm:ptLst>
+    <dgm:pt modelId="{799C2852-5905-40BD-A101-468D7D26F213}" type="doc">
+      <dgm:prSet loTypeId="urn:microsoft.com/office/officeart/2005/8/layout/list1" loCatId="list" qsTypeId="urn:microsoft.com/office/officeart/2005/8/quickstyle/simple1" qsCatId="simple" csTypeId="urn:microsoft.com/office/officeart/2005/8/colors/accent1_2" csCatId="accent1" phldr="1"/>
+      <dgm:spPr/>
+      <dgm:t>
+        <a:bodyPr/>
+        <a:lstStyle/>
+        <a:p>
+          <a:endParaRPr lang="en-US"/>
+        </a:p>
+      </dgm:t>
+    </dgm:pt>
+    <dgm:pt modelId="{33943AA2-92A9-454B-8742-E35BB9F12D29}">
+      <dgm:prSet phldrT="[Text]"/>
+      <dgm:spPr/>
+      <dgm:t>
+        <a:bodyPr/>
+        <a:lstStyle/>
+        <a:p>
+          <a:r>
+            <a:rPr lang="en-US" smtClean="0"/>
+            <a:t>Napuni niz 1..10</a:t>
+          </a:r>
+          <a:endParaRPr lang="en-US"/>
+        </a:p>
+      </dgm:t>
+    </dgm:pt>
+    <dgm:pt modelId="{AF67FCC7-EEF0-45BD-80A6-9BF05A6E6418}" type="parTrans" cxnId="{96DF19FB-BC50-48E5-B3FE-F4C5374EAF0B}">
+      <dgm:prSet/>
+      <dgm:spPr/>
+      <dgm:t>
+        <a:bodyPr/>
+        <a:lstStyle/>
+        <a:p>
+          <a:endParaRPr lang="en-US"/>
+        </a:p>
+      </dgm:t>
+    </dgm:pt>
+    <dgm:pt modelId="{8BCF8300-66A2-448B-A399-D8F554F6D60F}" type="sibTrans" cxnId="{96DF19FB-BC50-48E5-B3FE-F4C5374EAF0B}">
+      <dgm:prSet/>
+      <dgm:spPr/>
+      <dgm:t>
+        <a:bodyPr/>
+        <a:lstStyle/>
+        <a:p>
+          <a:endParaRPr lang="en-US"/>
+        </a:p>
+      </dgm:t>
+    </dgm:pt>
+    <dgm:pt modelId="{9B280861-2753-4CE7-8B98-F254BF2B1D8E}">
+      <dgm:prSet phldrT="[Text]"/>
+      <dgm:spPr/>
+      <dgm:t>
+        <a:bodyPr/>
+        <a:lstStyle/>
+        <a:p>
+          <a:r>
+            <a:rPr lang="en-US" smtClean="0"/>
+            <a:t>Kreni u ciklus for od 10 do 1</a:t>
+          </a:r>
+          <a:endParaRPr lang="en-US"/>
+        </a:p>
+      </dgm:t>
+    </dgm:pt>
+    <dgm:pt modelId="{D2F63768-ED27-4D36-AF04-B7A58F92BDDD}" type="parTrans" cxnId="{EA152413-5E43-4652-971B-EB53F4CEDD0E}">
+      <dgm:prSet/>
+      <dgm:spPr/>
+      <dgm:t>
+        <a:bodyPr/>
+        <a:lstStyle/>
+        <a:p>
+          <a:endParaRPr lang="en-US"/>
+        </a:p>
+      </dgm:t>
+    </dgm:pt>
+    <dgm:pt modelId="{19EEB612-9EDF-4DA8-A24E-B363033213DA}" type="sibTrans" cxnId="{EA152413-5E43-4652-971B-EB53F4CEDD0E}">
+      <dgm:prSet/>
+      <dgm:spPr/>
+      <dgm:t>
+        <a:bodyPr/>
+        <a:lstStyle/>
+        <a:p>
+          <a:endParaRPr lang="en-US"/>
+        </a:p>
+      </dgm:t>
+    </dgm:pt>
+    <dgm:pt modelId="{5B35BB55-2D65-4F39-9386-E7A64A2ECC69}">
+      <dgm:prSet phldrT="[Text]"/>
+      <dgm:spPr/>
+      <dgm:t>
+        <a:bodyPr/>
+        <a:lstStyle/>
+        <a:p>
+          <a:r>
+            <a:rPr lang="en-US" smtClean="0"/>
+            <a:t>Izaberi rnd broj do prom. ciklusa</a:t>
+          </a:r>
+          <a:endParaRPr lang="en-US"/>
+        </a:p>
+      </dgm:t>
+    </dgm:pt>
+    <dgm:pt modelId="{50930DE7-7C04-43F7-B9BF-E1DF6A421452}" type="parTrans" cxnId="{C0EBC422-6870-443F-9A66-7266513884ED}">
+      <dgm:prSet/>
+      <dgm:spPr/>
+      <dgm:t>
+        <a:bodyPr/>
+        <a:lstStyle/>
+        <a:p>
+          <a:endParaRPr lang="en-US"/>
+        </a:p>
+      </dgm:t>
+    </dgm:pt>
+    <dgm:pt modelId="{AEC098AE-84BF-4871-B8B9-9A993F952929}" type="sibTrans" cxnId="{C0EBC422-6870-443F-9A66-7266513884ED}">
+      <dgm:prSet/>
+      <dgm:spPr/>
+      <dgm:t>
+        <a:bodyPr/>
+        <a:lstStyle/>
+        <a:p>
+          <a:endParaRPr lang="en-US"/>
+        </a:p>
+      </dgm:t>
+    </dgm:pt>
+    <dgm:pt modelId="{9E731BC7-8B1F-4FF2-ADB8-E99D1F3B3285}">
+      <dgm:prSet phldrT="[Text]"/>
+      <dgm:spPr/>
+      <dgm:t>
+        <a:bodyPr/>
+        <a:lstStyle/>
+        <a:p>
+          <a:r>
+            <a:rPr lang="en-US" smtClean="0"/>
+            <a:t>Izabrani broj – zameni sa indexom niza na poziciji na kojoj se nalazis</a:t>
+          </a:r>
+          <a:endParaRPr lang="en-US"/>
+        </a:p>
+      </dgm:t>
+    </dgm:pt>
+    <dgm:pt modelId="{41708D8A-2BFD-4AE8-A736-B8CFAF7779E4}" type="parTrans" cxnId="{DDAD45C8-C343-42A2-A5D3-971709003C40}">
+      <dgm:prSet/>
+      <dgm:spPr/>
+      <dgm:t>
+        <a:bodyPr/>
+        <a:lstStyle/>
+        <a:p>
+          <a:endParaRPr lang="en-US"/>
+        </a:p>
+      </dgm:t>
+    </dgm:pt>
+    <dgm:pt modelId="{842B1624-D562-4EC3-9CE3-C8CDED28E34B}" type="sibTrans" cxnId="{DDAD45C8-C343-42A2-A5D3-971709003C40}">
+      <dgm:prSet/>
+      <dgm:spPr/>
+      <dgm:t>
+        <a:bodyPr/>
+        <a:lstStyle/>
+        <a:p>
+          <a:endParaRPr lang="en-US"/>
+        </a:p>
+      </dgm:t>
+    </dgm:pt>
+    <dgm:pt modelId="{6BA53552-16A8-465D-B10E-F8FC4ED66D69}">
+      <dgm:prSet phldrT="[Text]"/>
+      <dgm:spPr/>
+      <dgm:t>
+        <a:bodyPr/>
+        <a:lstStyle/>
+        <a:p>
+          <a:r>
+            <a:rPr lang="en-US" smtClean="0"/>
+            <a:t>Idi do 1 na izlozeni nacin</a:t>
+          </a:r>
+          <a:endParaRPr lang="en-US"/>
+        </a:p>
+      </dgm:t>
+    </dgm:pt>
+    <dgm:pt modelId="{7A71EBFC-AB67-4A20-8DF5-A06C735D6FAA}" type="parTrans" cxnId="{C6925D50-1927-4473-AC9B-785EA1335FF6}">
+      <dgm:prSet/>
+      <dgm:spPr/>
+      <dgm:t>
+        <a:bodyPr/>
+        <a:lstStyle/>
+        <a:p>
+          <a:endParaRPr lang="en-US"/>
+        </a:p>
+      </dgm:t>
+    </dgm:pt>
+    <dgm:pt modelId="{5876ED0E-963E-4CAD-AB3C-06F57F03F812}" type="sibTrans" cxnId="{C6925D50-1927-4473-AC9B-785EA1335FF6}">
+      <dgm:prSet/>
+      <dgm:spPr/>
+      <dgm:t>
+        <a:bodyPr/>
+        <a:lstStyle/>
+        <a:p>
+          <a:endParaRPr lang="en-US"/>
+        </a:p>
+      </dgm:t>
+    </dgm:pt>
+    <dgm:pt modelId="{CDBCB923-D4F3-474B-8854-1B4A76D6C0FA}">
+      <dgm:prSet phldrT="[Text]"/>
+      <dgm:spPr/>
+      <dgm:t>
+        <a:bodyPr/>
+        <a:lstStyle/>
+        <a:p>
+          <a:r>
+            <a:rPr lang="en-US" smtClean="0"/>
+            <a:t>Kraj</a:t>
+          </a:r>
+          <a:endParaRPr lang="en-US"/>
+        </a:p>
+      </dgm:t>
+    </dgm:pt>
+    <dgm:pt modelId="{672366A4-AF92-4262-8F22-36701FE165F5}" type="parTrans" cxnId="{636C1F7F-8272-436D-9A23-F255227FAC72}">
+      <dgm:prSet/>
+      <dgm:spPr/>
+      <dgm:t>
+        <a:bodyPr/>
+        <a:lstStyle/>
+        <a:p>
+          <a:endParaRPr lang="en-US"/>
+        </a:p>
+      </dgm:t>
+    </dgm:pt>
+    <dgm:pt modelId="{CFBF5C2B-1ABD-4D5C-BF41-48FA34DB9982}" type="sibTrans" cxnId="{636C1F7F-8272-436D-9A23-F255227FAC72}">
+      <dgm:prSet/>
+      <dgm:spPr/>
+      <dgm:t>
+        <a:bodyPr/>
+        <a:lstStyle/>
+        <a:p>
+          <a:endParaRPr lang="en-US"/>
+        </a:p>
+      </dgm:t>
+    </dgm:pt>
+    <dgm:pt modelId="{A4000109-22E9-49EA-A523-9428D1E0859F}" type="pres">
+      <dgm:prSet presAssocID="{799C2852-5905-40BD-A101-468D7D26F213}" presName="linear" presStyleCnt="0">
+        <dgm:presLayoutVars>
+          <dgm:dir/>
+          <dgm:animLvl val="lvl"/>
+          <dgm:resizeHandles val="exact"/>
+        </dgm:presLayoutVars>
+      </dgm:prSet>
+      <dgm:spPr/>
+      <dgm:t>
+        <a:bodyPr/>
+        <a:lstStyle/>
+        <a:p>
+          <a:endParaRPr lang="en-US"/>
+        </a:p>
+      </dgm:t>
+    </dgm:pt>
+    <dgm:pt modelId="{3320BB37-B00F-4512-B574-D8B693AA55E1}" type="pres">
+      <dgm:prSet presAssocID="{33943AA2-92A9-454B-8742-E35BB9F12D29}" presName="parentLin" presStyleCnt="0"/>
+      <dgm:spPr/>
+    </dgm:pt>
+    <dgm:pt modelId="{25ED6CE9-E62D-4757-A97F-8885E4260F44}" type="pres">
+      <dgm:prSet presAssocID="{33943AA2-92A9-454B-8742-E35BB9F12D29}" presName="parentLeftMargin" presStyleLbl="node1" presStyleIdx="0" presStyleCnt="6"/>
+      <dgm:spPr/>
+      <dgm:t>
+        <a:bodyPr/>
+        <a:lstStyle/>
+        <a:p>
+          <a:endParaRPr lang="en-US"/>
+        </a:p>
+      </dgm:t>
+    </dgm:pt>
+    <dgm:pt modelId="{619697C5-BF09-4513-8E4D-3D4F181DB5C7}" type="pres">
+      <dgm:prSet presAssocID="{33943AA2-92A9-454B-8742-E35BB9F12D29}" presName="parentText" presStyleLbl="node1" presStyleIdx="0" presStyleCnt="6" custLinFactNeighborX="-8526" custLinFactNeighborY="1239">
+        <dgm:presLayoutVars>
+          <dgm:chMax val="0"/>
+          <dgm:bulletEnabled val="1"/>
+        </dgm:presLayoutVars>
+      </dgm:prSet>
+      <dgm:spPr/>
+      <dgm:t>
+        <a:bodyPr/>
+        <a:lstStyle/>
+        <a:p>
+          <a:endParaRPr lang="en-US"/>
+        </a:p>
+      </dgm:t>
+    </dgm:pt>
+    <dgm:pt modelId="{85A3439E-4AB2-40F3-B401-8940CEF164AB}" type="pres">
+      <dgm:prSet presAssocID="{33943AA2-92A9-454B-8742-E35BB9F12D29}" presName="negativeSpace" presStyleCnt="0"/>
+      <dgm:spPr/>
+    </dgm:pt>
+    <dgm:pt modelId="{5976AD27-6959-4361-8F5D-2A8125B23AF3}" type="pres">
+      <dgm:prSet presAssocID="{33943AA2-92A9-454B-8742-E35BB9F12D29}" presName="childText" presStyleLbl="conFgAcc1" presStyleIdx="0" presStyleCnt="6">
+        <dgm:presLayoutVars>
+          <dgm:bulletEnabled val="1"/>
+        </dgm:presLayoutVars>
+      </dgm:prSet>
+      <dgm:spPr/>
+    </dgm:pt>
+    <dgm:pt modelId="{B9042DD6-A794-48F0-A133-D8F244EA626E}" type="pres">
+      <dgm:prSet presAssocID="{8BCF8300-66A2-448B-A399-D8F554F6D60F}" presName="spaceBetweenRectangles" presStyleCnt="0"/>
+      <dgm:spPr/>
+    </dgm:pt>
+    <dgm:pt modelId="{76CBD470-9A82-4920-852B-10B4CEFA9A41}" type="pres">
+      <dgm:prSet presAssocID="{9B280861-2753-4CE7-8B98-F254BF2B1D8E}" presName="parentLin" presStyleCnt="0"/>
+      <dgm:spPr/>
+    </dgm:pt>
+    <dgm:pt modelId="{9A8EB00E-5844-42CD-B94D-B5A18ACE2721}" type="pres">
+      <dgm:prSet presAssocID="{9B280861-2753-4CE7-8B98-F254BF2B1D8E}" presName="parentLeftMargin" presStyleLbl="node1" presStyleIdx="0" presStyleCnt="6"/>
+      <dgm:spPr/>
+      <dgm:t>
+        <a:bodyPr/>
+        <a:lstStyle/>
+        <a:p>
+          <a:endParaRPr lang="en-US"/>
+        </a:p>
+      </dgm:t>
+    </dgm:pt>
+    <dgm:pt modelId="{8ACF753D-2D4C-4D4A-B030-ADD9B8BC5668}" type="pres">
+      <dgm:prSet presAssocID="{9B280861-2753-4CE7-8B98-F254BF2B1D8E}" presName="parentText" presStyleLbl="node1" presStyleIdx="1" presStyleCnt="6" custLinFactNeighborX="-8526" custLinFactNeighborY="-1526">
+        <dgm:presLayoutVars>
+          <dgm:chMax val="0"/>
+          <dgm:bulletEnabled val="1"/>
+        </dgm:presLayoutVars>
+      </dgm:prSet>
+      <dgm:spPr/>
+      <dgm:t>
+        <a:bodyPr/>
+        <a:lstStyle/>
+        <a:p>
+          <a:endParaRPr lang="en-US"/>
+        </a:p>
+      </dgm:t>
+    </dgm:pt>
+    <dgm:pt modelId="{97EC2FA1-EC5D-4E93-B0ED-928A77D9C645}" type="pres">
+      <dgm:prSet presAssocID="{9B280861-2753-4CE7-8B98-F254BF2B1D8E}" presName="negativeSpace" presStyleCnt="0"/>
+      <dgm:spPr/>
+    </dgm:pt>
+    <dgm:pt modelId="{CEAF1D8D-0AC6-4D67-945B-83F2A3CDC5AA}" type="pres">
+      <dgm:prSet presAssocID="{9B280861-2753-4CE7-8B98-F254BF2B1D8E}" presName="childText" presStyleLbl="conFgAcc1" presStyleIdx="1" presStyleCnt="6">
+        <dgm:presLayoutVars>
+          <dgm:bulletEnabled val="1"/>
+        </dgm:presLayoutVars>
+      </dgm:prSet>
+      <dgm:spPr/>
+    </dgm:pt>
+    <dgm:pt modelId="{B23B8F3E-7814-4723-AC5E-95EAD002822D}" type="pres">
+      <dgm:prSet presAssocID="{19EEB612-9EDF-4DA8-A24E-B363033213DA}" presName="spaceBetweenRectangles" presStyleCnt="0"/>
+      <dgm:spPr/>
+    </dgm:pt>
+    <dgm:pt modelId="{5D67124D-3466-4513-891F-3934444B40B3}" type="pres">
+      <dgm:prSet presAssocID="{5B35BB55-2D65-4F39-9386-E7A64A2ECC69}" presName="parentLin" presStyleCnt="0"/>
+      <dgm:spPr/>
+    </dgm:pt>
+    <dgm:pt modelId="{AE4B4B4D-45E3-46A0-AD52-9CC42B9D74A3}" type="pres">
+      <dgm:prSet presAssocID="{5B35BB55-2D65-4F39-9386-E7A64A2ECC69}" presName="parentLeftMargin" presStyleLbl="node1" presStyleIdx="1" presStyleCnt="6"/>
+      <dgm:spPr/>
+      <dgm:t>
+        <a:bodyPr/>
+        <a:lstStyle/>
+        <a:p>
+          <a:endParaRPr lang="en-US"/>
+        </a:p>
+      </dgm:t>
+    </dgm:pt>
+    <dgm:pt modelId="{C286AA1A-AFCA-434E-8D66-0EDEE1F39905}" type="pres">
+      <dgm:prSet presAssocID="{5B35BB55-2D65-4F39-9386-E7A64A2ECC69}" presName="parentText" presStyleLbl="node1" presStyleIdx="2" presStyleCnt="6">
+        <dgm:presLayoutVars>
+          <dgm:chMax val="0"/>
+          <dgm:bulletEnabled val="1"/>
+        </dgm:presLayoutVars>
+      </dgm:prSet>
+      <dgm:spPr/>
+      <dgm:t>
+        <a:bodyPr/>
+        <a:lstStyle/>
+        <a:p>
+          <a:endParaRPr lang="en-US"/>
+        </a:p>
+      </dgm:t>
+    </dgm:pt>
+    <dgm:pt modelId="{D91B9722-FE6E-42B2-A124-7C842EFD6D6C}" type="pres">
+      <dgm:prSet presAssocID="{5B35BB55-2D65-4F39-9386-E7A64A2ECC69}" presName="negativeSpace" presStyleCnt="0"/>
+      <dgm:spPr/>
+    </dgm:pt>
+    <dgm:pt modelId="{04248AAB-4B83-43F9-9F40-A0B21C8D1520}" type="pres">
+      <dgm:prSet presAssocID="{5B35BB55-2D65-4F39-9386-E7A64A2ECC69}" presName="childText" presStyleLbl="conFgAcc1" presStyleIdx="2" presStyleCnt="6">
+        <dgm:presLayoutVars>
+          <dgm:bulletEnabled val="1"/>
+        </dgm:presLayoutVars>
+      </dgm:prSet>
+      <dgm:spPr/>
+    </dgm:pt>
+    <dgm:pt modelId="{1FDADE29-2118-4822-B9B2-FFBB1C1D510A}" type="pres">
+      <dgm:prSet presAssocID="{AEC098AE-84BF-4871-B8B9-9A993F952929}" presName="spaceBetweenRectangles" presStyleCnt="0"/>
+      <dgm:spPr/>
+    </dgm:pt>
+    <dgm:pt modelId="{B799C944-6B2D-4749-A3FA-1530E2AE0AAB}" type="pres">
+      <dgm:prSet presAssocID="{9E731BC7-8B1F-4FF2-ADB8-E99D1F3B3285}" presName="parentLin" presStyleCnt="0"/>
+      <dgm:spPr/>
+    </dgm:pt>
+    <dgm:pt modelId="{17ADDF9C-9837-4E3C-94B0-AFCD02589554}" type="pres">
+      <dgm:prSet presAssocID="{9E731BC7-8B1F-4FF2-ADB8-E99D1F3B3285}" presName="parentLeftMargin" presStyleLbl="node1" presStyleIdx="2" presStyleCnt="6"/>
+      <dgm:spPr/>
+      <dgm:t>
+        <a:bodyPr/>
+        <a:lstStyle/>
+        <a:p>
+          <a:endParaRPr lang="en-US"/>
+        </a:p>
+      </dgm:t>
+    </dgm:pt>
+    <dgm:pt modelId="{6748488C-E7D0-4F4C-BED9-169D0FA55D63}" type="pres">
+      <dgm:prSet presAssocID="{9E731BC7-8B1F-4FF2-ADB8-E99D1F3B3285}" presName="parentText" presStyleLbl="node1" presStyleIdx="3" presStyleCnt="6">
+        <dgm:presLayoutVars>
+          <dgm:chMax val="0"/>
+          <dgm:bulletEnabled val="1"/>
+        </dgm:presLayoutVars>
+      </dgm:prSet>
+      <dgm:spPr/>
+      <dgm:t>
+        <a:bodyPr/>
+        <a:lstStyle/>
+        <a:p>
+          <a:endParaRPr lang="en-US"/>
+        </a:p>
+      </dgm:t>
+    </dgm:pt>
+    <dgm:pt modelId="{A81F62DF-9CE7-4164-9A6A-B85691B63CFD}" type="pres">
+      <dgm:prSet presAssocID="{9E731BC7-8B1F-4FF2-ADB8-E99D1F3B3285}" presName="negativeSpace" presStyleCnt="0"/>
+      <dgm:spPr/>
+    </dgm:pt>
+    <dgm:pt modelId="{530341DA-F6BA-4BFA-8615-A85C2CCB42BD}" type="pres">
+      <dgm:prSet presAssocID="{9E731BC7-8B1F-4FF2-ADB8-E99D1F3B3285}" presName="childText" presStyleLbl="conFgAcc1" presStyleIdx="3" presStyleCnt="6">
+        <dgm:presLayoutVars>
+          <dgm:bulletEnabled val="1"/>
+        </dgm:presLayoutVars>
+      </dgm:prSet>
+      <dgm:spPr/>
+    </dgm:pt>
+    <dgm:pt modelId="{A49F8960-7CF8-47C3-935C-BBEFBEC140D0}" type="pres">
+      <dgm:prSet presAssocID="{842B1624-D562-4EC3-9CE3-C8CDED28E34B}" presName="spaceBetweenRectangles" presStyleCnt="0"/>
+      <dgm:spPr/>
+    </dgm:pt>
+    <dgm:pt modelId="{71A1D158-AA17-4699-A8E4-1F789944DB5B}" type="pres">
+      <dgm:prSet presAssocID="{6BA53552-16A8-465D-B10E-F8FC4ED66D69}" presName="parentLin" presStyleCnt="0"/>
+      <dgm:spPr/>
+    </dgm:pt>
+    <dgm:pt modelId="{1BA0E123-6854-43F1-8090-10CD559F4BFF}" type="pres">
+      <dgm:prSet presAssocID="{6BA53552-16A8-465D-B10E-F8FC4ED66D69}" presName="parentLeftMargin" presStyleLbl="node1" presStyleIdx="3" presStyleCnt="6"/>
+      <dgm:spPr/>
+      <dgm:t>
+        <a:bodyPr/>
+        <a:lstStyle/>
+        <a:p>
+          <a:endParaRPr lang="en-US"/>
+        </a:p>
+      </dgm:t>
+    </dgm:pt>
+    <dgm:pt modelId="{DEA53044-FFA4-40AB-9A81-4DC6FEEFD0DD}" type="pres">
+      <dgm:prSet presAssocID="{6BA53552-16A8-465D-B10E-F8FC4ED66D69}" presName="parentText" presStyleLbl="node1" presStyleIdx="4" presStyleCnt="6">
+        <dgm:presLayoutVars>
+          <dgm:chMax val="0"/>
+          <dgm:bulletEnabled val="1"/>
+        </dgm:presLayoutVars>
+      </dgm:prSet>
+      <dgm:spPr/>
+      <dgm:t>
+        <a:bodyPr/>
+        <a:lstStyle/>
+        <a:p>
+          <a:endParaRPr lang="en-US"/>
+        </a:p>
+      </dgm:t>
+    </dgm:pt>
+    <dgm:pt modelId="{CFE7AC08-9DDE-433A-9A14-4C7BBC557858}" type="pres">
+      <dgm:prSet presAssocID="{6BA53552-16A8-465D-B10E-F8FC4ED66D69}" presName="negativeSpace" presStyleCnt="0"/>
+      <dgm:spPr/>
+    </dgm:pt>
+    <dgm:pt modelId="{F7AD4278-4C20-40A6-9D3A-412DE8DEDD64}" type="pres">
+      <dgm:prSet presAssocID="{6BA53552-16A8-465D-B10E-F8FC4ED66D69}" presName="childText" presStyleLbl="conFgAcc1" presStyleIdx="4" presStyleCnt="6">
+        <dgm:presLayoutVars>
+          <dgm:bulletEnabled val="1"/>
+        </dgm:presLayoutVars>
+      </dgm:prSet>
+      <dgm:spPr/>
+    </dgm:pt>
+    <dgm:pt modelId="{C82CB3B5-552E-427C-AE43-B65520D6F327}" type="pres">
+      <dgm:prSet presAssocID="{5876ED0E-963E-4CAD-AB3C-06F57F03F812}" presName="spaceBetweenRectangles" presStyleCnt="0"/>
+      <dgm:spPr/>
+    </dgm:pt>
+    <dgm:pt modelId="{54A73CC2-E064-4F49-8C04-BCB68B4165DD}" type="pres">
+      <dgm:prSet presAssocID="{CDBCB923-D4F3-474B-8854-1B4A76D6C0FA}" presName="parentLin" presStyleCnt="0"/>
+      <dgm:spPr/>
+    </dgm:pt>
+    <dgm:pt modelId="{CE273073-A3CD-4AC9-8856-0CDFF287DA09}" type="pres">
+      <dgm:prSet presAssocID="{CDBCB923-D4F3-474B-8854-1B4A76D6C0FA}" presName="parentLeftMargin" presStyleLbl="node1" presStyleIdx="4" presStyleCnt="6"/>
+      <dgm:spPr/>
+      <dgm:t>
+        <a:bodyPr/>
+        <a:lstStyle/>
+        <a:p>
+          <a:endParaRPr lang="en-US"/>
+        </a:p>
+      </dgm:t>
+    </dgm:pt>
+    <dgm:pt modelId="{93138D07-5881-4E39-BF5D-7A94F7C84C39}" type="pres">
+      <dgm:prSet presAssocID="{CDBCB923-D4F3-474B-8854-1B4A76D6C0FA}" presName="parentText" presStyleLbl="node1" presStyleIdx="5" presStyleCnt="6">
+        <dgm:presLayoutVars>
+          <dgm:chMax val="0"/>
+          <dgm:bulletEnabled val="1"/>
+        </dgm:presLayoutVars>
+      </dgm:prSet>
+      <dgm:spPr/>
+      <dgm:t>
+        <a:bodyPr/>
+        <a:lstStyle/>
+        <a:p>
+          <a:endParaRPr lang="en-US"/>
+        </a:p>
+      </dgm:t>
+    </dgm:pt>
+    <dgm:pt modelId="{64CB59BE-3C86-4713-8188-DEC5BD0B1957}" type="pres">
+      <dgm:prSet presAssocID="{CDBCB923-D4F3-474B-8854-1B4A76D6C0FA}" presName="negativeSpace" presStyleCnt="0"/>
+      <dgm:spPr/>
+    </dgm:pt>
+    <dgm:pt modelId="{D7AF0D8D-A141-48DB-A29C-2F2E535C5AAC}" type="pres">
+      <dgm:prSet presAssocID="{CDBCB923-D4F3-474B-8854-1B4A76D6C0FA}" presName="childText" presStyleLbl="conFgAcc1" presStyleIdx="5" presStyleCnt="6">
+        <dgm:presLayoutVars>
+          <dgm:bulletEnabled val="1"/>
+        </dgm:presLayoutVars>
+      </dgm:prSet>
+      <dgm:spPr/>
+    </dgm:pt>
+  </dgm:ptLst>
+  <dgm:cxnLst>
+    <dgm:cxn modelId="{636C1F7F-8272-436D-9A23-F255227FAC72}" srcId="{799C2852-5905-40BD-A101-468D7D26F213}" destId="{CDBCB923-D4F3-474B-8854-1B4A76D6C0FA}" srcOrd="5" destOrd="0" parTransId="{672366A4-AF92-4262-8F22-36701FE165F5}" sibTransId="{CFBF5C2B-1ABD-4D5C-BF41-48FA34DB9982}"/>
+    <dgm:cxn modelId="{EA152413-5E43-4652-971B-EB53F4CEDD0E}" srcId="{799C2852-5905-40BD-A101-468D7D26F213}" destId="{9B280861-2753-4CE7-8B98-F254BF2B1D8E}" srcOrd="1" destOrd="0" parTransId="{D2F63768-ED27-4D36-AF04-B7A58F92BDDD}" sibTransId="{19EEB612-9EDF-4DA8-A24E-B363033213DA}"/>
+    <dgm:cxn modelId="{E6EE0820-A57F-4FD5-8837-7121043BE0F9}" type="presOf" srcId="{5B35BB55-2D65-4F39-9386-E7A64A2ECC69}" destId="{C286AA1A-AFCA-434E-8D66-0EDEE1F39905}" srcOrd="1" destOrd="0" presId="urn:microsoft.com/office/officeart/2005/8/layout/list1"/>
+    <dgm:cxn modelId="{C6925D50-1927-4473-AC9B-785EA1335FF6}" srcId="{799C2852-5905-40BD-A101-468D7D26F213}" destId="{6BA53552-16A8-465D-B10E-F8FC4ED66D69}" srcOrd="4" destOrd="0" parTransId="{7A71EBFC-AB67-4A20-8DF5-A06C735D6FAA}" sibTransId="{5876ED0E-963E-4CAD-AB3C-06F57F03F812}"/>
+    <dgm:cxn modelId="{334AED04-81C8-4A6E-BD97-284B0C7CD5EF}" type="presOf" srcId="{9B280861-2753-4CE7-8B98-F254BF2B1D8E}" destId="{9A8EB00E-5844-42CD-B94D-B5A18ACE2721}" srcOrd="0" destOrd="0" presId="urn:microsoft.com/office/officeart/2005/8/layout/list1"/>
+    <dgm:cxn modelId="{DDAD45C8-C343-42A2-A5D3-971709003C40}" srcId="{799C2852-5905-40BD-A101-468D7D26F213}" destId="{9E731BC7-8B1F-4FF2-ADB8-E99D1F3B3285}" srcOrd="3" destOrd="0" parTransId="{41708D8A-2BFD-4AE8-A736-B8CFAF7779E4}" sibTransId="{842B1624-D562-4EC3-9CE3-C8CDED28E34B}"/>
+    <dgm:cxn modelId="{EA349047-F8FE-4A91-B803-EC2A8EB62A94}" type="presOf" srcId="{9E731BC7-8B1F-4FF2-ADB8-E99D1F3B3285}" destId="{17ADDF9C-9837-4E3C-94B0-AFCD02589554}" srcOrd="0" destOrd="0" presId="urn:microsoft.com/office/officeart/2005/8/layout/list1"/>
+    <dgm:cxn modelId="{D8301AAB-0C01-49AA-B6F6-A698B84F9C32}" type="presOf" srcId="{CDBCB923-D4F3-474B-8854-1B4A76D6C0FA}" destId="{CE273073-A3CD-4AC9-8856-0CDFF287DA09}" srcOrd="0" destOrd="0" presId="urn:microsoft.com/office/officeart/2005/8/layout/list1"/>
+    <dgm:cxn modelId="{96DF19FB-BC50-48E5-B3FE-F4C5374EAF0B}" srcId="{799C2852-5905-40BD-A101-468D7D26F213}" destId="{33943AA2-92A9-454B-8742-E35BB9F12D29}" srcOrd="0" destOrd="0" parTransId="{AF67FCC7-EEF0-45BD-80A6-9BF05A6E6418}" sibTransId="{8BCF8300-66A2-448B-A399-D8F554F6D60F}"/>
+    <dgm:cxn modelId="{DF92FBEE-DF30-4BE1-A098-8D0F8CDC2890}" type="presOf" srcId="{9B280861-2753-4CE7-8B98-F254BF2B1D8E}" destId="{8ACF753D-2D4C-4D4A-B030-ADD9B8BC5668}" srcOrd="1" destOrd="0" presId="urn:microsoft.com/office/officeart/2005/8/layout/list1"/>
+    <dgm:cxn modelId="{489F4BC4-D331-4641-B6CB-DBAA18168719}" type="presOf" srcId="{CDBCB923-D4F3-474B-8854-1B4A76D6C0FA}" destId="{93138D07-5881-4E39-BF5D-7A94F7C84C39}" srcOrd="1" destOrd="0" presId="urn:microsoft.com/office/officeart/2005/8/layout/list1"/>
+    <dgm:cxn modelId="{B23835CF-E96F-4369-A91D-811040E15214}" type="presOf" srcId="{33943AA2-92A9-454B-8742-E35BB9F12D29}" destId="{25ED6CE9-E62D-4757-A97F-8885E4260F44}" srcOrd="0" destOrd="0" presId="urn:microsoft.com/office/officeart/2005/8/layout/list1"/>
+    <dgm:cxn modelId="{85B79A52-0187-41B6-AF4D-2A4AEF51CF30}" type="presOf" srcId="{6BA53552-16A8-465D-B10E-F8FC4ED66D69}" destId="{1BA0E123-6854-43F1-8090-10CD559F4BFF}" srcOrd="0" destOrd="0" presId="urn:microsoft.com/office/officeart/2005/8/layout/list1"/>
+    <dgm:cxn modelId="{C25ACBB8-1DDC-4367-A415-2EA8B412E6D7}" type="presOf" srcId="{799C2852-5905-40BD-A101-468D7D26F213}" destId="{A4000109-22E9-49EA-A523-9428D1E0859F}" srcOrd="0" destOrd="0" presId="urn:microsoft.com/office/officeart/2005/8/layout/list1"/>
+    <dgm:cxn modelId="{C3F2A29B-FEB8-4B23-B09E-CC7A719BF9EB}" type="presOf" srcId="{6BA53552-16A8-465D-B10E-F8FC4ED66D69}" destId="{DEA53044-FFA4-40AB-9A81-4DC6FEEFD0DD}" srcOrd="1" destOrd="0" presId="urn:microsoft.com/office/officeart/2005/8/layout/list1"/>
+    <dgm:cxn modelId="{086A7AD4-433B-4987-A94F-92BAF06AC69B}" type="presOf" srcId="{33943AA2-92A9-454B-8742-E35BB9F12D29}" destId="{619697C5-BF09-4513-8E4D-3D4F181DB5C7}" srcOrd="1" destOrd="0" presId="urn:microsoft.com/office/officeart/2005/8/layout/list1"/>
+    <dgm:cxn modelId="{FEC47B73-DD1B-408F-B3A9-5F00EE32FF59}" type="presOf" srcId="{5B35BB55-2D65-4F39-9386-E7A64A2ECC69}" destId="{AE4B4B4D-45E3-46A0-AD52-9CC42B9D74A3}" srcOrd="0" destOrd="0" presId="urn:microsoft.com/office/officeart/2005/8/layout/list1"/>
+    <dgm:cxn modelId="{75C9F5F8-DEB3-4B25-8B1D-D303F7413012}" type="presOf" srcId="{9E731BC7-8B1F-4FF2-ADB8-E99D1F3B3285}" destId="{6748488C-E7D0-4F4C-BED9-169D0FA55D63}" srcOrd="1" destOrd="0" presId="urn:microsoft.com/office/officeart/2005/8/layout/list1"/>
+    <dgm:cxn modelId="{C0EBC422-6870-443F-9A66-7266513884ED}" srcId="{799C2852-5905-40BD-A101-468D7D26F213}" destId="{5B35BB55-2D65-4F39-9386-E7A64A2ECC69}" srcOrd="2" destOrd="0" parTransId="{50930DE7-7C04-43F7-B9BF-E1DF6A421452}" sibTransId="{AEC098AE-84BF-4871-B8B9-9A993F952929}"/>
+    <dgm:cxn modelId="{F4DA924A-6231-4407-9A82-AA94C7BC4541}" type="presParOf" srcId="{A4000109-22E9-49EA-A523-9428D1E0859F}" destId="{3320BB37-B00F-4512-B574-D8B693AA55E1}" srcOrd="0" destOrd="0" presId="urn:microsoft.com/office/officeart/2005/8/layout/list1"/>
+    <dgm:cxn modelId="{D23FA381-E554-4150-8305-C32C084E5F34}" type="presParOf" srcId="{3320BB37-B00F-4512-B574-D8B693AA55E1}" destId="{25ED6CE9-E62D-4757-A97F-8885E4260F44}" srcOrd="0" destOrd="0" presId="urn:microsoft.com/office/officeart/2005/8/layout/list1"/>
+    <dgm:cxn modelId="{20A7A00B-A81E-4C72-B863-A9676A2DC19D}" type="presParOf" srcId="{3320BB37-B00F-4512-B574-D8B693AA55E1}" destId="{619697C5-BF09-4513-8E4D-3D4F181DB5C7}" srcOrd="1" destOrd="0" presId="urn:microsoft.com/office/officeart/2005/8/layout/list1"/>
+    <dgm:cxn modelId="{CECF0FC9-DD1F-4C01-946A-690198B2A2E9}" type="presParOf" srcId="{A4000109-22E9-49EA-A523-9428D1E0859F}" destId="{85A3439E-4AB2-40F3-B401-8940CEF164AB}" srcOrd="1" destOrd="0" presId="urn:microsoft.com/office/officeart/2005/8/layout/list1"/>
+    <dgm:cxn modelId="{41A05E70-57F6-4DBF-B4B4-49BE27B77807}" type="presParOf" srcId="{A4000109-22E9-49EA-A523-9428D1E0859F}" destId="{5976AD27-6959-4361-8F5D-2A8125B23AF3}" srcOrd="2" destOrd="0" presId="urn:microsoft.com/office/officeart/2005/8/layout/list1"/>
+    <dgm:cxn modelId="{13E69AEF-4EA2-42ED-8EAE-AD346EB5783B}" type="presParOf" srcId="{A4000109-22E9-49EA-A523-9428D1E0859F}" destId="{B9042DD6-A794-48F0-A133-D8F244EA626E}" srcOrd="3" destOrd="0" presId="urn:microsoft.com/office/officeart/2005/8/layout/list1"/>
+    <dgm:cxn modelId="{1E956A1D-E75D-4C63-968B-4FD75577A33D}" type="presParOf" srcId="{A4000109-22E9-49EA-A523-9428D1E0859F}" destId="{76CBD470-9A82-4920-852B-10B4CEFA9A41}" srcOrd="4" destOrd="0" presId="urn:microsoft.com/office/officeart/2005/8/layout/list1"/>
+    <dgm:cxn modelId="{625B74DC-70E1-466A-82A2-192792EFC584}" type="presParOf" srcId="{76CBD470-9A82-4920-852B-10B4CEFA9A41}" destId="{9A8EB00E-5844-42CD-B94D-B5A18ACE2721}" srcOrd="0" destOrd="0" presId="urn:microsoft.com/office/officeart/2005/8/layout/list1"/>
+    <dgm:cxn modelId="{92125E21-E298-49D5-B55C-B98D0604BD77}" type="presParOf" srcId="{76CBD470-9A82-4920-852B-10B4CEFA9A41}" destId="{8ACF753D-2D4C-4D4A-B030-ADD9B8BC5668}" srcOrd="1" destOrd="0" presId="urn:microsoft.com/office/officeart/2005/8/layout/list1"/>
+    <dgm:cxn modelId="{2C8DBFA3-5414-4BDE-BE1E-F366460E0D95}" type="presParOf" srcId="{A4000109-22E9-49EA-A523-9428D1E0859F}" destId="{97EC2FA1-EC5D-4E93-B0ED-928A77D9C645}" srcOrd="5" destOrd="0" presId="urn:microsoft.com/office/officeart/2005/8/layout/list1"/>
+    <dgm:cxn modelId="{833EF332-35CB-4F34-8DE2-39F58A40246E}" type="presParOf" srcId="{A4000109-22E9-49EA-A523-9428D1E0859F}" destId="{CEAF1D8D-0AC6-4D67-945B-83F2A3CDC5AA}" srcOrd="6" destOrd="0" presId="urn:microsoft.com/office/officeart/2005/8/layout/list1"/>
+    <dgm:cxn modelId="{6C624B1A-1342-43F5-B48F-4D9C3FF71CEA}" type="presParOf" srcId="{A4000109-22E9-49EA-A523-9428D1E0859F}" destId="{B23B8F3E-7814-4723-AC5E-95EAD002822D}" srcOrd="7" destOrd="0" presId="urn:microsoft.com/office/officeart/2005/8/layout/list1"/>
+    <dgm:cxn modelId="{95DC2EC2-4DC9-41EE-945B-1B6BFAFE70FE}" type="presParOf" srcId="{A4000109-22E9-49EA-A523-9428D1E0859F}" destId="{5D67124D-3466-4513-891F-3934444B40B3}" srcOrd="8" destOrd="0" presId="urn:microsoft.com/office/officeart/2005/8/layout/list1"/>
+    <dgm:cxn modelId="{530CFC81-4D9B-4792-BCD5-9E389D0525D6}" type="presParOf" srcId="{5D67124D-3466-4513-891F-3934444B40B3}" destId="{AE4B4B4D-45E3-46A0-AD52-9CC42B9D74A3}" srcOrd="0" destOrd="0" presId="urn:microsoft.com/office/officeart/2005/8/layout/list1"/>
+    <dgm:cxn modelId="{CD2FDC37-7AEC-43C3-B0DA-C3DC3110F622}" type="presParOf" srcId="{5D67124D-3466-4513-891F-3934444B40B3}" destId="{C286AA1A-AFCA-434E-8D66-0EDEE1F39905}" srcOrd="1" destOrd="0" presId="urn:microsoft.com/office/officeart/2005/8/layout/list1"/>
+    <dgm:cxn modelId="{A50A2E82-9CAC-4E4F-9072-7D78B3EC7F79}" type="presParOf" srcId="{A4000109-22E9-49EA-A523-9428D1E0859F}" destId="{D91B9722-FE6E-42B2-A124-7C842EFD6D6C}" srcOrd="9" destOrd="0" presId="urn:microsoft.com/office/officeart/2005/8/layout/list1"/>
+    <dgm:cxn modelId="{08759CC7-2A23-43C9-9457-1BBFB9DFD27D}" type="presParOf" srcId="{A4000109-22E9-49EA-A523-9428D1E0859F}" destId="{04248AAB-4B83-43F9-9F40-A0B21C8D1520}" srcOrd="10" destOrd="0" presId="urn:microsoft.com/office/officeart/2005/8/layout/list1"/>
+    <dgm:cxn modelId="{4325421C-AF8F-4A0C-BB46-78176F4E200D}" type="presParOf" srcId="{A4000109-22E9-49EA-A523-9428D1E0859F}" destId="{1FDADE29-2118-4822-B9B2-FFBB1C1D510A}" srcOrd="11" destOrd="0" presId="urn:microsoft.com/office/officeart/2005/8/layout/list1"/>
+    <dgm:cxn modelId="{C70D1E55-AB98-4D31-AE42-C23AD880ECED}" type="presParOf" srcId="{A4000109-22E9-49EA-A523-9428D1E0859F}" destId="{B799C944-6B2D-4749-A3FA-1530E2AE0AAB}" srcOrd="12" destOrd="0" presId="urn:microsoft.com/office/officeart/2005/8/layout/list1"/>
+    <dgm:cxn modelId="{AA2F8FB2-DEFF-4D9A-921B-D4AEF8F9CD30}" type="presParOf" srcId="{B799C944-6B2D-4749-A3FA-1530E2AE0AAB}" destId="{17ADDF9C-9837-4E3C-94B0-AFCD02589554}" srcOrd="0" destOrd="0" presId="urn:microsoft.com/office/officeart/2005/8/layout/list1"/>
+    <dgm:cxn modelId="{7ADEDB97-C1DC-4DC9-A91E-B830BE673AEF}" type="presParOf" srcId="{B799C944-6B2D-4749-A3FA-1530E2AE0AAB}" destId="{6748488C-E7D0-4F4C-BED9-169D0FA55D63}" srcOrd="1" destOrd="0" presId="urn:microsoft.com/office/officeart/2005/8/layout/list1"/>
+    <dgm:cxn modelId="{B06FBE36-DCF0-4634-AD8B-1F886BB71366}" type="presParOf" srcId="{A4000109-22E9-49EA-A523-9428D1E0859F}" destId="{A81F62DF-9CE7-4164-9A6A-B85691B63CFD}" srcOrd="13" destOrd="0" presId="urn:microsoft.com/office/officeart/2005/8/layout/list1"/>
+    <dgm:cxn modelId="{A49FCE77-1C83-4AC9-834F-6BD1B3179904}" type="presParOf" srcId="{A4000109-22E9-49EA-A523-9428D1E0859F}" destId="{530341DA-F6BA-4BFA-8615-A85C2CCB42BD}" srcOrd="14" destOrd="0" presId="urn:microsoft.com/office/officeart/2005/8/layout/list1"/>
+    <dgm:cxn modelId="{712A3BB6-A4E0-449C-8F78-7366C8903DB8}" type="presParOf" srcId="{A4000109-22E9-49EA-A523-9428D1E0859F}" destId="{A49F8960-7CF8-47C3-935C-BBEFBEC140D0}" srcOrd="15" destOrd="0" presId="urn:microsoft.com/office/officeart/2005/8/layout/list1"/>
+    <dgm:cxn modelId="{70AD515C-6295-45ED-B8B8-8F4E01656183}" type="presParOf" srcId="{A4000109-22E9-49EA-A523-9428D1E0859F}" destId="{71A1D158-AA17-4699-A8E4-1F789944DB5B}" srcOrd="16" destOrd="0" presId="urn:microsoft.com/office/officeart/2005/8/layout/list1"/>
+    <dgm:cxn modelId="{E818E713-0C6E-47E1-8D8D-3C653158063F}" type="presParOf" srcId="{71A1D158-AA17-4699-A8E4-1F789944DB5B}" destId="{1BA0E123-6854-43F1-8090-10CD559F4BFF}" srcOrd="0" destOrd="0" presId="urn:microsoft.com/office/officeart/2005/8/layout/list1"/>
+    <dgm:cxn modelId="{7B9511F2-9367-41CE-A1DA-71AD5D97E20B}" type="presParOf" srcId="{71A1D158-AA17-4699-A8E4-1F789944DB5B}" destId="{DEA53044-FFA4-40AB-9A81-4DC6FEEFD0DD}" srcOrd="1" destOrd="0" presId="urn:microsoft.com/office/officeart/2005/8/layout/list1"/>
+    <dgm:cxn modelId="{EC98D5D9-09D4-47CC-819F-E84E50B5B75F}" type="presParOf" srcId="{A4000109-22E9-49EA-A523-9428D1E0859F}" destId="{CFE7AC08-9DDE-433A-9A14-4C7BBC557858}" srcOrd="17" destOrd="0" presId="urn:microsoft.com/office/officeart/2005/8/layout/list1"/>
+    <dgm:cxn modelId="{4220F09F-0864-4D24-9030-C7455C3E18C8}" type="presParOf" srcId="{A4000109-22E9-49EA-A523-9428D1E0859F}" destId="{F7AD4278-4C20-40A6-9D3A-412DE8DEDD64}" srcOrd="18" destOrd="0" presId="urn:microsoft.com/office/officeart/2005/8/layout/list1"/>
+    <dgm:cxn modelId="{3EA9FA23-CAAA-415B-814B-3C352AC6CD87}" type="presParOf" srcId="{A4000109-22E9-49EA-A523-9428D1E0859F}" destId="{C82CB3B5-552E-427C-AE43-B65520D6F327}" srcOrd="19" destOrd="0" presId="urn:microsoft.com/office/officeart/2005/8/layout/list1"/>
+    <dgm:cxn modelId="{3D227911-7D51-42FC-A096-40E9DC32A1B1}" type="presParOf" srcId="{A4000109-22E9-49EA-A523-9428D1E0859F}" destId="{54A73CC2-E064-4F49-8C04-BCB68B4165DD}" srcOrd="20" destOrd="0" presId="urn:microsoft.com/office/officeart/2005/8/layout/list1"/>
+    <dgm:cxn modelId="{D260EEC1-1AC8-4174-91B9-4107006C81C0}" type="presParOf" srcId="{54A73CC2-E064-4F49-8C04-BCB68B4165DD}" destId="{CE273073-A3CD-4AC9-8856-0CDFF287DA09}" srcOrd="0" destOrd="0" presId="urn:microsoft.com/office/officeart/2005/8/layout/list1"/>
+    <dgm:cxn modelId="{9A5423B6-2F4A-4106-918F-9D47E9C09A45}" type="presParOf" srcId="{54A73CC2-E064-4F49-8C04-BCB68B4165DD}" destId="{93138D07-5881-4E39-BF5D-7A94F7C84C39}" srcOrd="1" destOrd="0" presId="urn:microsoft.com/office/officeart/2005/8/layout/list1"/>
+    <dgm:cxn modelId="{3BC75395-5367-4075-BAF9-0804CB964D15}" type="presParOf" srcId="{A4000109-22E9-49EA-A523-9428D1E0859F}" destId="{64CB59BE-3C86-4713-8188-DEC5BD0B1957}" srcOrd="21" destOrd="0" presId="urn:microsoft.com/office/officeart/2005/8/layout/list1"/>
+    <dgm:cxn modelId="{1C7B42F0-8268-4737-B70C-056C52419DB6}" type="presParOf" srcId="{A4000109-22E9-49EA-A523-9428D1E0859F}" destId="{D7AF0D8D-A141-48DB-A29C-2F2E535C5AAC}" srcOrd="22" destOrd="0" presId="urn:microsoft.com/office/officeart/2005/8/layout/list1"/>
+  </dgm:cxnLst>
+  <dgm:bg/>
+  <dgm:whole/>
+  <dgm:extLst>
+    <a:ext uri="http://schemas.microsoft.com/office/drawing/2008/diagram">
+      <dsp:dataModelExt xmlns:dsp="http://schemas.microsoft.com/office/drawing/2008/diagram" relId="rId6" minVer="http://schemas.openxmlformats.org/drawingml/2006/diagram"/>
+    </a:ext>
+  </dgm:extLst>
+</dgm:dataModel>
+</file>
+
 <file path=ppt/diagrams/drawing1.xml><?xml version="1.0" encoding="utf-8"?>
 <dsp:drawing xmlns:dgm="http://schemas.openxmlformats.org/drawingml/2006/diagram" xmlns:dsp="http://schemas.microsoft.com/office/drawing/2008/diagram" xmlns:a="http://schemas.openxmlformats.org/drawingml/2006/main">
   <dsp:spTree>
@@ -1089,7 +2496,7 @@
       </dsp:nvSpPr>
       <dsp:spPr>
         <a:xfrm>
-          <a:off x="0" y="505585"/>
+          <a:off x="0" y="169210"/>
           <a:ext cx="8298873" cy="1521000"/>
         </a:xfrm>
         <a:prstGeom prst="roundRect">
@@ -1155,7 +2562,7 @@
         </a:p>
       </dsp:txBody>
       <dsp:txXfrm>
-        <a:off x="74249" y="579834"/>
+        <a:off x="74249" y="243459"/>
         <a:ext cx="8150375" cy="1372502"/>
       </dsp:txXfrm>
     </dsp:sp>
@@ -1166,8 +2573,8 @@
       </dsp:nvSpPr>
       <dsp:spPr>
         <a:xfrm>
-          <a:off x="0" y="2026585"/>
-          <a:ext cx="8298873" cy="3161925"/>
+          <a:off x="0" y="1690210"/>
+          <a:ext cx="8298873" cy="3834675"/>
         </a:xfrm>
         <a:prstGeom prst="rect">
           <a:avLst/>
@@ -1229,7 +2636,15 @@
           </a:pPr>
           <a:r>
             <a:rPr lang="en-US" sz="5100" kern="1200" smtClean="0"/>
-            <a:t>Algoritmi – mesanje niza celih brojeva</a:t>
+            <a:t>Algoritmi – </a:t>
+          </a:r>
+          <a:r>
+            <a:rPr lang="en-US" sz="5100" kern="1200" smtClean="0"/>
+            <a:t>shuffle (mesanje) </a:t>
+          </a:r>
+          <a:r>
+            <a:rPr lang="en-US" sz="5100" kern="1200" smtClean="0"/>
+            <a:t>niza celih brojeva</a:t>
           </a:r>
           <a:endParaRPr lang="en-US" sz="5100" kern="1200"/>
         </a:p>
@@ -1248,14 +2663,776 @@
           </a:pPr>
           <a:r>
             <a:rPr lang="en-US" sz="5100" kern="1200" smtClean="0"/>
-            <a:t>DOM manipulacije</a:t>
+            <a:t>Coding challenge</a:t>
           </a:r>
           <a:endParaRPr lang="en-US" sz="5100" kern="1200"/>
         </a:p>
       </dsp:txBody>
       <dsp:txXfrm>
-        <a:off x="0" y="2026585"/>
-        <a:ext cx="8298873" cy="3161925"/>
+        <a:off x="0" y="1690210"/>
+        <a:ext cx="8298873" cy="3834675"/>
+      </dsp:txXfrm>
+    </dsp:sp>
+  </dsp:spTree>
+</dsp:drawing>
+</file>
+
+<file path=ppt/diagrams/drawing2.xml><?xml version="1.0" encoding="utf-8"?>
+<dsp:drawing xmlns:dgm="http://schemas.openxmlformats.org/drawingml/2006/diagram" xmlns:dsp="http://schemas.microsoft.com/office/drawing/2008/diagram" xmlns:a="http://schemas.openxmlformats.org/drawingml/2006/main">
+  <dsp:spTree>
+    <dsp:nvGrpSpPr>
+      <dsp:cNvPr id="0" name=""/>
+      <dsp:cNvGrpSpPr/>
+    </dsp:nvGrpSpPr>
+    <dsp:grpSpPr/>
+    <dsp:sp modelId="{5976AD27-6959-4361-8F5D-2A8125B23AF3}">
+      <dsp:nvSpPr>
+        <dsp:cNvPr id="0" name=""/>
+        <dsp:cNvSpPr/>
+      </dsp:nvSpPr>
+      <dsp:spPr>
+        <a:xfrm>
+          <a:off x="0" y="291483"/>
+          <a:ext cx="6345382" cy="403200"/>
+        </a:xfrm>
+        <a:prstGeom prst="rect">
+          <a:avLst/>
+        </a:prstGeom>
+        <a:solidFill>
+          <a:schemeClr val="lt1">
+            <a:alpha val="90000"/>
+            <a:hueOff val="0"/>
+            <a:satOff val="0"/>
+            <a:lumOff val="0"/>
+            <a:alphaOff val="0"/>
+          </a:schemeClr>
+        </a:solidFill>
+        <a:ln w="25400" cap="flat" cmpd="sng" algn="ctr">
+          <a:solidFill>
+            <a:schemeClr val="accent1">
+              <a:hueOff val="0"/>
+              <a:satOff val="0"/>
+              <a:lumOff val="0"/>
+              <a:alphaOff val="0"/>
+            </a:schemeClr>
+          </a:solidFill>
+          <a:prstDash val="solid"/>
+        </a:ln>
+        <a:effectLst/>
+      </dsp:spPr>
+      <dsp:style>
+        <a:lnRef idx="2">
+          <a:scrgbClr r="0" g="0" b="0"/>
+        </a:lnRef>
+        <a:fillRef idx="1">
+          <a:scrgbClr r="0" g="0" b="0"/>
+        </a:fillRef>
+        <a:effectRef idx="0">
+          <a:scrgbClr r="0" g="0" b="0"/>
+        </a:effectRef>
+        <a:fontRef idx="minor"/>
+      </dsp:style>
+    </dsp:sp>
+    <dsp:sp modelId="{619697C5-BF09-4513-8E4D-3D4F181DB5C7}">
+      <dsp:nvSpPr>
+        <dsp:cNvPr id="0" name=""/>
+        <dsp:cNvSpPr/>
+      </dsp:nvSpPr>
+      <dsp:spPr>
+        <a:xfrm>
+          <a:off x="290218" y="61175"/>
+          <a:ext cx="4441767" cy="472320"/>
+        </a:xfrm>
+        <a:prstGeom prst="roundRect">
+          <a:avLst/>
+        </a:prstGeom>
+        <a:solidFill>
+          <a:schemeClr val="accent1">
+            <a:hueOff val="0"/>
+            <a:satOff val="0"/>
+            <a:lumOff val="0"/>
+            <a:alphaOff val="0"/>
+          </a:schemeClr>
+        </a:solidFill>
+        <a:ln w="25400" cap="flat" cmpd="sng" algn="ctr">
+          <a:solidFill>
+            <a:schemeClr val="lt1">
+              <a:hueOff val="0"/>
+              <a:satOff val="0"/>
+              <a:lumOff val="0"/>
+              <a:alphaOff val="0"/>
+            </a:schemeClr>
+          </a:solidFill>
+          <a:prstDash val="solid"/>
+        </a:ln>
+        <a:effectLst/>
+      </dsp:spPr>
+      <dsp:style>
+        <a:lnRef idx="2">
+          <a:scrgbClr r="0" g="0" b="0"/>
+        </a:lnRef>
+        <a:fillRef idx="1">
+          <a:scrgbClr r="0" g="0" b="0"/>
+        </a:fillRef>
+        <a:effectRef idx="0">
+          <a:scrgbClr r="0" g="0" b="0"/>
+        </a:effectRef>
+        <a:fontRef idx="minor">
+          <a:schemeClr val="lt1"/>
+        </a:fontRef>
+      </dsp:style>
+      <dsp:txBody>
+        <a:bodyPr spcFirstLastPara="0" vert="horz" wrap="square" lIns="167888" tIns="0" rIns="167888" bIns="0" numCol="1" spcCol="1270" anchor="ctr" anchorCtr="0">
+          <a:noAutofit/>
+        </a:bodyPr>
+        <a:lstStyle/>
+        <a:p>
+          <a:pPr lvl="0" algn="l" defTabSz="711200">
+            <a:lnSpc>
+              <a:spcPct val="90000"/>
+            </a:lnSpc>
+            <a:spcBef>
+              <a:spcPct val="0"/>
+            </a:spcBef>
+            <a:spcAft>
+              <a:spcPct val="35000"/>
+            </a:spcAft>
+          </a:pPr>
+          <a:r>
+            <a:rPr lang="en-US" sz="1600" kern="1200" smtClean="0"/>
+            <a:t>Napuni niz 1..10</a:t>
+          </a:r>
+          <a:endParaRPr lang="en-US" sz="1600" kern="1200"/>
+        </a:p>
+      </dsp:txBody>
+      <dsp:txXfrm>
+        <a:off x="313275" y="84232"/>
+        <a:ext cx="4395653" cy="426206"/>
+      </dsp:txXfrm>
+    </dsp:sp>
+    <dsp:sp modelId="{CEAF1D8D-0AC6-4D67-945B-83F2A3CDC5AA}">
+      <dsp:nvSpPr>
+        <dsp:cNvPr id="0" name=""/>
+        <dsp:cNvSpPr/>
+      </dsp:nvSpPr>
+      <dsp:spPr>
+        <a:xfrm>
+          <a:off x="0" y="1017243"/>
+          <a:ext cx="6345382" cy="403200"/>
+        </a:xfrm>
+        <a:prstGeom prst="rect">
+          <a:avLst/>
+        </a:prstGeom>
+        <a:solidFill>
+          <a:schemeClr val="lt1">
+            <a:alpha val="90000"/>
+            <a:hueOff val="0"/>
+            <a:satOff val="0"/>
+            <a:lumOff val="0"/>
+            <a:alphaOff val="0"/>
+          </a:schemeClr>
+        </a:solidFill>
+        <a:ln w="25400" cap="flat" cmpd="sng" algn="ctr">
+          <a:solidFill>
+            <a:schemeClr val="accent1">
+              <a:hueOff val="0"/>
+              <a:satOff val="0"/>
+              <a:lumOff val="0"/>
+              <a:alphaOff val="0"/>
+            </a:schemeClr>
+          </a:solidFill>
+          <a:prstDash val="solid"/>
+        </a:ln>
+        <a:effectLst/>
+      </dsp:spPr>
+      <dsp:style>
+        <a:lnRef idx="2">
+          <a:scrgbClr r="0" g="0" b="0"/>
+        </a:lnRef>
+        <a:fillRef idx="1">
+          <a:scrgbClr r="0" g="0" b="0"/>
+        </a:fillRef>
+        <a:effectRef idx="0">
+          <a:scrgbClr r="0" g="0" b="0"/>
+        </a:effectRef>
+        <a:fontRef idx="minor"/>
+      </dsp:style>
+    </dsp:sp>
+    <dsp:sp modelId="{8ACF753D-2D4C-4D4A-B030-ADD9B8BC5668}">
+      <dsp:nvSpPr>
+        <dsp:cNvPr id="0" name=""/>
+        <dsp:cNvSpPr/>
+      </dsp:nvSpPr>
+      <dsp:spPr>
+        <a:xfrm>
+          <a:off x="290218" y="773875"/>
+          <a:ext cx="4441767" cy="472320"/>
+        </a:xfrm>
+        <a:prstGeom prst="roundRect">
+          <a:avLst/>
+        </a:prstGeom>
+        <a:solidFill>
+          <a:schemeClr val="accent1">
+            <a:hueOff val="0"/>
+            <a:satOff val="0"/>
+            <a:lumOff val="0"/>
+            <a:alphaOff val="0"/>
+          </a:schemeClr>
+        </a:solidFill>
+        <a:ln w="25400" cap="flat" cmpd="sng" algn="ctr">
+          <a:solidFill>
+            <a:schemeClr val="lt1">
+              <a:hueOff val="0"/>
+              <a:satOff val="0"/>
+              <a:lumOff val="0"/>
+              <a:alphaOff val="0"/>
+            </a:schemeClr>
+          </a:solidFill>
+          <a:prstDash val="solid"/>
+        </a:ln>
+        <a:effectLst/>
+      </dsp:spPr>
+      <dsp:style>
+        <a:lnRef idx="2">
+          <a:scrgbClr r="0" g="0" b="0"/>
+        </a:lnRef>
+        <a:fillRef idx="1">
+          <a:scrgbClr r="0" g="0" b="0"/>
+        </a:fillRef>
+        <a:effectRef idx="0">
+          <a:scrgbClr r="0" g="0" b="0"/>
+        </a:effectRef>
+        <a:fontRef idx="minor">
+          <a:schemeClr val="lt1"/>
+        </a:fontRef>
+      </dsp:style>
+      <dsp:txBody>
+        <a:bodyPr spcFirstLastPara="0" vert="horz" wrap="square" lIns="167888" tIns="0" rIns="167888" bIns="0" numCol="1" spcCol="1270" anchor="ctr" anchorCtr="0">
+          <a:noAutofit/>
+        </a:bodyPr>
+        <a:lstStyle/>
+        <a:p>
+          <a:pPr lvl="0" algn="l" defTabSz="711200">
+            <a:lnSpc>
+              <a:spcPct val="90000"/>
+            </a:lnSpc>
+            <a:spcBef>
+              <a:spcPct val="0"/>
+            </a:spcBef>
+            <a:spcAft>
+              <a:spcPct val="35000"/>
+            </a:spcAft>
+          </a:pPr>
+          <a:r>
+            <a:rPr lang="en-US" sz="1600" kern="1200" smtClean="0"/>
+            <a:t>Kreni u ciklus for od 10 do 1</a:t>
+          </a:r>
+          <a:endParaRPr lang="en-US" sz="1600" kern="1200"/>
+        </a:p>
+      </dsp:txBody>
+      <dsp:txXfrm>
+        <a:off x="313275" y="796932"/>
+        <a:ext cx="4395653" cy="426206"/>
+      </dsp:txXfrm>
+    </dsp:sp>
+    <dsp:sp modelId="{04248AAB-4B83-43F9-9F40-A0B21C8D1520}">
+      <dsp:nvSpPr>
+        <dsp:cNvPr id="0" name=""/>
+        <dsp:cNvSpPr/>
+      </dsp:nvSpPr>
+      <dsp:spPr>
+        <a:xfrm>
+          <a:off x="0" y="1743003"/>
+          <a:ext cx="6345382" cy="403200"/>
+        </a:xfrm>
+        <a:prstGeom prst="rect">
+          <a:avLst/>
+        </a:prstGeom>
+        <a:solidFill>
+          <a:schemeClr val="lt1">
+            <a:alpha val="90000"/>
+            <a:hueOff val="0"/>
+            <a:satOff val="0"/>
+            <a:lumOff val="0"/>
+            <a:alphaOff val="0"/>
+          </a:schemeClr>
+        </a:solidFill>
+        <a:ln w="25400" cap="flat" cmpd="sng" algn="ctr">
+          <a:solidFill>
+            <a:schemeClr val="accent1">
+              <a:hueOff val="0"/>
+              <a:satOff val="0"/>
+              <a:lumOff val="0"/>
+              <a:alphaOff val="0"/>
+            </a:schemeClr>
+          </a:solidFill>
+          <a:prstDash val="solid"/>
+        </a:ln>
+        <a:effectLst/>
+      </dsp:spPr>
+      <dsp:style>
+        <a:lnRef idx="2">
+          <a:scrgbClr r="0" g="0" b="0"/>
+        </a:lnRef>
+        <a:fillRef idx="1">
+          <a:scrgbClr r="0" g="0" b="0"/>
+        </a:fillRef>
+        <a:effectRef idx="0">
+          <a:scrgbClr r="0" g="0" b="0"/>
+        </a:effectRef>
+        <a:fontRef idx="minor"/>
+      </dsp:style>
+    </dsp:sp>
+    <dsp:sp modelId="{C286AA1A-AFCA-434E-8D66-0EDEE1F39905}">
+      <dsp:nvSpPr>
+        <dsp:cNvPr id="0" name=""/>
+        <dsp:cNvSpPr/>
+      </dsp:nvSpPr>
+      <dsp:spPr>
+        <a:xfrm>
+          <a:off x="317269" y="1506843"/>
+          <a:ext cx="4441767" cy="472320"/>
+        </a:xfrm>
+        <a:prstGeom prst="roundRect">
+          <a:avLst/>
+        </a:prstGeom>
+        <a:solidFill>
+          <a:schemeClr val="accent1">
+            <a:hueOff val="0"/>
+            <a:satOff val="0"/>
+            <a:lumOff val="0"/>
+            <a:alphaOff val="0"/>
+          </a:schemeClr>
+        </a:solidFill>
+        <a:ln w="25400" cap="flat" cmpd="sng" algn="ctr">
+          <a:solidFill>
+            <a:schemeClr val="lt1">
+              <a:hueOff val="0"/>
+              <a:satOff val="0"/>
+              <a:lumOff val="0"/>
+              <a:alphaOff val="0"/>
+            </a:schemeClr>
+          </a:solidFill>
+          <a:prstDash val="solid"/>
+        </a:ln>
+        <a:effectLst/>
+      </dsp:spPr>
+      <dsp:style>
+        <a:lnRef idx="2">
+          <a:scrgbClr r="0" g="0" b="0"/>
+        </a:lnRef>
+        <a:fillRef idx="1">
+          <a:scrgbClr r="0" g="0" b="0"/>
+        </a:fillRef>
+        <a:effectRef idx="0">
+          <a:scrgbClr r="0" g="0" b="0"/>
+        </a:effectRef>
+        <a:fontRef idx="minor">
+          <a:schemeClr val="lt1"/>
+        </a:fontRef>
+      </dsp:style>
+      <dsp:txBody>
+        <a:bodyPr spcFirstLastPara="0" vert="horz" wrap="square" lIns="167888" tIns="0" rIns="167888" bIns="0" numCol="1" spcCol="1270" anchor="ctr" anchorCtr="0">
+          <a:noAutofit/>
+        </a:bodyPr>
+        <a:lstStyle/>
+        <a:p>
+          <a:pPr lvl="0" algn="l" defTabSz="711200">
+            <a:lnSpc>
+              <a:spcPct val="90000"/>
+            </a:lnSpc>
+            <a:spcBef>
+              <a:spcPct val="0"/>
+            </a:spcBef>
+            <a:spcAft>
+              <a:spcPct val="35000"/>
+            </a:spcAft>
+          </a:pPr>
+          <a:r>
+            <a:rPr lang="en-US" sz="1600" kern="1200" smtClean="0"/>
+            <a:t>Izaberi rnd broj do prom. ciklusa</a:t>
+          </a:r>
+          <a:endParaRPr lang="en-US" sz="1600" kern="1200"/>
+        </a:p>
+      </dsp:txBody>
+      <dsp:txXfrm>
+        <a:off x="340326" y="1529900"/>
+        <a:ext cx="4395653" cy="426206"/>
+      </dsp:txXfrm>
+    </dsp:sp>
+    <dsp:sp modelId="{530341DA-F6BA-4BFA-8615-A85C2CCB42BD}">
+      <dsp:nvSpPr>
+        <dsp:cNvPr id="0" name=""/>
+        <dsp:cNvSpPr/>
+      </dsp:nvSpPr>
+      <dsp:spPr>
+        <a:xfrm>
+          <a:off x="0" y="2468763"/>
+          <a:ext cx="6345382" cy="403200"/>
+        </a:xfrm>
+        <a:prstGeom prst="rect">
+          <a:avLst/>
+        </a:prstGeom>
+        <a:solidFill>
+          <a:schemeClr val="lt1">
+            <a:alpha val="90000"/>
+            <a:hueOff val="0"/>
+            <a:satOff val="0"/>
+            <a:lumOff val="0"/>
+            <a:alphaOff val="0"/>
+          </a:schemeClr>
+        </a:solidFill>
+        <a:ln w="25400" cap="flat" cmpd="sng" algn="ctr">
+          <a:solidFill>
+            <a:schemeClr val="accent1">
+              <a:hueOff val="0"/>
+              <a:satOff val="0"/>
+              <a:lumOff val="0"/>
+              <a:alphaOff val="0"/>
+            </a:schemeClr>
+          </a:solidFill>
+          <a:prstDash val="solid"/>
+        </a:ln>
+        <a:effectLst/>
+      </dsp:spPr>
+      <dsp:style>
+        <a:lnRef idx="2">
+          <a:scrgbClr r="0" g="0" b="0"/>
+        </a:lnRef>
+        <a:fillRef idx="1">
+          <a:scrgbClr r="0" g="0" b="0"/>
+        </a:fillRef>
+        <a:effectRef idx="0">
+          <a:scrgbClr r="0" g="0" b="0"/>
+        </a:effectRef>
+        <a:fontRef idx="minor"/>
+      </dsp:style>
+    </dsp:sp>
+    <dsp:sp modelId="{6748488C-E7D0-4F4C-BED9-169D0FA55D63}">
+      <dsp:nvSpPr>
+        <dsp:cNvPr id="0" name=""/>
+        <dsp:cNvSpPr/>
+      </dsp:nvSpPr>
+      <dsp:spPr>
+        <a:xfrm>
+          <a:off x="317269" y="2232603"/>
+          <a:ext cx="4441767" cy="472320"/>
+        </a:xfrm>
+        <a:prstGeom prst="roundRect">
+          <a:avLst/>
+        </a:prstGeom>
+        <a:solidFill>
+          <a:schemeClr val="accent1">
+            <a:hueOff val="0"/>
+            <a:satOff val="0"/>
+            <a:lumOff val="0"/>
+            <a:alphaOff val="0"/>
+          </a:schemeClr>
+        </a:solidFill>
+        <a:ln w="25400" cap="flat" cmpd="sng" algn="ctr">
+          <a:solidFill>
+            <a:schemeClr val="lt1">
+              <a:hueOff val="0"/>
+              <a:satOff val="0"/>
+              <a:lumOff val="0"/>
+              <a:alphaOff val="0"/>
+            </a:schemeClr>
+          </a:solidFill>
+          <a:prstDash val="solid"/>
+        </a:ln>
+        <a:effectLst/>
+      </dsp:spPr>
+      <dsp:style>
+        <a:lnRef idx="2">
+          <a:scrgbClr r="0" g="0" b="0"/>
+        </a:lnRef>
+        <a:fillRef idx="1">
+          <a:scrgbClr r="0" g="0" b="0"/>
+        </a:fillRef>
+        <a:effectRef idx="0">
+          <a:scrgbClr r="0" g="0" b="0"/>
+        </a:effectRef>
+        <a:fontRef idx="minor">
+          <a:schemeClr val="lt1"/>
+        </a:fontRef>
+      </dsp:style>
+      <dsp:txBody>
+        <a:bodyPr spcFirstLastPara="0" vert="horz" wrap="square" lIns="167888" tIns="0" rIns="167888" bIns="0" numCol="1" spcCol="1270" anchor="ctr" anchorCtr="0">
+          <a:noAutofit/>
+        </a:bodyPr>
+        <a:lstStyle/>
+        <a:p>
+          <a:pPr lvl="0" algn="l" defTabSz="711200">
+            <a:lnSpc>
+              <a:spcPct val="90000"/>
+            </a:lnSpc>
+            <a:spcBef>
+              <a:spcPct val="0"/>
+            </a:spcBef>
+            <a:spcAft>
+              <a:spcPct val="35000"/>
+            </a:spcAft>
+          </a:pPr>
+          <a:r>
+            <a:rPr lang="en-US" sz="1600" kern="1200" smtClean="0"/>
+            <a:t>Izabrani broj – zameni sa indexom niza na poziciji na kojoj se nalazis</a:t>
+          </a:r>
+          <a:endParaRPr lang="en-US" sz="1600" kern="1200"/>
+        </a:p>
+      </dsp:txBody>
+      <dsp:txXfrm>
+        <a:off x="340326" y="2255660"/>
+        <a:ext cx="4395653" cy="426206"/>
+      </dsp:txXfrm>
+    </dsp:sp>
+    <dsp:sp modelId="{F7AD4278-4C20-40A6-9D3A-412DE8DEDD64}">
+      <dsp:nvSpPr>
+        <dsp:cNvPr id="0" name=""/>
+        <dsp:cNvSpPr/>
+      </dsp:nvSpPr>
+      <dsp:spPr>
+        <a:xfrm>
+          <a:off x="0" y="3194523"/>
+          <a:ext cx="6345382" cy="403200"/>
+        </a:xfrm>
+        <a:prstGeom prst="rect">
+          <a:avLst/>
+        </a:prstGeom>
+        <a:solidFill>
+          <a:schemeClr val="lt1">
+            <a:alpha val="90000"/>
+            <a:hueOff val="0"/>
+            <a:satOff val="0"/>
+            <a:lumOff val="0"/>
+            <a:alphaOff val="0"/>
+          </a:schemeClr>
+        </a:solidFill>
+        <a:ln w="25400" cap="flat" cmpd="sng" algn="ctr">
+          <a:solidFill>
+            <a:schemeClr val="accent1">
+              <a:hueOff val="0"/>
+              <a:satOff val="0"/>
+              <a:lumOff val="0"/>
+              <a:alphaOff val="0"/>
+            </a:schemeClr>
+          </a:solidFill>
+          <a:prstDash val="solid"/>
+        </a:ln>
+        <a:effectLst/>
+      </dsp:spPr>
+      <dsp:style>
+        <a:lnRef idx="2">
+          <a:scrgbClr r="0" g="0" b="0"/>
+        </a:lnRef>
+        <a:fillRef idx="1">
+          <a:scrgbClr r="0" g="0" b="0"/>
+        </a:fillRef>
+        <a:effectRef idx="0">
+          <a:scrgbClr r="0" g="0" b="0"/>
+        </a:effectRef>
+        <a:fontRef idx="minor"/>
+      </dsp:style>
+    </dsp:sp>
+    <dsp:sp modelId="{DEA53044-FFA4-40AB-9A81-4DC6FEEFD0DD}">
+      <dsp:nvSpPr>
+        <dsp:cNvPr id="0" name=""/>
+        <dsp:cNvSpPr/>
+      </dsp:nvSpPr>
+      <dsp:spPr>
+        <a:xfrm>
+          <a:off x="317269" y="2958363"/>
+          <a:ext cx="4441767" cy="472320"/>
+        </a:xfrm>
+        <a:prstGeom prst="roundRect">
+          <a:avLst/>
+        </a:prstGeom>
+        <a:solidFill>
+          <a:schemeClr val="accent1">
+            <a:hueOff val="0"/>
+            <a:satOff val="0"/>
+            <a:lumOff val="0"/>
+            <a:alphaOff val="0"/>
+          </a:schemeClr>
+        </a:solidFill>
+        <a:ln w="25400" cap="flat" cmpd="sng" algn="ctr">
+          <a:solidFill>
+            <a:schemeClr val="lt1">
+              <a:hueOff val="0"/>
+              <a:satOff val="0"/>
+              <a:lumOff val="0"/>
+              <a:alphaOff val="0"/>
+            </a:schemeClr>
+          </a:solidFill>
+          <a:prstDash val="solid"/>
+        </a:ln>
+        <a:effectLst/>
+      </dsp:spPr>
+      <dsp:style>
+        <a:lnRef idx="2">
+          <a:scrgbClr r="0" g="0" b="0"/>
+        </a:lnRef>
+        <a:fillRef idx="1">
+          <a:scrgbClr r="0" g="0" b="0"/>
+        </a:fillRef>
+        <a:effectRef idx="0">
+          <a:scrgbClr r="0" g="0" b="0"/>
+        </a:effectRef>
+        <a:fontRef idx="minor">
+          <a:schemeClr val="lt1"/>
+        </a:fontRef>
+      </dsp:style>
+      <dsp:txBody>
+        <a:bodyPr spcFirstLastPara="0" vert="horz" wrap="square" lIns="167888" tIns="0" rIns="167888" bIns="0" numCol="1" spcCol="1270" anchor="ctr" anchorCtr="0">
+          <a:noAutofit/>
+        </a:bodyPr>
+        <a:lstStyle/>
+        <a:p>
+          <a:pPr lvl="0" algn="l" defTabSz="711200">
+            <a:lnSpc>
+              <a:spcPct val="90000"/>
+            </a:lnSpc>
+            <a:spcBef>
+              <a:spcPct val="0"/>
+            </a:spcBef>
+            <a:spcAft>
+              <a:spcPct val="35000"/>
+            </a:spcAft>
+          </a:pPr>
+          <a:r>
+            <a:rPr lang="en-US" sz="1600" kern="1200" smtClean="0"/>
+            <a:t>Idi do 1 na izlozeni nacin</a:t>
+          </a:r>
+          <a:endParaRPr lang="en-US" sz="1600" kern="1200"/>
+        </a:p>
+      </dsp:txBody>
+      <dsp:txXfrm>
+        <a:off x="340326" y="2981420"/>
+        <a:ext cx="4395653" cy="426206"/>
+      </dsp:txXfrm>
+    </dsp:sp>
+    <dsp:sp modelId="{D7AF0D8D-A141-48DB-A29C-2F2E535C5AAC}">
+      <dsp:nvSpPr>
+        <dsp:cNvPr id="0" name=""/>
+        <dsp:cNvSpPr/>
+      </dsp:nvSpPr>
+      <dsp:spPr>
+        <a:xfrm>
+          <a:off x="0" y="3920283"/>
+          <a:ext cx="6345382" cy="403200"/>
+        </a:xfrm>
+        <a:prstGeom prst="rect">
+          <a:avLst/>
+        </a:prstGeom>
+        <a:solidFill>
+          <a:schemeClr val="lt1">
+            <a:alpha val="90000"/>
+            <a:hueOff val="0"/>
+            <a:satOff val="0"/>
+            <a:lumOff val="0"/>
+            <a:alphaOff val="0"/>
+          </a:schemeClr>
+        </a:solidFill>
+        <a:ln w="25400" cap="flat" cmpd="sng" algn="ctr">
+          <a:solidFill>
+            <a:schemeClr val="accent1">
+              <a:hueOff val="0"/>
+              <a:satOff val="0"/>
+              <a:lumOff val="0"/>
+              <a:alphaOff val="0"/>
+            </a:schemeClr>
+          </a:solidFill>
+          <a:prstDash val="solid"/>
+        </a:ln>
+        <a:effectLst/>
+      </dsp:spPr>
+      <dsp:style>
+        <a:lnRef idx="2">
+          <a:scrgbClr r="0" g="0" b="0"/>
+        </a:lnRef>
+        <a:fillRef idx="1">
+          <a:scrgbClr r="0" g="0" b="0"/>
+        </a:fillRef>
+        <a:effectRef idx="0">
+          <a:scrgbClr r="0" g="0" b="0"/>
+        </a:effectRef>
+        <a:fontRef idx="minor"/>
+      </dsp:style>
+    </dsp:sp>
+    <dsp:sp modelId="{93138D07-5881-4E39-BF5D-7A94F7C84C39}">
+      <dsp:nvSpPr>
+        <dsp:cNvPr id="0" name=""/>
+        <dsp:cNvSpPr/>
+      </dsp:nvSpPr>
+      <dsp:spPr>
+        <a:xfrm>
+          <a:off x="317269" y="3684123"/>
+          <a:ext cx="4441767" cy="472320"/>
+        </a:xfrm>
+        <a:prstGeom prst="roundRect">
+          <a:avLst/>
+        </a:prstGeom>
+        <a:solidFill>
+          <a:schemeClr val="accent1">
+            <a:hueOff val="0"/>
+            <a:satOff val="0"/>
+            <a:lumOff val="0"/>
+            <a:alphaOff val="0"/>
+          </a:schemeClr>
+        </a:solidFill>
+        <a:ln w="25400" cap="flat" cmpd="sng" algn="ctr">
+          <a:solidFill>
+            <a:schemeClr val="lt1">
+              <a:hueOff val="0"/>
+              <a:satOff val="0"/>
+              <a:lumOff val="0"/>
+              <a:alphaOff val="0"/>
+            </a:schemeClr>
+          </a:solidFill>
+          <a:prstDash val="solid"/>
+        </a:ln>
+        <a:effectLst/>
+      </dsp:spPr>
+      <dsp:style>
+        <a:lnRef idx="2">
+          <a:scrgbClr r="0" g="0" b="0"/>
+        </a:lnRef>
+        <a:fillRef idx="1">
+          <a:scrgbClr r="0" g="0" b="0"/>
+        </a:fillRef>
+        <a:effectRef idx="0">
+          <a:scrgbClr r="0" g="0" b="0"/>
+        </a:effectRef>
+        <a:fontRef idx="minor">
+          <a:schemeClr val="lt1"/>
+        </a:fontRef>
+      </dsp:style>
+      <dsp:txBody>
+        <a:bodyPr spcFirstLastPara="0" vert="horz" wrap="square" lIns="167888" tIns="0" rIns="167888" bIns="0" numCol="1" spcCol="1270" anchor="ctr" anchorCtr="0">
+          <a:noAutofit/>
+        </a:bodyPr>
+        <a:lstStyle/>
+        <a:p>
+          <a:pPr lvl="0" algn="l" defTabSz="711200">
+            <a:lnSpc>
+              <a:spcPct val="90000"/>
+            </a:lnSpc>
+            <a:spcBef>
+              <a:spcPct val="0"/>
+            </a:spcBef>
+            <a:spcAft>
+              <a:spcPct val="35000"/>
+            </a:spcAft>
+          </a:pPr>
+          <a:r>
+            <a:rPr lang="en-US" sz="1600" kern="1200" smtClean="0"/>
+            <a:t>Kraj</a:t>
+          </a:r>
+          <a:endParaRPr lang="en-US" sz="1600" kern="1200"/>
+        </a:p>
+      </dsp:txBody>
+      <dsp:txXfrm>
+        <a:off x="340326" y="3707180"/>
+        <a:ext cx="4395653" cy="426206"/>
       </dsp:txXfrm>
     </dsp:sp>
   </dsp:spTree>
@@ -1429,7 +3606,1266 @@
 </dgm:layoutDef>
 </file>
 
+<file path=ppt/diagrams/layout2.xml><?xml version="1.0" encoding="utf-8"?>
+<dgm:layoutDef xmlns:dgm="http://schemas.openxmlformats.org/drawingml/2006/diagram" xmlns:a="http://schemas.openxmlformats.org/drawingml/2006/main" uniqueId="urn:microsoft.com/office/officeart/2005/8/layout/list1">
+  <dgm:title val=""/>
+  <dgm:desc val=""/>
+  <dgm:catLst>
+    <dgm:cat type="list" pri="4000"/>
+  </dgm:catLst>
+  <dgm:sampData>
+    <dgm:dataModel>
+      <dgm:ptLst>
+        <dgm:pt modelId="0" type="doc"/>
+        <dgm:pt modelId="1">
+          <dgm:prSet phldr="1"/>
+        </dgm:pt>
+        <dgm:pt modelId="2">
+          <dgm:prSet phldr="1"/>
+        </dgm:pt>
+        <dgm:pt modelId="3">
+          <dgm:prSet phldr="1"/>
+        </dgm:pt>
+      </dgm:ptLst>
+      <dgm:cxnLst>
+        <dgm:cxn modelId="4" srcId="0" destId="1" srcOrd="0" destOrd="0"/>
+        <dgm:cxn modelId="5" srcId="0" destId="2" srcOrd="1" destOrd="0"/>
+        <dgm:cxn modelId="6" srcId="0" destId="3" srcOrd="2" destOrd="0"/>
+      </dgm:cxnLst>
+      <dgm:bg/>
+      <dgm:whole/>
+    </dgm:dataModel>
+  </dgm:sampData>
+  <dgm:styleData>
+    <dgm:dataModel>
+      <dgm:ptLst>
+        <dgm:pt modelId="0" type="doc"/>
+        <dgm:pt modelId="1"/>
+        <dgm:pt modelId="2"/>
+      </dgm:ptLst>
+      <dgm:cxnLst>
+        <dgm:cxn modelId="4" srcId="0" destId="1" srcOrd="0" destOrd="0"/>
+        <dgm:cxn modelId="5" srcId="0" destId="2" srcOrd="1" destOrd="0"/>
+      </dgm:cxnLst>
+      <dgm:bg/>
+      <dgm:whole/>
+    </dgm:dataModel>
+  </dgm:styleData>
+  <dgm:clrData>
+    <dgm:dataModel>
+      <dgm:ptLst>
+        <dgm:pt modelId="0" type="doc"/>
+        <dgm:pt modelId="1"/>
+        <dgm:pt modelId="2"/>
+        <dgm:pt modelId="3"/>
+        <dgm:pt modelId="4"/>
+      </dgm:ptLst>
+      <dgm:cxnLst>
+        <dgm:cxn modelId="5" srcId="0" destId="1" srcOrd="0" destOrd="0"/>
+        <dgm:cxn modelId="6" srcId="0" destId="2" srcOrd="1" destOrd="0"/>
+        <dgm:cxn modelId="7" srcId="0" destId="3" srcOrd="2" destOrd="0"/>
+        <dgm:cxn modelId="8" srcId="0" destId="4" srcOrd="3" destOrd="0"/>
+      </dgm:cxnLst>
+      <dgm:bg/>
+      <dgm:whole/>
+    </dgm:dataModel>
+  </dgm:clrData>
+  <dgm:layoutNode name="linear">
+    <dgm:varLst>
+      <dgm:dir/>
+      <dgm:animLvl val="lvl"/>
+      <dgm:resizeHandles val="exact"/>
+    </dgm:varLst>
+    <dgm:choose name="Name0">
+      <dgm:if name="Name1" func="var" arg="dir" op="equ" val="norm">
+        <dgm:alg type="lin">
+          <dgm:param type="linDir" val="fromT"/>
+          <dgm:param type="vertAlign" val="mid"/>
+          <dgm:param type="horzAlign" val="l"/>
+          <dgm:param type="nodeHorzAlign" val="l"/>
+        </dgm:alg>
+      </dgm:if>
+      <dgm:else name="Name2">
+        <dgm:alg type="lin">
+          <dgm:param type="linDir" val="fromT"/>
+          <dgm:param type="vertAlign" val="mid"/>
+          <dgm:param type="horzAlign" val="r"/>
+          <dgm:param type="nodeHorzAlign" val="r"/>
+        </dgm:alg>
+      </dgm:else>
+    </dgm:choose>
+    <dgm:shape xmlns:r="http://schemas.openxmlformats.org/officeDocument/2006/relationships" r:blip="">
+      <dgm:adjLst/>
+    </dgm:shape>
+    <dgm:presOf/>
+    <dgm:constrLst>
+      <dgm:constr type="w" for="ch" forName="parentLin" refType="w"/>
+      <dgm:constr type="h" for="ch" forName="parentLin" val="INF"/>
+      <dgm:constr type="w" for="des" forName="parentLeftMargin" refType="w" fact="0.05"/>
+      <dgm:constr type="w" for="des" forName="parentText" refType="w" fact="0.7"/>
+      <dgm:constr type="h" for="des" forName="parentText" refType="primFontSz" refFor="des" refForName="parentText" fact="0.82"/>
+      <dgm:constr type="h" for="ch" forName="negativeSpace" refType="primFontSz" refFor="des" refForName="parentText" fact="-0.41"/>
+      <dgm:constr type="h" for="ch" forName="negativeSpace" refType="h" refFor="des" refForName="parentText" op="lte" fact="-0.82"/>
+      <dgm:constr type="h" for="ch" forName="negativeSpace" refType="h" refFor="des" refForName="parentText" op="gte" fact="-0.82"/>
+      <dgm:constr type="w" for="ch" forName="childText" refType="w"/>
+      <dgm:constr type="h" for="ch" forName="childText" refType="primFontSz" refFor="des" refForName="parentText" fact="0.7"/>
+      <dgm:constr type="primFontSz" for="des" forName="parentText" val="65"/>
+      <dgm:constr type="primFontSz" for="ch" forName="childText" refType="primFontSz" refFor="des" refForName="parentText"/>
+      <dgm:constr type="tMarg" for="ch" forName="childText" refType="primFontSz" refFor="des" refForName="parentText" fact="1.64"/>
+      <dgm:constr type="tMarg" for="ch" forName="childText" refType="h" refFor="des" refForName="parentText" op="lte" fact="3.28"/>
+      <dgm:constr type="tMarg" for="ch" forName="childText" refType="h" refFor="des" refForName="parentText" op="gte" fact="3.28"/>
+      <dgm:constr type="lMarg" for="ch" forName="childText" refType="w" fact="0.22"/>
+      <dgm:constr type="rMarg" for="ch" forName="childText" refType="lMarg" refFor="ch" refForName="childText"/>
+      <dgm:constr type="lMarg" for="des" forName="parentText" refType="w" fact="0.075"/>
+      <dgm:constr type="rMarg" for="des" forName="parentText" refType="lMarg" refFor="des" refForName="parentText"/>
+      <dgm:constr type="h" for="ch" forName="spaceBetweenRectangles" refType="primFontSz" refFor="des" refForName="parentText" fact="0.15"/>
+    </dgm:constrLst>
+    <dgm:ruleLst>
+      <dgm:rule type="primFontSz" for="des" forName="parentText" val="5" fact="NaN" max="NaN"/>
+    </dgm:ruleLst>
+    <dgm:forEach name="Name3" axis="ch" ptType="node">
+      <dgm:layoutNode name="parentLin">
+        <dgm:choose name="Name4">
+          <dgm:if name="Name5" func="var" arg="dir" op="equ" val="norm">
+            <dgm:alg type="lin">
+              <dgm:param type="linDir" val="fromL"/>
+              <dgm:param type="horzAlign" val="l"/>
+              <dgm:param type="nodeHorzAlign" val="l"/>
+            </dgm:alg>
+          </dgm:if>
+          <dgm:else name="Name6">
+            <dgm:alg type="lin">
+              <dgm:param type="linDir" val="fromR"/>
+              <dgm:param type="horzAlign" val="r"/>
+              <dgm:param type="nodeHorzAlign" val="r"/>
+            </dgm:alg>
+          </dgm:else>
+        </dgm:choose>
+        <dgm:shape xmlns:r="http://schemas.openxmlformats.org/officeDocument/2006/relationships" r:blip="">
+          <dgm:adjLst/>
+        </dgm:shape>
+        <dgm:presOf/>
+        <dgm:constrLst/>
+        <dgm:ruleLst/>
+        <dgm:layoutNode name="parentLeftMargin">
+          <dgm:alg type="sp"/>
+          <dgm:shape xmlns:r="http://schemas.openxmlformats.org/officeDocument/2006/relationships" type="rect" r:blip="" hideGeom="1">
+            <dgm:adjLst/>
+          </dgm:shape>
+          <dgm:presOf axis="self"/>
+          <dgm:constrLst>
+            <dgm:constr type="h"/>
+          </dgm:constrLst>
+          <dgm:ruleLst/>
+        </dgm:layoutNode>
+        <dgm:layoutNode name="parentText" styleLbl="node1">
+          <dgm:varLst>
+            <dgm:chMax val="0"/>
+            <dgm:bulletEnabled val="1"/>
+          </dgm:varLst>
+          <dgm:choose name="Name7">
+            <dgm:if name="Name8" func="var" arg="dir" op="equ" val="norm">
+              <dgm:alg type="tx">
+                <dgm:param type="parTxLTRAlign" val="l"/>
+                <dgm:param type="parTxRTLAlign" val="l"/>
+              </dgm:alg>
+            </dgm:if>
+            <dgm:else name="Name9">
+              <dgm:alg type="tx">
+                <dgm:param type="parTxLTRAlign" val="r"/>
+                <dgm:param type="parTxRTLAlign" val="r"/>
+              </dgm:alg>
+            </dgm:else>
+          </dgm:choose>
+          <dgm:shape xmlns:r="http://schemas.openxmlformats.org/officeDocument/2006/relationships" type="roundRect" r:blip="">
+            <dgm:adjLst/>
+          </dgm:shape>
+          <dgm:presOf axis="self" ptType="node"/>
+          <dgm:constrLst>
+            <dgm:constr type="tMarg"/>
+            <dgm:constr type="bMarg"/>
+          </dgm:constrLst>
+          <dgm:ruleLst/>
+        </dgm:layoutNode>
+      </dgm:layoutNode>
+      <dgm:layoutNode name="negativeSpace">
+        <dgm:alg type="sp"/>
+        <dgm:shape xmlns:r="http://schemas.openxmlformats.org/officeDocument/2006/relationships" r:blip="">
+          <dgm:adjLst/>
+        </dgm:shape>
+        <dgm:presOf/>
+        <dgm:constrLst/>
+        <dgm:ruleLst/>
+      </dgm:layoutNode>
+      <dgm:layoutNode name="childText" styleLbl="conFgAcc1">
+        <dgm:varLst>
+          <dgm:bulletEnabled val="1"/>
+        </dgm:varLst>
+        <dgm:alg type="tx">
+          <dgm:param type="stBulletLvl" val="1"/>
+        </dgm:alg>
+        <dgm:shape xmlns:r="http://schemas.openxmlformats.org/officeDocument/2006/relationships" type="rect" r:blip="" zOrderOff="-2">
+          <dgm:adjLst/>
+        </dgm:shape>
+        <dgm:presOf axis="des" ptType="node"/>
+        <dgm:constrLst>
+          <dgm:constr type="secFontSz" refType="primFontSz"/>
+        </dgm:constrLst>
+        <dgm:ruleLst>
+          <dgm:rule type="h" val="INF" fact="NaN" max="NaN"/>
+        </dgm:ruleLst>
+      </dgm:layoutNode>
+      <dgm:forEach name="Name10" axis="followSib" ptType="sibTrans" cnt="1">
+        <dgm:layoutNode name="spaceBetweenRectangles">
+          <dgm:alg type="sp"/>
+          <dgm:shape xmlns:r="http://schemas.openxmlformats.org/officeDocument/2006/relationships" r:blip="">
+            <dgm:adjLst/>
+          </dgm:shape>
+          <dgm:presOf/>
+          <dgm:constrLst/>
+          <dgm:ruleLst/>
+        </dgm:layoutNode>
+      </dgm:forEach>
+    </dgm:forEach>
+  </dgm:layoutNode>
+</dgm:layoutDef>
+</file>
+
 <file path=ppt/diagrams/quickStyle1.xml><?xml version="1.0" encoding="utf-8"?>
+<dgm:styleDef xmlns:dgm="http://schemas.openxmlformats.org/drawingml/2006/diagram" xmlns:a="http://schemas.openxmlformats.org/drawingml/2006/main" uniqueId="urn:microsoft.com/office/officeart/2005/8/quickstyle/simple1">
+  <dgm:title val=""/>
+  <dgm:desc val=""/>
+  <dgm:catLst>
+    <dgm:cat type="simple" pri="10100"/>
+  </dgm:catLst>
+  <dgm:scene3d>
+    <a:camera prst="orthographicFront"/>
+    <a:lightRig rig="threePt" dir="t"/>
+  </dgm:scene3d>
+  <dgm:styleLbl name="node0">
+    <dgm:scene3d>
+      <a:camera prst="orthographicFront"/>
+      <a:lightRig rig="threePt" dir="t"/>
+    </dgm:scene3d>
+    <dgm:sp3d/>
+    <dgm:txPr/>
+    <dgm:style>
+      <a:lnRef idx="2">
+        <a:scrgbClr r="0" g="0" b="0"/>
+      </a:lnRef>
+      <a:fillRef idx="1">
+        <a:scrgbClr r="0" g="0" b="0"/>
+      </a:fillRef>
+      <a:effectRef idx="0">
+        <a:scrgbClr r="0" g="0" b="0"/>
+      </a:effectRef>
+      <a:fontRef idx="minor">
+        <a:schemeClr val="lt1"/>
+      </a:fontRef>
+    </dgm:style>
+  </dgm:styleLbl>
+  <dgm:styleLbl name="lnNode1">
+    <dgm:scene3d>
+      <a:camera prst="orthographicFront"/>
+      <a:lightRig rig="threePt" dir="t"/>
+    </dgm:scene3d>
+    <dgm:sp3d/>
+    <dgm:txPr/>
+    <dgm:style>
+      <a:lnRef idx="2">
+        <a:scrgbClr r="0" g="0" b="0"/>
+      </a:lnRef>
+      <a:fillRef idx="1">
+        <a:scrgbClr r="0" g="0" b="0"/>
+      </a:fillRef>
+      <a:effectRef idx="0">
+        <a:scrgbClr r="0" g="0" b="0"/>
+      </a:effectRef>
+      <a:fontRef idx="minor">
+        <a:schemeClr val="lt1"/>
+      </a:fontRef>
+    </dgm:style>
+  </dgm:styleLbl>
+  <dgm:styleLbl name="vennNode1">
+    <dgm:scene3d>
+      <a:camera prst="orthographicFront"/>
+      <a:lightRig rig="threePt" dir="t"/>
+    </dgm:scene3d>
+    <dgm:sp3d/>
+    <dgm:txPr/>
+    <dgm:style>
+      <a:lnRef idx="2">
+        <a:scrgbClr r="0" g="0" b="0"/>
+      </a:lnRef>
+      <a:fillRef idx="1">
+        <a:scrgbClr r="0" g="0" b="0"/>
+      </a:fillRef>
+      <a:effectRef idx="0">
+        <a:scrgbClr r="0" g="0" b="0"/>
+      </a:effectRef>
+      <a:fontRef idx="minor">
+        <a:schemeClr val="tx1"/>
+      </a:fontRef>
+    </dgm:style>
+  </dgm:styleLbl>
+  <dgm:styleLbl name="alignNode1">
+    <dgm:scene3d>
+      <a:camera prst="orthographicFront"/>
+      <a:lightRig rig="threePt" dir="t"/>
+    </dgm:scene3d>
+    <dgm:sp3d/>
+    <dgm:txPr/>
+    <dgm:style>
+      <a:lnRef idx="2">
+        <a:scrgbClr r="0" g="0" b="0"/>
+      </a:lnRef>
+      <a:fillRef idx="1">
+        <a:scrgbClr r="0" g="0" b="0"/>
+      </a:fillRef>
+      <a:effectRef idx="0">
+        <a:scrgbClr r="0" g="0" b="0"/>
+      </a:effectRef>
+      <a:fontRef idx="minor">
+        <a:schemeClr val="lt1"/>
+      </a:fontRef>
+    </dgm:style>
+  </dgm:styleLbl>
+  <dgm:styleLbl name="node1">
+    <dgm:scene3d>
+      <a:camera prst="orthographicFront"/>
+      <a:lightRig rig="threePt" dir="t"/>
+    </dgm:scene3d>
+    <dgm:sp3d/>
+    <dgm:txPr/>
+    <dgm:style>
+      <a:lnRef idx="2">
+        <a:scrgbClr r="0" g="0" b="0"/>
+      </a:lnRef>
+      <a:fillRef idx="1">
+        <a:scrgbClr r="0" g="0" b="0"/>
+      </a:fillRef>
+      <a:effectRef idx="0">
+        <a:scrgbClr r="0" g="0" b="0"/>
+      </a:effectRef>
+      <a:fontRef idx="minor">
+        <a:schemeClr val="lt1"/>
+      </a:fontRef>
+    </dgm:style>
+  </dgm:styleLbl>
+  <dgm:styleLbl name="node2">
+    <dgm:scene3d>
+      <a:camera prst="orthographicFront"/>
+      <a:lightRig rig="threePt" dir="t"/>
+    </dgm:scene3d>
+    <dgm:sp3d/>
+    <dgm:txPr/>
+    <dgm:style>
+      <a:lnRef idx="2">
+        <a:scrgbClr r="0" g="0" b="0"/>
+      </a:lnRef>
+      <a:fillRef idx="1">
+        <a:scrgbClr r="0" g="0" b="0"/>
+      </a:fillRef>
+      <a:effectRef idx="0">
+        <a:scrgbClr r="0" g="0" b="0"/>
+      </a:effectRef>
+      <a:fontRef idx="minor">
+        <a:schemeClr val="lt1"/>
+      </a:fontRef>
+    </dgm:style>
+  </dgm:styleLbl>
+  <dgm:styleLbl name="node3">
+    <dgm:scene3d>
+      <a:camera prst="orthographicFront"/>
+      <a:lightRig rig="threePt" dir="t"/>
+    </dgm:scene3d>
+    <dgm:sp3d/>
+    <dgm:txPr/>
+    <dgm:style>
+      <a:lnRef idx="2">
+        <a:scrgbClr r="0" g="0" b="0"/>
+      </a:lnRef>
+      <a:fillRef idx="1">
+        <a:scrgbClr r="0" g="0" b="0"/>
+      </a:fillRef>
+      <a:effectRef idx="0">
+        <a:scrgbClr r="0" g="0" b="0"/>
+      </a:effectRef>
+      <a:fontRef idx="minor">
+        <a:schemeClr val="lt1"/>
+      </a:fontRef>
+    </dgm:style>
+  </dgm:styleLbl>
+  <dgm:styleLbl name="node4">
+    <dgm:scene3d>
+      <a:camera prst="orthographicFront"/>
+      <a:lightRig rig="threePt" dir="t"/>
+    </dgm:scene3d>
+    <dgm:sp3d/>
+    <dgm:txPr/>
+    <dgm:style>
+      <a:lnRef idx="2">
+        <a:scrgbClr r="0" g="0" b="0"/>
+      </a:lnRef>
+      <a:fillRef idx="1">
+        <a:scrgbClr r="0" g="0" b="0"/>
+      </a:fillRef>
+      <a:effectRef idx="0">
+        <a:scrgbClr r="0" g="0" b="0"/>
+      </a:effectRef>
+      <a:fontRef idx="minor">
+        <a:schemeClr val="lt1"/>
+      </a:fontRef>
+    </dgm:style>
+  </dgm:styleLbl>
+  <dgm:styleLbl name="fgImgPlace1">
+    <dgm:scene3d>
+      <a:camera prst="orthographicFront"/>
+      <a:lightRig rig="threePt" dir="t"/>
+    </dgm:scene3d>
+    <dgm:sp3d/>
+    <dgm:txPr/>
+    <dgm:style>
+      <a:lnRef idx="2">
+        <a:scrgbClr r="0" g="0" b="0"/>
+      </a:lnRef>
+      <a:fillRef idx="1">
+        <a:scrgbClr r="0" g="0" b="0"/>
+      </a:fillRef>
+      <a:effectRef idx="0">
+        <a:scrgbClr r="0" g="0" b="0"/>
+      </a:effectRef>
+      <a:fontRef idx="minor"/>
+    </dgm:style>
+  </dgm:styleLbl>
+  <dgm:styleLbl name="alignImgPlace1">
+    <dgm:scene3d>
+      <a:camera prst="orthographicFront"/>
+      <a:lightRig rig="threePt" dir="t"/>
+    </dgm:scene3d>
+    <dgm:sp3d/>
+    <dgm:txPr/>
+    <dgm:style>
+      <a:lnRef idx="2">
+        <a:scrgbClr r="0" g="0" b="0"/>
+      </a:lnRef>
+      <a:fillRef idx="1">
+        <a:scrgbClr r="0" g="0" b="0"/>
+      </a:fillRef>
+      <a:effectRef idx="0">
+        <a:scrgbClr r="0" g="0" b="0"/>
+      </a:effectRef>
+      <a:fontRef idx="minor"/>
+    </dgm:style>
+  </dgm:styleLbl>
+  <dgm:styleLbl name="bgImgPlace1">
+    <dgm:scene3d>
+      <a:camera prst="orthographicFront"/>
+      <a:lightRig rig="threePt" dir="t"/>
+    </dgm:scene3d>
+    <dgm:sp3d/>
+    <dgm:txPr/>
+    <dgm:style>
+      <a:lnRef idx="2">
+        <a:scrgbClr r="0" g="0" b="0"/>
+      </a:lnRef>
+      <a:fillRef idx="1">
+        <a:scrgbClr r="0" g="0" b="0"/>
+      </a:fillRef>
+      <a:effectRef idx="0">
+        <a:scrgbClr r="0" g="0" b="0"/>
+      </a:effectRef>
+      <a:fontRef idx="minor"/>
+    </dgm:style>
+  </dgm:styleLbl>
+  <dgm:styleLbl name="sibTrans2D1">
+    <dgm:scene3d>
+      <a:camera prst="orthographicFront"/>
+      <a:lightRig rig="threePt" dir="t"/>
+    </dgm:scene3d>
+    <dgm:sp3d/>
+    <dgm:txPr/>
+    <dgm:style>
+      <a:lnRef idx="0">
+        <a:scrgbClr r="0" g="0" b="0"/>
+      </a:lnRef>
+      <a:fillRef idx="1">
+        <a:scrgbClr r="0" g="0" b="0"/>
+      </a:fillRef>
+      <a:effectRef idx="0">
+        <a:scrgbClr r="0" g="0" b="0"/>
+      </a:effectRef>
+      <a:fontRef idx="minor">
+        <a:schemeClr val="lt1"/>
+      </a:fontRef>
+    </dgm:style>
+  </dgm:styleLbl>
+  <dgm:styleLbl name="fgSibTrans2D1">
+    <dgm:scene3d>
+      <a:camera prst="orthographicFront"/>
+      <a:lightRig rig="threePt" dir="t"/>
+    </dgm:scene3d>
+    <dgm:sp3d/>
+    <dgm:txPr/>
+    <dgm:style>
+      <a:lnRef idx="0">
+        <a:scrgbClr r="0" g="0" b="0"/>
+      </a:lnRef>
+      <a:fillRef idx="1">
+        <a:scrgbClr r="0" g="0" b="0"/>
+      </a:fillRef>
+      <a:effectRef idx="0">
+        <a:scrgbClr r="0" g="0" b="0"/>
+      </a:effectRef>
+      <a:fontRef idx="minor">
+        <a:schemeClr val="lt1"/>
+      </a:fontRef>
+    </dgm:style>
+  </dgm:styleLbl>
+  <dgm:styleLbl name="bgSibTrans2D1">
+    <dgm:scene3d>
+      <a:camera prst="orthographicFront"/>
+      <a:lightRig rig="threePt" dir="t"/>
+    </dgm:scene3d>
+    <dgm:sp3d/>
+    <dgm:txPr/>
+    <dgm:style>
+      <a:lnRef idx="0">
+        <a:scrgbClr r="0" g="0" b="0"/>
+      </a:lnRef>
+      <a:fillRef idx="1">
+        <a:scrgbClr r="0" g="0" b="0"/>
+      </a:fillRef>
+      <a:effectRef idx="0">
+        <a:scrgbClr r="0" g="0" b="0"/>
+      </a:effectRef>
+      <a:fontRef idx="minor">
+        <a:schemeClr val="lt1"/>
+      </a:fontRef>
+    </dgm:style>
+  </dgm:styleLbl>
+  <dgm:styleLbl name="sibTrans1D1">
+    <dgm:scene3d>
+      <a:camera prst="orthographicFront"/>
+      <a:lightRig rig="threePt" dir="t"/>
+    </dgm:scene3d>
+    <dgm:sp3d/>
+    <dgm:txPr/>
+    <dgm:style>
+      <a:lnRef idx="1">
+        <a:scrgbClr r="0" g="0" b="0"/>
+      </a:lnRef>
+      <a:fillRef idx="0">
+        <a:scrgbClr r="0" g="0" b="0"/>
+      </a:fillRef>
+      <a:effectRef idx="0">
+        <a:scrgbClr r="0" g="0" b="0"/>
+      </a:effectRef>
+      <a:fontRef idx="minor"/>
+    </dgm:style>
+  </dgm:styleLbl>
+  <dgm:styleLbl name="callout">
+    <dgm:scene3d>
+      <a:camera prst="orthographicFront"/>
+      <a:lightRig rig="threePt" dir="t"/>
+    </dgm:scene3d>
+    <dgm:sp3d/>
+    <dgm:txPr/>
+    <dgm:style>
+      <a:lnRef idx="2">
+        <a:scrgbClr r="0" g="0" b="0"/>
+      </a:lnRef>
+      <a:fillRef idx="1">
+        <a:scrgbClr r="0" g="0" b="0"/>
+      </a:fillRef>
+      <a:effectRef idx="0">
+        <a:scrgbClr r="0" g="0" b="0"/>
+      </a:effectRef>
+      <a:fontRef idx="minor"/>
+    </dgm:style>
+  </dgm:styleLbl>
+  <dgm:styleLbl name="asst0">
+    <dgm:scene3d>
+      <a:camera prst="orthographicFront"/>
+      <a:lightRig rig="threePt" dir="t"/>
+    </dgm:scene3d>
+    <dgm:sp3d/>
+    <dgm:txPr/>
+    <dgm:style>
+      <a:lnRef idx="2">
+        <a:scrgbClr r="0" g="0" b="0"/>
+      </a:lnRef>
+      <a:fillRef idx="1">
+        <a:scrgbClr r="0" g="0" b="0"/>
+      </a:fillRef>
+      <a:effectRef idx="0">
+        <a:scrgbClr r="0" g="0" b="0"/>
+      </a:effectRef>
+      <a:fontRef idx="minor">
+        <a:schemeClr val="lt1"/>
+      </a:fontRef>
+    </dgm:style>
+  </dgm:styleLbl>
+  <dgm:styleLbl name="asst1">
+    <dgm:scene3d>
+      <a:camera prst="orthographicFront"/>
+      <a:lightRig rig="threePt" dir="t"/>
+    </dgm:scene3d>
+    <dgm:sp3d/>
+    <dgm:txPr/>
+    <dgm:style>
+      <a:lnRef idx="2">
+        <a:scrgbClr r="0" g="0" b="0"/>
+      </a:lnRef>
+      <a:fillRef idx="1">
+        <a:scrgbClr r="0" g="0" b="0"/>
+      </a:fillRef>
+      <a:effectRef idx="0">
+        <a:scrgbClr r="0" g="0" b="0"/>
+      </a:effectRef>
+      <a:fontRef idx="minor">
+        <a:schemeClr val="lt1"/>
+      </a:fontRef>
+    </dgm:style>
+  </dgm:styleLbl>
+  <dgm:styleLbl name="asst2">
+    <dgm:scene3d>
+      <a:camera prst="orthographicFront"/>
+      <a:lightRig rig="threePt" dir="t"/>
+    </dgm:scene3d>
+    <dgm:sp3d/>
+    <dgm:txPr/>
+    <dgm:style>
+      <a:lnRef idx="2">
+        <a:scrgbClr r="0" g="0" b="0"/>
+      </a:lnRef>
+      <a:fillRef idx="1">
+        <a:scrgbClr r="0" g="0" b="0"/>
+      </a:fillRef>
+      <a:effectRef idx="0">
+        <a:scrgbClr r="0" g="0" b="0"/>
+      </a:effectRef>
+      <a:fontRef idx="minor">
+        <a:schemeClr val="lt1"/>
+      </a:fontRef>
+    </dgm:style>
+  </dgm:styleLbl>
+  <dgm:styleLbl name="asst3">
+    <dgm:scene3d>
+      <a:camera prst="orthographicFront"/>
+      <a:lightRig rig="threePt" dir="t"/>
+    </dgm:scene3d>
+    <dgm:sp3d/>
+    <dgm:txPr/>
+    <dgm:style>
+      <a:lnRef idx="2">
+        <a:scrgbClr r="0" g="0" b="0"/>
+      </a:lnRef>
+      <a:fillRef idx="1">
+        <a:scrgbClr r="0" g="0" b="0"/>
+      </a:fillRef>
+      <a:effectRef idx="0">
+        <a:scrgbClr r="0" g="0" b="0"/>
+      </a:effectRef>
+      <a:fontRef idx="minor">
+        <a:schemeClr val="lt1"/>
+      </a:fontRef>
+    </dgm:style>
+  </dgm:styleLbl>
+  <dgm:styleLbl name="asst4">
+    <dgm:scene3d>
+      <a:camera prst="orthographicFront"/>
+      <a:lightRig rig="threePt" dir="t"/>
+    </dgm:scene3d>
+    <dgm:sp3d/>
+    <dgm:txPr/>
+    <dgm:style>
+      <a:lnRef idx="2">
+        <a:scrgbClr r="0" g="0" b="0"/>
+      </a:lnRef>
+      <a:fillRef idx="1">
+        <a:scrgbClr r="0" g="0" b="0"/>
+      </a:fillRef>
+      <a:effectRef idx="0">
+        <a:scrgbClr r="0" g="0" b="0"/>
+      </a:effectRef>
+      <a:fontRef idx="minor">
+        <a:schemeClr val="lt1"/>
+      </a:fontRef>
+    </dgm:style>
+  </dgm:styleLbl>
+  <dgm:styleLbl name="parChTrans2D1">
+    <dgm:scene3d>
+      <a:camera prst="orthographicFront"/>
+      <a:lightRig rig="threePt" dir="t"/>
+    </dgm:scene3d>
+    <dgm:sp3d/>
+    <dgm:txPr/>
+    <dgm:style>
+      <a:lnRef idx="2">
+        <a:scrgbClr r="0" g="0" b="0"/>
+      </a:lnRef>
+      <a:fillRef idx="1">
+        <a:scrgbClr r="0" g="0" b="0"/>
+      </a:fillRef>
+      <a:effectRef idx="0">
+        <a:scrgbClr r="0" g="0" b="0"/>
+      </a:effectRef>
+      <a:fontRef idx="minor">
+        <a:schemeClr val="lt1"/>
+      </a:fontRef>
+    </dgm:style>
+  </dgm:styleLbl>
+  <dgm:styleLbl name="parChTrans2D2">
+    <dgm:scene3d>
+      <a:camera prst="orthographicFront"/>
+      <a:lightRig rig="threePt" dir="t"/>
+    </dgm:scene3d>
+    <dgm:sp3d/>
+    <dgm:txPr/>
+    <dgm:style>
+      <a:lnRef idx="2">
+        <a:scrgbClr r="0" g="0" b="0"/>
+      </a:lnRef>
+      <a:fillRef idx="1">
+        <a:scrgbClr r="0" g="0" b="0"/>
+      </a:fillRef>
+      <a:effectRef idx="0">
+        <a:scrgbClr r="0" g="0" b="0"/>
+      </a:effectRef>
+      <a:fontRef idx="minor">
+        <a:schemeClr val="lt1"/>
+      </a:fontRef>
+    </dgm:style>
+  </dgm:styleLbl>
+  <dgm:styleLbl name="parChTrans2D3">
+    <dgm:scene3d>
+      <a:camera prst="orthographicFront"/>
+      <a:lightRig rig="threePt" dir="t"/>
+    </dgm:scene3d>
+    <dgm:sp3d/>
+    <dgm:txPr/>
+    <dgm:style>
+      <a:lnRef idx="2">
+        <a:scrgbClr r="0" g="0" b="0"/>
+      </a:lnRef>
+      <a:fillRef idx="1">
+        <a:scrgbClr r="0" g="0" b="0"/>
+      </a:fillRef>
+      <a:effectRef idx="0">
+        <a:scrgbClr r="0" g="0" b="0"/>
+      </a:effectRef>
+      <a:fontRef idx="minor">
+        <a:schemeClr val="lt1"/>
+      </a:fontRef>
+    </dgm:style>
+  </dgm:styleLbl>
+  <dgm:styleLbl name="parChTrans2D4">
+    <dgm:scene3d>
+      <a:camera prst="orthographicFront"/>
+      <a:lightRig rig="threePt" dir="t"/>
+    </dgm:scene3d>
+    <dgm:sp3d/>
+    <dgm:txPr/>
+    <dgm:style>
+      <a:lnRef idx="2">
+        <a:scrgbClr r="0" g="0" b="0"/>
+      </a:lnRef>
+      <a:fillRef idx="1">
+        <a:scrgbClr r="0" g="0" b="0"/>
+      </a:fillRef>
+      <a:effectRef idx="0">
+        <a:scrgbClr r="0" g="0" b="0"/>
+      </a:effectRef>
+      <a:fontRef idx="minor">
+        <a:schemeClr val="lt1"/>
+      </a:fontRef>
+    </dgm:style>
+  </dgm:styleLbl>
+  <dgm:styleLbl name="parChTrans1D1">
+    <dgm:scene3d>
+      <a:camera prst="orthographicFront"/>
+      <a:lightRig rig="threePt" dir="t"/>
+    </dgm:scene3d>
+    <dgm:sp3d/>
+    <dgm:txPr/>
+    <dgm:style>
+      <a:lnRef idx="2">
+        <a:scrgbClr r="0" g="0" b="0"/>
+      </a:lnRef>
+      <a:fillRef idx="0">
+        <a:scrgbClr r="0" g="0" b="0"/>
+      </a:fillRef>
+      <a:effectRef idx="0">
+        <a:scrgbClr r="0" g="0" b="0"/>
+      </a:effectRef>
+      <a:fontRef idx="minor"/>
+    </dgm:style>
+  </dgm:styleLbl>
+  <dgm:styleLbl name="parChTrans1D2">
+    <dgm:scene3d>
+      <a:camera prst="orthographicFront"/>
+      <a:lightRig rig="threePt" dir="t"/>
+    </dgm:scene3d>
+    <dgm:sp3d/>
+    <dgm:txPr/>
+    <dgm:style>
+      <a:lnRef idx="2">
+        <a:scrgbClr r="0" g="0" b="0"/>
+      </a:lnRef>
+      <a:fillRef idx="0">
+        <a:scrgbClr r="0" g="0" b="0"/>
+      </a:fillRef>
+      <a:effectRef idx="0">
+        <a:scrgbClr r="0" g="0" b="0"/>
+      </a:effectRef>
+      <a:fontRef idx="minor"/>
+    </dgm:style>
+  </dgm:styleLbl>
+  <dgm:styleLbl name="parChTrans1D3">
+    <dgm:scene3d>
+      <a:camera prst="orthographicFront"/>
+      <a:lightRig rig="threePt" dir="t"/>
+    </dgm:scene3d>
+    <dgm:sp3d/>
+    <dgm:txPr/>
+    <dgm:style>
+      <a:lnRef idx="2">
+        <a:scrgbClr r="0" g="0" b="0"/>
+      </a:lnRef>
+      <a:fillRef idx="0">
+        <a:scrgbClr r="0" g="0" b="0"/>
+      </a:fillRef>
+      <a:effectRef idx="0">
+        <a:scrgbClr r="0" g="0" b="0"/>
+      </a:effectRef>
+      <a:fontRef idx="minor"/>
+    </dgm:style>
+  </dgm:styleLbl>
+  <dgm:styleLbl name="parChTrans1D4">
+    <dgm:scene3d>
+      <a:camera prst="orthographicFront"/>
+      <a:lightRig rig="threePt" dir="t"/>
+    </dgm:scene3d>
+    <dgm:sp3d/>
+    <dgm:txPr/>
+    <dgm:style>
+      <a:lnRef idx="2">
+        <a:scrgbClr r="0" g="0" b="0"/>
+      </a:lnRef>
+      <a:fillRef idx="0">
+        <a:scrgbClr r="0" g="0" b="0"/>
+      </a:fillRef>
+      <a:effectRef idx="0">
+        <a:scrgbClr r="0" g="0" b="0"/>
+      </a:effectRef>
+      <a:fontRef idx="minor"/>
+    </dgm:style>
+  </dgm:styleLbl>
+  <dgm:styleLbl name="fgAcc1">
+    <dgm:scene3d>
+      <a:camera prst="orthographicFront"/>
+      <a:lightRig rig="threePt" dir="t"/>
+    </dgm:scene3d>
+    <dgm:sp3d/>
+    <dgm:txPr/>
+    <dgm:style>
+      <a:lnRef idx="2">
+        <a:scrgbClr r="0" g="0" b="0"/>
+      </a:lnRef>
+      <a:fillRef idx="1">
+        <a:scrgbClr r="0" g="0" b="0"/>
+      </a:fillRef>
+      <a:effectRef idx="0">
+        <a:scrgbClr r="0" g="0" b="0"/>
+      </a:effectRef>
+      <a:fontRef idx="minor"/>
+    </dgm:style>
+  </dgm:styleLbl>
+  <dgm:styleLbl name="conFgAcc1">
+    <dgm:scene3d>
+      <a:camera prst="orthographicFront"/>
+      <a:lightRig rig="threePt" dir="t"/>
+    </dgm:scene3d>
+    <dgm:sp3d/>
+    <dgm:txPr/>
+    <dgm:style>
+      <a:lnRef idx="2">
+        <a:scrgbClr r="0" g="0" b="0"/>
+      </a:lnRef>
+      <a:fillRef idx="1">
+        <a:scrgbClr r="0" g="0" b="0"/>
+      </a:fillRef>
+      <a:effectRef idx="0">
+        <a:scrgbClr r="0" g="0" b="0"/>
+      </a:effectRef>
+      <a:fontRef idx="minor"/>
+    </dgm:style>
+  </dgm:styleLbl>
+  <dgm:styleLbl name="alignAcc1">
+    <dgm:scene3d>
+      <a:camera prst="orthographicFront"/>
+      <a:lightRig rig="threePt" dir="t"/>
+    </dgm:scene3d>
+    <dgm:sp3d/>
+    <dgm:txPr/>
+    <dgm:style>
+      <a:lnRef idx="2">
+        <a:scrgbClr r="0" g="0" b="0"/>
+      </a:lnRef>
+      <a:fillRef idx="1">
+        <a:scrgbClr r="0" g="0" b="0"/>
+      </a:fillRef>
+      <a:effectRef idx="0">
+        <a:scrgbClr r="0" g="0" b="0"/>
+      </a:effectRef>
+      <a:fontRef idx="minor"/>
+    </dgm:style>
+  </dgm:styleLbl>
+  <dgm:styleLbl name="trAlignAcc1">
+    <dgm:scene3d>
+      <a:camera prst="orthographicFront"/>
+      <a:lightRig rig="threePt" dir="t"/>
+    </dgm:scene3d>
+    <dgm:sp3d/>
+    <dgm:txPr/>
+    <dgm:style>
+      <a:lnRef idx="1">
+        <a:scrgbClr r="0" g="0" b="0"/>
+      </a:lnRef>
+      <a:fillRef idx="1">
+        <a:scrgbClr r="0" g="0" b="0"/>
+      </a:fillRef>
+      <a:effectRef idx="0">
+        <a:scrgbClr r="0" g="0" b="0"/>
+      </a:effectRef>
+      <a:fontRef idx="minor"/>
+    </dgm:style>
+  </dgm:styleLbl>
+  <dgm:styleLbl name="bgAcc1">
+    <dgm:scene3d>
+      <a:camera prst="orthographicFront"/>
+      <a:lightRig rig="threePt" dir="t"/>
+    </dgm:scene3d>
+    <dgm:sp3d/>
+    <dgm:txPr/>
+    <dgm:style>
+      <a:lnRef idx="2">
+        <a:scrgbClr r="0" g="0" b="0"/>
+      </a:lnRef>
+      <a:fillRef idx="1">
+        <a:scrgbClr r="0" g="0" b="0"/>
+      </a:fillRef>
+      <a:effectRef idx="0">
+        <a:scrgbClr r="0" g="0" b="0"/>
+      </a:effectRef>
+      <a:fontRef idx="minor"/>
+    </dgm:style>
+  </dgm:styleLbl>
+  <dgm:styleLbl name="solidFgAcc1">
+    <dgm:scene3d>
+      <a:camera prst="orthographicFront"/>
+      <a:lightRig rig="threePt" dir="t"/>
+    </dgm:scene3d>
+    <dgm:sp3d/>
+    <dgm:txPr/>
+    <dgm:style>
+      <a:lnRef idx="2">
+        <a:scrgbClr r="0" g="0" b="0"/>
+      </a:lnRef>
+      <a:fillRef idx="1">
+        <a:scrgbClr r="0" g="0" b="0"/>
+      </a:fillRef>
+      <a:effectRef idx="0">
+        <a:scrgbClr r="0" g="0" b="0"/>
+      </a:effectRef>
+      <a:fontRef idx="minor"/>
+    </dgm:style>
+  </dgm:styleLbl>
+  <dgm:styleLbl name="solidAlignAcc1">
+    <dgm:scene3d>
+      <a:camera prst="orthographicFront"/>
+      <a:lightRig rig="threePt" dir="t"/>
+    </dgm:scene3d>
+    <dgm:sp3d/>
+    <dgm:txPr/>
+    <dgm:style>
+      <a:lnRef idx="2">
+        <a:scrgbClr r="0" g="0" b="0"/>
+      </a:lnRef>
+      <a:fillRef idx="1">
+        <a:scrgbClr r="0" g="0" b="0"/>
+      </a:fillRef>
+      <a:effectRef idx="0">
+        <a:scrgbClr r="0" g="0" b="0"/>
+      </a:effectRef>
+      <a:fontRef idx="minor"/>
+    </dgm:style>
+  </dgm:styleLbl>
+  <dgm:styleLbl name="solidBgAcc1">
+    <dgm:scene3d>
+      <a:camera prst="orthographicFront"/>
+      <a:lightRig rig="threePt" dir="t"/>
+    </dgm:scene3d>
+    <dgm:sp3d/>
+    <dgm:txPr/>
+    <dgm:style>
+      <a:lnRef idx="2">
+        <a:scrgbClr r="0" g="0" b="0"/>
+      </a:lnRef>
+      <a:fillRef idx="1">
+        <a:scrgbClr r="0" g="0" b="0"/>
+      </a:fillRef>
+      <a:effectRef idx="0">
+        <a:scrgbClr r="0" g="0" b="0"/>
+      </a:effectRef>
+      <a:fontRef idx="minor"/>
+    </dgm:style>
+  </dgm:styleLbl>
+  <dgm:styleLbl name="fgAccFollowNode1">
+    <dgm:scene3d>
+      <a:camera prst="orthographicFront"/>
+      <a:lightRig rig="threePt" dir="t"/>
+    </dgm:scene3d>
+    <dgm:sp3d/>
+    <dgm:txPr/>
+    <dgm:style>
+      <a:lnRef idx="2">
+        <a:scrgbClr r="0" g="0" b="0"/>
+      </a:lnRef>
+      <a:fillRef idx="1">
+        <a:scrgbClr r="0" g="0" b="0"/>
+      </a:fillRef>
+      <a:effectRef idx="0">
+        <a:scrgbClr r="0" g="0" b="0"/>
+      </a:effectRef>
+      <a:fontRef idx="minor"/>
+    </dgm:style>
+  </dgm:styleLbl>
+  <dgm:styleLbl name="alignAccFollowNode1">
+    <dgm:scene3d>
+      <a:camera prst="orthographicFront"/>
+      <a:lightRig rig="threePt" dir="t"/>
+    </dgm:scene3d>
+    <dgm:sp3d/>
+    <dgm:txPr/>
+    <dgm:style>
+      <a:lnRef idx="2">
+        <a:scrgbClr r="0" g="0" b="0"/>
+      </a:lnRef>
+      <a:fillRef idx="1">
+        <a:scrgbClr r="0" g="0" b="0"/>
+      </a:fillRef>
+      <a:effectRef idx="0">
+        <a:scrgbClr r="0" g="0" b="0"/>
+      </a:effectRef>
+      <a:fontRef idx="minor"/>
+    </dgm:style>
+  </dgm:styleLbl>
+  <dgm:styleLbl name="bgAccFollowNode1">
+    <dgm:scene3d>
+      <a:camera prst="orthographicFront"/>
+      <a:lightRig rig="threePt" dir="t"/>
+    </dgm:scene3d>
+    <dgm:sp3d/>
+    <dgm:txPr/>
+    <dgm:style>
+      <a:lnRef idx="2">
+        <a:scrgbClr r="0" g="0" b="0"/>
+      </a:lnRef>
+      <a:fillRef idx="1">
+        <a:scrgbClr r="0" g="0" b="0"/>
+      </a:fillRef>
+      <a:effectRef idx="0">
+        <a:scrgbClr r="0" g="0" b="0"/>
+      </a:effectRef>
+      <a:fontRef idx="minor"/>
+    </dgm:style>
+  </dgm:styleLbl>
+  <dgm:styleLbl name="fgAcc0">
+    <dgm:scene3d>
+      <a:camera prst="orthographicFront"/>
+      <a:lightRig rig="threePt" dir="t"/>
+    </dgm:scene3d>
+    <dgm:sp3d/>
+    <dgm:txPr/>
+    <dgm:style>
+      <a:lnRef idx="2">
+        <a:scrgbClr r="0" g="0" b="0"/>
+      </a:lnRef>
+      <a:fillRef idx="1">
+        <a:scrgbClr r="0" g="0" b="0"/>
+      </a:fillRef>
+      <a:effectRef idx="0">
+        <a:scrgbClr r="0" g="0" b="0"/>
+      </a:effectRef>
+      <a:fontRef idx="minor"/>
+    </dgm:style>
+  </dgm:styleLbl>
+  <dgm:styleLbl name="fgAcc2">
+    <dgm:scene3d>
+      <a:camera prst="orthographicFront"/>
+      <a:lightRig rig="threePt" dir="t"/>
+    </dgm:scene3d>
+    <dgm:sp3d/>
+    <dgm:txPr/>
+    <dgm:style>
+      <a:lnRef idx="2">
+        <a:scrgbClr r="0" g="0" b="0"/>
+      </a:lnRef>
+      <a:fillRef idx="1">
+        <a:scrgbClr r="0" g="0" b="0"/>
+      </a:fillRef>
+      <a:effectRef idx="0">
+        <a:scrgbClr r="0" g="0" b="0"/>
+      </a:effectRef>
+      <a:fontRef idx="minor"/>
+    </dgm:style>
+  </dgm:styleLbl>
+  <dgm:styleLbl name="fgAcc3">
+    <dgm:scene3d>
+      <a:camera prst="orthographicFront"/>
+      <a:lightRig rig="threePt" dir="t"/>
+    </dgm:scene3d>
+    <dgm:sp3d/>
+    <dgm:txPr/>
+    <dgm:style>
+      <a:lnRef idx="2">
+        <a:scrgbClr r="0" g="0" b="0"/>
+      </a:lnRef>
+      <a:fillRef idx="1">
+        <a:scrgbClr r="0" g="0" b="0"/>
+      </a:fillRef>
+      <a:effectRef idx="0">
+        <a:scrgbClr r="0" g="0" b="0"/>
+      </a:effectRef>
+      <a:fontRef idx="minor"/>
+    </dgm:style>
+  </dgm:styleLbl>
+  <dgm:styleLbl name="fgAcc4">
+    <dgm:scene3d>
+      <a:camera prst="orthographicFront"/>
+      <a:lightRig rig="threePt" dir="t"/>
+    </dgm:scene3d>
+    <dgm:sp3d/>
+    <dgm:txPr/>
+    <dgm:style>
+      <a:lnRef idx="2">
+        <a:scrgbClr r="0" g="0" b="0"/>
+      </a:lnRef>
+      <a:fillRef idx="1">
+        <a:scrgbClr r="0" g="0" b="0"/>
+      </a:fillRef>
+      <a:effectRef idx="0">
+        <a:scrgbClr r="0" g="0" b="0"/>
+      </a:effectRef>
+      <a:fontRef idx="minor"/>
+    </dgm:style>
+  </dgm:styleLbl>
+  <dgm:styleLbl name="bgShp">
+    <dgm:scene3d>
+      <a:camera prst="orthographicFront"/>
+      <a:lightRig rig="threePt" dir="t"/>
+    </dgm:scene3d>
+    <dgm:sp3d/>
+    <dgm:txPr/>
+    <dgm:style>
+      <a:lnRef idx="0">
+        <a:scrgbClr r="0" g="0" b="0"/>
+      </a:lnRef>
+      <a:fillRef idx="1">
+        <a:scrgbClr r="0" g="0" b="0"/>
+      </a:fillRef>
+      <a:effectRef idx="0">
+        <a:scrgbClr r="0" g="0" b="0"/>
+      </a:effectRef>
+      <a:fontRef idx="minor"/>
+    </dgm:style>
+  </dgm:styleLbl>
+  <dgm:styleLbl name="dkBgShp">
+    <dgm:scene3d>
+      <a:camera prst="orthographicFront"/>
+      <a:lightRig rig="threePt" dir="t"/>
+    </dgm:scene3d>
+    <dgm:sp3d/>
+    <dgm:txPr/>
+    <dgm:style>
+      <a:lnRef idx="0">
+        <a:scrgbClr r="0" g="0" b="0"/>
+      </a:lnRef>
+      <a:fillRef idx="1">
+        <a:scrgbClr r="0" g="0" b="0"/>
+      </a:fillRef>
+      <a:effectRef idx="0">
+        <a:scrgbClr r="0" g="0" b="0"/>
+      </a:effectRef>
+      <a:fontRef idx="minor"/>
+    </dgm:style>
+  </dgm:styleLbl>
+  <dgm:styleLbl name="trBgShp">
+    <dgm:scene3d>
+      <a:camera prst="orthographicFront"/>
+      <a:lightRig rig="threePt" dir="t"/>
+    </dgm:scene3d>
+    <dgm:sp3d/>
+    <dgm:txPr/>
+    <dgm:style>
+      <a:lnRef idx="0">
+        <a:scrgbClr r="0" g="0" b="0"/>
+      </a:lnRef>
+      <a:fillRef idx="1">
+        <a:scrgbClr r="0" g="0" b="0"/>
+      </a:fillRef>
+      <a:effectRef idx="0">
+        <a:scrgbClr r="0" g="0" b="0"/>
+      </a:effectRef>
+      <a:fontRef idx="minor"/>
+    </dgm:style>
+  </dgm:styleLbl>
+  <dgm:styleLbl name="fgShp">
+    <dgm:scene3d>
+      <a:camera prst="orthographicFront"/>
+      <a:lightRig rig="threePt" dir="t"/>
+    </dgm:scene3d>
+    <dgm:sp3d/>
+    <dgm:txPr/>
+    <dgm:style>
+      <a:lnRef idx="2">
+        <a:scrgbClr r="0" g="0" b="0"/>
+      </a:lnRef>
+      <a:fillRef idx="1">
+        <a:scrgbClr r="0" g="0" b="0"/>
+      </a:fillRef>
+      <a:effectRef idx="0">
+        <a:scrgbClr r="0" g="0" b="0"/>
+      </a:effectRef>
+      <a:fontRef idx="minor"/>
+    </dgm:style>
+  </dgm:styleLbl>
+  <dgm:styleLbl name="revTx">
+    <dgm:scene3d>
+      <a:camera prst="orthographicFront"/>
+      <a:lightRig rig="threePt" dir="t"/>
+    </dgm:scene3d>
+    <dgm:sp3d/>
+    <dgm:txPr/>
+    <dgm:style>
+      <a:lnRef idx="0">
+        <a:scrgbClr r="0" g="0" b="0"/>
+      </a:lnRef>
+      <a:fillRef idx="0">
+        <a:scrgbClr r="0" g="0" b="0"/>
+      </a:fillRef>
+      <a:effectRef idx="0">
+        <a:scrgbClr r="0" g="0" b="0"/>
+      </a:effectRef>
+      <a:fontRef idx="minor"/>
+    </dgm:style>
+  </dgm:styleLbl>
+</dgm:styleDef>
+</file>
+
+<file path=ppt/diagrams/quickStyle2.xml><?xml version="1.0" encoding="utf-8"?>
 <dgm:styleDef xmlns:dgm="http://schemas.openxmlformats.org/drawingml/2006/diagram" xmlns:a="http://schemas.openxmlformats.org/drawingml/2006/main" uniqueId="urn:microsoft.com/office/officeart/2005/8/quickstyle/simple1">
   <dgm:title val=""/>
   <dgm:desc val=""/>
@@ -7680,6 +11116,315 @@
 </p:sld>
 </file>
 
+<file path=ppt/slides/slide10.xml><?xml version="1.0" encoding="utf-8"?>
+<p:sld xmlns:a="http://schemas.openxmlformats.org/drawingml/2006/main" xmlns:r="http://schemas.openxmlformats.org/officeDocument/2006/relationships" xmlns:p="http://schemas.openxmlformats.org/presentationml/2006/main">
+  <p:cSld>
+    <p:spTree>
+      <p:nvGrpSpPr>
+        <p:cNvPr id="1" name=""/>
+        <p:cNvGrpSpPr/>
+        <p:nvPr/>
+      </p:nvGrpSpPr>
+      <p:grpSpPr>
+        <a:xfrm>
+          <a:off x="0" y="0"/>
+          <a:ext cx="0" cy="0"/>
+          <a:chOff x="0" y="0"/>
+          <a:chExt cx="0" cy="0"/>
+        </a:xfrm>
+      </p:grpSpPr>
+      <p:sp>
+        <p:nvSpPr>
+          <p:cNvPr id="2" name="Title 1"/>
+          <p:cNvSpPr>
+            <a:spLocks noGrp="1"/>
+          </p:cNvSpPr>
+          <p:nvPr>
+            <p:ph type="title"/>
+          </p:nvPr>
+        </p:nvSpPr>
+        <p:spPr>
+          <a:xfrm>
+            <a:off x="424306" y="225416"/>
+            <a:ext cx="4055330" cy="1144800"/>
+          </a:xfrm>
+        </p:spPr>
+        <p:txBody>
+          <a:bodyPr/>
+          <a:lstStyle/>
+          <a:p>
+            <a:r>
+              <a:rPr lang="en-US" smtClean="0"/>
+              <a:t>Pristup dva – potpuno PRO</a:t>
+            </a:r>
+            <a:endParaRPr lang="sr-Latn-RS"/>
+          </a:p>
+        </p:txBody>
+      </p:sp>
+      <p:sp>
+        <p:nvSpPr>
+          <p:cNvPr id="3" name="Content Placeholder 2"/>
+          <p:cNvSpPr>
+            <a:spLocks noGrp="1"/>
+          </p:cNvSpPr>
+          <p:nvPr>
+            <p:ph sz="quarter" idx="10"/>
+          </p:nvPr>
+        </p:nvSpPr>
+        <p:spPr>
+          <a:xfrm>
+            <a:off x="725978" y="1988551"/>
+            <a:ext cx="9045146" cy="3328988"/>
+          </a:xfrm>
+        </p:spPr>
+        <p:txBody>
+          <a:bodyPr/>
+          <a:lstStyle/>
+          <a:p>
+            <a:r>
+              <a:rPr lang="en-US" smtClean="0"/>
+              <a:t>Predlozi algoritma?</a:t>
+            </a:r>
+            <a:endParaRPr lang="sr-Latn-RS"/>
+          </a:p>
+        </p:txBody>
+      </p:sp>
+      <p:graphicFrame>
+        <p:nvGraphicFramePr>
+          <p:cNvPr id="6" name="Diagram 5"/>
+          <p:cNvGraphicFramePr/>
+          <p:nvPr>
+            <p:extLst>
+              <p:ext uri="{D42A27DB-BD31-4B8C-83A1-F6EECF244321}">
+                <p14:modId xmlns:p14="http://schemas.microsoft.com/office/powerpoint/2010/main" val="2170401360"/>
+              </p:ext>
+            </p:extLst>
+          </p:nvPr>
+        </p:nvGraphicFramePr>
+        <p:xfrm>
+          <a:off x="4322618" y="1042939"/>
+          <a:ext cx="6345382" cy="4378807"/>
+        </p:xfrm>
+        <a:graphic>
+          <a:graphicData uri="http://schemas.openxmlformats.org/drawingml/2006/diagram">
+            <dgm:relIds xmlns:dgm="http://schemas.openxmlformats.org/drawingml/2006/diagram" xmlns:r="http://schemas.openxmlformats.org/officeDocument/2006/relationships" r:dm="rId2" r:lo="rId3" r:qs="rId4" r:cs="rId5"/>
+          </a:graphicData>
+        </a:graphic>
+      </p:graphicFrame>
+    </p:spTree>
+    <p:extLst>
+      <p:ext uri="{BB962C8B-B14F-4D97-AF65-F5344CB8AC3E}">
+        <p14:creationId xmlns:p14="http://schemas.microsoft.com/office/powerpoint/2010/main" val="524528441"/>
+      </p:ext>
+    </p:extLst>
+  </p:cSld>
+  <p:clrMapOvr>
+    <a:masterClrMapping/>
+  </p:clrMapOvr>
+  <p:timing>
+    <p:tnLst>
+      <p:par>
+        <p:cTn id="1" dur="indefinite" restart="never" nodeType="tmRoot"/>
+      </p:par>
+    </p:tnLst>
+  </p:timing>
+</p:sld>
+</file>
+
+<file path=ppt/slides/slide11.xml><?xml version="1.0" encoding="utf-8"?>
+<p:sld xmlns:a="http://schemas.openxmlformats.org/drawingml/2006/main" xmlns:r="http://schemas.openxmlformats.org/officeDocument/2006/relationships" xmlns:p="http://schemas.openxmlformats.org/presentationml/2006/main">
+  <p:cSld>
+    <p:spTree>
+      <p:nvGrpSpPr>
+        <p:cNvPr id="1" name=""/>
+        <p:cNvGrpSpPr/>
+        <p:nvPr/>
+      </p:nvGrpSpPr>
+      <p:grpSpPr>
+        <a:xfrm>
+          <a:off x="0" y="0"/>
+          <a:ext cx="0" cy="0"/>
+          <a:chOff x="0" y="0"/>
+          <a:chExt cx="0" cy="0"/>
+        </a:xfrm>
+      </p:grpSpPr>
+      <p:sp>
+        <p:nvSpPr>
+          <p:cNvPr id="2" name="Title 1"/>
+          <p:cNvSpPr>
+            <a:spLocks noGrp="1"/>
+          </p:cNvSpPr>
+          <p:nvPr>
+            <p:ph type="title"/>
+          </p:nvPr>
+        </p:nvSpPr>
+        <p:spPr/>
+        <p:txBody>
+          <a:bodyPr/>
+          <a:lstStyle/>
+          <a:p>
+            <a:r>
+              <a:rPr lang="en-US" smtClean="0"/>
+              <a:t>Primeri za algoritam 1 i 2</a:t>
+            </a:r>
+            <a:endParaRPr lang="sr-Latn-RS"/>
+          </a:p>
+        </p:txBody>
+      </p:sp>
+      <p:sp>
+        <p:nvSpPr>
+          <p:cNvPr id="3" name="Content Placeholder 2"/>
+          <p:cNvSpPr>
+            <a:spLocks noGrp="1"/>
+          </p:cNvSpPr>
+          <p:nvPr>
+            <p:ph sz="quarter" idx="10"/>
+          </p:nvPr>
+        </p:nvSpPr>
+        <p:spPr/>
+        <p:txBody>
+          <a:bodyPr/>
+          <a:lstStyle/>
+          <a:p>
+            <a:r>
+              <a:rPr lang="en-US" smtClean="0"/>
+              <a:t>VS Code </a:t>
+            </a:r>
+            <a:endParaRPr lang="sr-Latn-RS"/>
+          </a:p>
+        </p:txBody>
+      </p:sp>
+    </p:spTree>
+    <p:extLst>
+      <p:ext uri="{BB962C8B-B14F-4D97-AF65-F5344CB8AC3E}">
+        <p14:creationId xmlns:p14="http://schemas.microsoft.com/office/powerpoint/2010/main" val="1733723752"/>
+      </p:ext>
+    </p:extLst>
+  </p:cSld>
+  <p:clrMapOvr>
+    <a:masterClrMapping/>
+  </p:clrMapOvr>
+  <p:timing>
+    <p:tnLst>
+      <p:par>
+        <p:cTn id="1" dur="indefinite" restart="never" nodeType="tmRoot"/>
+      </p:par>
+    </p:tnLst>
+  </p:timing>
+</p:sld>
+</file>
+
+<file path=ppt/slides/slide12.xml><?xml version="1.0" encoding="utf-8"?>
+<p:sld xmlns:a="http://schemas.openxmlformats.org/drawingml/2006/main" xmlns:r="http://schemas.openxmlformats.org/officeDocument/2006/relationships" xmlns:p="http://schemas.openxmlformats.org/presentationml/2006/main">
+  <p:cSld>
+    <p:spTree>
+      <p:nvGrpSpPr>
+        <p:cNvPr id="1" name=""/>
+        <p:cNvGrpSpPr/>
+        <p:nvPr/>
+      </p:nvGrpSpPr>
+      <p:grpSpPr>
+        <a:xfrm>
+          <a:off x="0" y="0"/>
+          <a:ext cx="0" cy="0"/>
+          <a:chOff x="0" y="0"/>
+          <a:chExt cx="0" cy="0"/>
+        </a:xfrm>
+      </p:grpSpPr>
+      <p:sp>
+        <p:nvSpPr>
+          <p:cNvPr id="2" name="Title 1"/>
+          <p:cNvSpPr>
+            <a:spLocks noGrp="1"/>
+          </p:cNvSpPr>
+          <p:nvPr>
+            <p:ph type="title"/>
+          </p:nvPr>
+        </p:nvSpPr>
+        <p:spPr/>
+        <p:txBody>
+          <a:bodyPr/>
+          <a:lstStyle/>
+          <a:p>
+            <a:r>
+              <a:rPr lang="en-US" smtClean="0"/>
+              <a:t>Coding challenge</a:t>
+            </a:r>
+            <a:endParaRPr lang="sr-Latn-RS"/>
+          </a:p>
+        </p:txBody>
+      </p:sp>
+      <p:sp>
+        <p:nvSpPr>
+          <p:cNvPr id="3" name="Content Placeholder 2"/>
+          <p:cNvSpPr>
+            <a:spLocks noGrp="1"/>
+          </p:cNvSpPr>
+          <p:nvPr>
+            <p:ph sz="quarter" idx="10"/>
+          </p:nvPr>
+        </p:nvSpPr>
+        <p:spPr/>
+        <p:txBody>
+          <a:bodyPr>
+            <a:normAutofit fontScale="92500" lnSpcReduction="20000"/>
+          </a:bodyPr>
+          <a:lstStyle/>
+          <a:p>
+            <a:r>
+              <a:rPr lang="en-US" smtClean="0"/>
+              <a:t>Napisati svoj primer closure-a: Funkcija koja vraca funkciju. Unutrasnja funkcija treba da primi argument, ali da koristi scope vanjske funkcije (argument, npr).</a:t>
+            </a:r>
+          </a:p>
+          <a:p>
+            <a:r>
+              <a:rPr lang="en-US" smtClean="0"/>
+              <a:t>Primer: Napisati funkciju </a:t>
+            </a:r>
+            <a:r>
+              <a:rPr lang="en-US" b="1"/>
+              <a:t>checkCarOrigin</a:t>
+            </a:r>
+            <a:r>
+              <a:rPr lang="en-US" smtClean="0"/>
+              <a:t> koja prima marku automobila car –&gt; Volvo, Nissan, Renault, a vraca unutrasnju funkciju koja u zavisnosti od spoljnog parametra, vraca ime drzave automobila (Svedska, Japan, Francuska). Primer poziva:</a:t>
+            </a:r>
+          </a:p>
+          <a:p>
+            <a:r>
+              <a:rPr lang="en-US" smtClean="0"/>
+              <a:t>var cco = checkCarOrigin(‘Volvo’)();</a:t>
+            </a:r>
+          </a:p>
+          <a:p>
+            <a:r>
+              <a:rPr lang="en-US" smtClean="0"/>
+              <a:t>console.log(cco) daje ‘Svedska’</a:t>
+            </a:r>
+            <a:endParaRPr lang="sr-Latn-RS"/>
+          </a:p>
+        </p:txBody>
+      </p:sp>
+    </p:spTree>
+    <p:extLst>
+      <p:ext uri="{BB962C8B-B14F-4D97-AF65-F5344CB8AC3E}">
+        <p14:creationId xmlns:p14="http://schemas.microsoft.com/office/powerpoint/2010/main" val="3404666562"/>
+      </p:ext>
+    </p:extLst>
+  </p:cSld>
+  <p:clrMapOvr>
+    <a:masterClrMapping/>
+  </p:clrMapOvr>
+  <p:timing>
+    <p:tnLst>
+      <p:par>
+        <p:cTn id="1" dur="indefinite" restart="never" nodeType="tmRoot"/>
+      </p:par>
+    </p:tnLst>
+  </p:timing>
+</p:sld>
+</file>
+
 <file path=ppt/slides/slide2.xml><?xml version="1.0" encoding="utf-8"?>
 <p:sld xmlns:a="http://schemas.openxmlformats.org/drawingml/2006/main" xmlns:r="http://schemas.openxmlformats.org/officeDocument/2006/relationships" xmlns:p="http://schemas.openxmlformats.org/presentationml/2006/main">
   <p:cSld>
@@ -7760,7 +11505,7 @@
           <p:nvPr>
             <p:extLst>
               <p:ext uri="{D42A27DB-BD31-4B8C-83A1-F6EECF244321}">
-                <p14:modId xmlns:p14="http://schemas.microsoft.com/office/powerpoint/2010/main" val="3688072844"/>
+                <p14:modId xmlns:p14="http://schemas.microsoft.com/office/powerpoint/2010/main" val="3041332995"/>
               </p:ext>
             </p:extLst>
           </p:nvPr>
@@ -7889,7 +11634,6 @@
               <a:rPr lang="en-US" smtClean="0"/>
               <a:t>Function constructor</a:t>
             </a:r>
-            <a:endParaRPr lang="en-US" smtClean="0"/>
           </a:p>
         </p:txBody>
       </p:sp>
@@ -7995,7 +11739,7 @@
             <a:pPr lvl="0"/>
             <a:r>
               <a:rPr lang="en-US" sz="4000" smtClean="0"/>
-              <a:t>Mesanje niza celih brojeva</a:t>
+              <a:t>Closures</a:t>
             </a:r>
             <a:endParaRPr lang="en-US" sz="4000"/>
           </a:p>
@@ -8055,6 +11799,249 @@
           <a:p>
             <a:r>
               <a:rPr lang="en-US" smtClean="0"/>
+              <a:t>Primer - podsecanje</a:t>
+            </a:r>
+            <a:endParaRPr lang="sr-Latn-RS"/>
+          </a:p>
+        </p:txBody>
+      </p:sp>
+      <p:pic>
+        <p:nvPicPr>
+          <p:cNvPr id="8" name="Content Placeholder 7"/>
+          <p:cNvPicPr>
+            <a:picLocks noGrp="1" noChangeAspect="1"/>
+          </p:cNvPicPr>
+          <p:nvPr>
+            <p:ph sz="quarter" idx="10"/>
+          </p:nvPr>
+        </p:nvPicPr>
+        <p:blipFill>
+          <a:blip r:embed="rId2"/>
+          <a:stretch>
+            <a:fillRect/>
+          </a:stretch>
+        </p:blipFill>
+        <p:spPr>
+          <a:xfrm>
+            <a:off x="609479" y="1967921"/>
+            <a:ext cx="8368265" cy="3541755"/>
+          </a:xfrm>
+          <a:prstGeom prst="rect">
+            <a:avLst/>
+          </a:prstGeom>
+        </p:spPr>
+      </p:pic>
+    </p:spTree>
+    <p:extLst>
+      <p:ext uri="{BB962C8B-B14F-4D97-AF65-F5344CB8AC3E}">
+        <p14:creationId xmlns:p14="http://schemas.microsoft.com/office/powerpoint/2010/main" val="2136750271"/>
+      </p:ext>
+    </p:extLst>
+  </p:cSld>
+  <p:clrMapOvr>
+    <a:masterClrMapping/>
+  </p:clrMapOvr>
+</p:sld>
+</file>
+
+<file path=ppt/slides/slide6.xml><?xml version="1.0" encoding="utf-8"?>
+<p:sld xmlns:a="http://schemas.openxmlformats.org/drawingml/2006/main" xmlns:r="http://schemas.openxmlformats.org/officeDocument/2006/relationships" xmlns:p="http://schemas.openxmlformats.org/presentationml/2006/main">
+  <p:cSld>
+    <p:spTree>
+      <p:nvGrpSpPr>
+        <p:cNvPr id="1" name=""/>
+        <p:cNvGrpSpPr/>
+        <p:nvPr/>
+      </p:nvGrpSpPr>
+      <p:grpSpPr>
+        <a:xfrm>
+          <a:off x="0" y="0"/>
+          <a:ext cx="0" cy="0"/>
+          <a:chOff x="0" y="0"/>
+          <a:chExt cx="0" cy="0"/>
+        </a:xfrm>
+      </p:grpSpPr>
+      <p:pic>
+        <p:nvPicPr>
+          <p:cNvPr id="3" name="Picture 2"/>
+          <p:cNvPicPr>
+            <a:picLocks noChangeAspect="1"/>
+          </p:cNvPicPr>
+          <p:nvPr/>
+        </p:nvPicPr>
+        <p:blipFill>
+          <a:blip r:embed="rId2"/>
+          <a:stretch>
+            <a:fillRect/>
+          </a:stretch>
+        </p:blipFill>
+        <p:spPr>
+          <a:xfrm>
+            <a:off x="0" y="0"/>
+            <a:ext cx="5849166" cy="952633"/>
+          </a:xfrm>
+          <a:prstGeom prst="rect">
+            <a:avLst/>
+          </a:prstGeom>
+        </p:spPr>
+      </p:pic>
+      <p:pic>
+        <p:nvPicPr>
+          <p:cNvPr id="2" name="Content Placeholder 1"/>
+          <p:cNvPicPr>
+            <a:picLocks noGrp="1" noChangeAspect="1"/>
+          </p:cNvPicPr>
+          <p:nvPr>
+            <p:ph sz="quarter" idx="10"/>
+          </p:nvPr>
+        </p:nvPicPr>
+        <p:blipFill>
+          <a:blip r:embed="rId3"/>
+          <a:stretch>
+            <a:fillRect/>
+          </a:stretch>
+        </p:blipFill>
+        <p:spPr>
+          <a:xfrm>
+            <a:off x="1788045" y="2051050"/>
+            <a:ext cx="6688685" cy="3328988"/>
+          </a:xfrm>
+          <a:prstGeom prst="rect">
+            <a:avLst/>
+          </a:prstGeom>
+        </p:spPr>
+      </p:pic>
+    </p:spTree>
+    <p:extLst>
+      <p:ext uri="{BB962C8B-B14F-4D97-AF65-F5344CB8AC3E}">
+        <p14:creationId xmlns:p14="http://schemas.microsoft.com/office/powerpoint/2010/main" val="3743719791"/>
+      </p:ext>
+    </p:extLst>
+  </p:cSld>
+  <p:clrMapOvr>
+    <a:masterClrMapping/>
+  </p:clrMapOvr>
+</p:sld>
+</file>
+
+<file path=ppt/slides/slide7.xml><?xml version="1.0" encoding="utf-8"?>
+<p:sld xmlns:a="http://schemas.openxmlformats.org/drawingml/2006/main" xmlns:r="http://schemas.openxmlformats.org/officeDocument/2006/relationships" xmlns:p="http://schemas.openxmlformats.org/presentationml/2006/main">
+  <p:cSld>
+    <p:spTree>
+      <p:nvGrpSpPr>
+        <p:cNvPr id="1" name=""/>
+        <p:cNvGrpSpPr/>
+        <p:nvPr/>
+      </p:nvGrpSpPr>
+      <p:grpSpPr>
+        <a:xfrm>
+          <a:off x="0" y="0"/>
+          <a:ext cx="0" cy="0"/>
+          <a:chOff x="0" y="0"/>
+          <a:chExt cx="0" cy="0"/>
+        </a:xfrm>
+      </p:grpSpPr>
+      <p:sp>
+        <p:nvSpPr>
+          <p:cNvPr id="5" name="Text Placeholder 4"/>
+          <p:cNvSpPr>
+            <a:spLocks noGrp="1"/>
+          </p:cNvSpPr>
+          <p:nvPr>
+            <p:ph type="body" sz="quarter" idx="10"/>
+          </p:nvPr>
+        </p:nvSpPr>
+        <p:spPr/>
+        <p:txBody>
+          <a:bodyPr/>
+          <a:lstStyle/>
+          <a:p>
+            <a:r>
+              <a:rPr lang="en-US" smtClean="0"/>
+              <a:t>HTML</a:t>
+            </a:r>
+            <a:endParaRPr lang="sr-Latn-RS" smtClean="0"/>
+          </a:p>
+        </p:txBody>
+      </p:sp>
+      <p:sp>
+        <p:nvSpPr>
+          <p:cNvPr id="6" name="Text Placeholder 5"/>
+          <p:cNvSpPr>
+            <a:spLocks noGrp="1"/>
+          </p:cNvSpPr>
+          <p:nvPr>
+            <p:ph type="body" sz="quarter" idx="11"/>
+          </p:nvPr>
+        </p:nvSpPr>
+        <p:spPr/>
+        <p:txBody>
+          <a:bodyPr/>
+          <a:lstStyle/>
+          <a:p>
+            <a:pPr lvl="0"/>
+            <a:r>
+              <a:rPr lang="en-US" sz="4000" smtClean="0"/>
+              <a:t>Mesanje niza celih brojeva</a:t>
+            </a:r>
+            <a:endParaRPr lang="en-US" sz="4000"/>
+          </a:p>
+        </p:txBody>
+      </p:sp>
+    </p:spTree>
+    <p:extLst>
+      <p:ext uri="{BB962C8B-B14F-4D97-AF65-F5344CB8AC3E}">
+        <p14:creationId xmlns:p14="http://schemas.microsoft.com/office/powerpoint/2010/main" val="1223967942"/>
+      </p:ext>
+    </p:extLst>
+  </p:cSld>
+  <p:clrMapOvr>
+    <a:masterClrMapping/>
+  </p:clrMapOvr>
+  <p:timing>
+    <p:tnLst>
+      <p:par>
+        <p:cTn id="1" dur="indefinite" restart="never" nodeType="tmRoot"/>
+      </p:par>
+    </p:tnLst>
+  </p:timing>
+</p:sld>
+</file>
+
+<file path=ppt/slides/slide8.xml><?xml version="1.0" encoding="utf-8"?>
+<p:sld xmlns:a="http://schemas.openxmlformats.org/drawingml/2006/main" xmlns:r="http://schemas.openxmlformats.org/officeDocument/2006/relationships" xmlns:p="http://schemas.openxmlformats.org/presentationml/2006/main">
+  <p:cSld>
+    <p:spTree>
+      <p:nvGrpSpPr>
+        <p:cNvPr id="1" name=""/>
+        <p:cNvGrpSpPr/>
+        <p:nvPr/>
+      </p:nvGrpSpPr>
+      <p:grpSpPr>
+        <a:xfrm>
+          <a:off x="0" y="0"/>
+          <a:ext cx="0" cy="0"/>
+          <a:chOff x="0" y="0"/>
+          <a:chExt cx="0" cy="0"/>
+        </a:xfrm>
+      </p:grpSpPr>
+      <p:sp>
+        <p:nvSpPr>
+          <p:cNvPr id="4" name="Title 3"/>
+          <p:cNvSpPr>
+            <a:spLocks noGrp="1"/>
+          </p:cNvSpPr>
+          <p:nvPr>
+            <p:ph type="title"/>
+          </p:nvPr>
+        </p:nvSpPr>
+        <p:spPr/>
+        <p:txBody>
+          <a:bodyPr/>
+          <a:lstStyle/>
+          <a:p>
+            <a:r>
+              <a:rPr lang="en-US" smtClean="0"/>
               <a:t>Problem</a:t>
             </a:r>
             <a:endParaRPr lang="sr-Latn-RS"/>
@@ -8100,6 +12087,722 @@
   <p:clrMapOvr>
     <a:masterClrMapping/>
   </p:clrMapOvr>
+</p:sld>
+</file>
+
+<file path=ppt/slides/slide9.xml><?xml version="1.0" encoding="utf-8"?>
+<p:sld xmlns:a="http://schemas.openxmlformats.org/drawingml/2006/main" xmlns:r="http://schemas.openxmlformats.org/officeDocument/2006/relationships" xmlns:p="http://schemas.openxmlformats.org/presentationml/2006/main">
+  <p:cSld>
+    <p:spTree>
+      <p:nvGrpSpPr>
+        <p:cNvPr id="1" name=""/>
+        <p:cNvGrpSpPr/>
+        <p:nvPr/>
+      </p:nvGrpSpPr>
+      <p:grpSpPr>
+        <a:xfrm>
+          <a:off x="0" y="0"/>
+          <a:ext cx="0" cy="0"/>
+          <a:chOff x="0" y="0"/>
+          <a:chExt cx="0" cy="0"/>
+        </a:xfrm>
+      </p:grpSpPr>
+      <p:sp>
+        <p:nvSpPr>
+          <p:cNvPr id="2" name="Title 1"/>
+          <p:cNvSpPr>
+            <a:spLocks noGrp="1"/>
+          </p:cNvSpPr>
+          <p:nvPr>
+            <p:ph type="title"/>
+          </p:nvPr>
+        </p:nvSpPr>
+        <p:spPr>
+          <a:xfrm>
+            <a:off x="424306" y="225416"/>
+            <a:ext cx="4055330" cy="1144800"/>
+          </a:xfrm>
+        </p:spPr>
+        <p:txBody>
+          <a:bodyPr/>
+          <a:lstStyle/>
+          <a:p>
+            <a:r>
+              <a:rPr lang="en-US" smtClean="0"/>
+              <a:t>Pristup jedan – potpuno naivan.</a:t>
+            </a:r>
+            <a:endParaRPr lang="sr-Latn-RS"/>
+          </a:p>
+        </p:txBody>
+      </p:sp>
+      <p:sp>
+        <p:nvSpPr>
+          <p:cNvPr id="3" name="Content Placeholder 2"/>
+          <p:cNvSpPr>
+            <a:spLocks noGrp="1"/>
+          </p:cNvSpPr>
+          <p:nvPr>
+            <p:ph sz="quarter" idx="10"/>
+          </p:nvPr>
+        </p:nvSpPr>
+        <p:spPr>
+          <a:xfrm>
+            <a:off x="725978" y="1988551"/>
+            <a:ext cx="9045146" cy="3328988"/>
+          </a:xfrm>
+        </p:spPr>
+        <p:txBody>
+          <a:bodyPr/>
+          <a:lstStyle/>
+          <a:p>
+            <a:r>
+              <a:rPr lang="en-US" smtClean="0"/>
+              <a:t>Predlozi algoritma?</a:t>
+            </a:r>
+            <a:endParaRPr lang="sr-Latn-RS"/>
+          </a:p>
+        </p:txBody>
+      </p:sp>
+      <p:grpSp>
+        <p:nvGrpSpPr>
+          <p:cNvPr id="79" name="Group 78"/>
+          <p:cNvGrpSpPr/>
+          <p:nvPr/>
+        </p:nvGrpSpPr>
+        <p:grpSpPr>
+          <a:xfrm>
+            <a:off x="5366303" y="318289"/>
+            <a:ext cx="4960850" cy="6001869"/>
+            <a:chOff x="7093503" y="281343"/>
+            <a:chExt cx="4960850" cy="6001869"/>
+          </a:xfrm>
+        </p:grpSpPr>
+        <p:sp>
+          <p:nvSpPr>
+            <p:cNvPr id="4" name="Flowchart: Process 3"/>
+            <p:cNvSpPr/>
+            <p:nvPr/>
+          </p:nvSpPr>
+          <p:spPr>
+            <a:xfrm>
+              <a:off x="9364285" y="281343"/>
+              <a:ext cx="1562793" cy="706582"/>
+            </a:xfrm>
+            <a:prstGeom prst="flowChartProcess">
+              <a:avLst/>
+            </a:prstGeom>
+          </p:spPr>
+          <p:style>
+            <a:lnRef idx="2">
+              <a:schemeClr val="accent1">
+                <a:shade val="50000"/>
+              </a:schemeClr>
+            </a:lnRef>
+            <a:fillRef idx="1">
+              <a:schemeClr val="accent1"/>
+            </a:fillRef>
+            <a:effectRef idx="0">
+              <a:schemeClr val="accent1"/>
+            </a:effectRef>
+            <a:fontRef idx="minor">
+              <a:schemeClr val="lt1"/>
+            </a:fontRef>
+          </p:style>
+          <p:txBody>
+            <a:bodyPr rtlCol="0" anchor="ctr"/>
+            <a:lstStyle/>
+            <a:p>
+              <a:pPr algn="ctr"/>
+              <a:r>
+                <a:rPr lang="en-US" smtClean="0"/>
+                <a:t>Biraj broj od 1 do 10</a:t>
+              </a:r>
+              <a:endParaRPr lang="sr-Latn-RS"/>
+            </a:p>
+          </p:txBody>
+        </p:sp>
+        <p:sp>
+          <p:nvSpPr>
+            <p:cNvPr id="5" name="Flowchart: Decision 4"/>
+            <p:cNvSpPr/>
+            <p:nvPr/>
+          </p:nvSpPr>
+          <p:spPr>
+            <a:xfrm>
+              <a:off x="8894616" y="1697499"/>
+              <a:ext cx="2502130" cy="1035053"/>
+            </a:xfrm>
+            <a:prstGeom prst="flowChartDecision">
+              <a:avLst/>
+            </a:prstGeom>
+          </p:spPr>
+          <p:style>
+            <a:lnRef idx="2">
+              <a:schemeClr val="accent1">
+                <a:shade val="50000"/>
+              </a:schemeClr>
+            </a:lnRef>
+            <a:fillRef idx="1">
+              <a:schemeClr val="accent1"/>
+            </a:fillRef>
+            <a:effectRef idx="0">
+              <a:schemeClr val="accent1"/>
+            </a:effectRef>
+            <a:fontRef idx="minor">
+              <a:schemeClr val="lt1"/>
+            </a:fontRef>
+          </p:style>
+          <p:txBody>
+            <a:bodyPr rtlCol="0" anchor="ctr"/>
+            <a:lstStyle/>
+            <a:p>
+              <a:pPr algn="ctr"/>
+              <a:r>
+                <a:rPr lang="en-US" smtClean="0"/>
+                <a:t>Da li je vec izabran?</a:t>
+              </a:r>
+              <a:endParaRPr lang="sr-Latn-RS"/>
+            </a:p>
+          </p:txBody>
+        </p:sp>
+        <p:cxnSp>
+          <p:nvCxnSpPr>
+            <p:cNvPr id="16" name="Elbow Connector 15"/>
+            <p:cNvCxnSpPr>
+              <a:stCxn id="4" idx="2"/>
+              <a:endCxn id="5" idx="0"/>
+            </p:cNvCxnSpPr>
+            <p:nvPr/>
+          </p:nvCxnSpPr>
+          <p:spPr>
+            <a:xfrm rot="5400000">
+              <a:off x="9790895" y="1342712"/>
+              <a:ext cx="709574" cy="1"/>
+            </a:xfrm>
+            <a:prstGeom prst="bentConnector3">
+              <a:avLst>
+                <a:gd name="adj1" fmla="val 50000"/>
+              </a:avLst>
+            </a:prstGeom>
+            <a:ln>
+              <a:tailEnd type="triangle"/>
+            </a:ln>
+          </p:spPr>
+          <p:style>
+            <a:lnRef idx="1">
+              <a:schemeClr val="accent1"/>
+            </a:lnRef>
+            <a:fillRef idx="0">
+              <a:schemeClr val="accent1"/>
+            </a:fillRef>
+            <a:effectRef idx="0">
+              <a:schemeClr val="accent1"/>
+            </a:effectRef>
+            <a:fontRef idx="minor">
+              <a:schemeClr val="tx1"/>
+            </a:fontRef>
+          </p:style>
+        </p:cxnSp>
+        <p:cxnSp>
+          <p:nvCxnSpPr>
+            <p:cNvPr id="20" name="Elbow Connector 19"/>
+            <p:cNvCxnSpPr>
+              <a:stCxn id="5" idx="3"/>
+              <a:endCxn id="4" idx="3"/>
+            </p:cNvCxnSpPr>
+            <p:nvPr/>
+          </p:nvCxnSpPr>
+          <p:spPr>
+            <a:xfrm flipH="1" flipV="1">
+              <a:off x="10927078" y="634634"/>
+              <a:ext cx="469668" cy="1580392"/>
+            </a:xfrm>
+            <a:prstGeom prst="bentConnector3">
+              <a:avLst>
+                <a:gd name="adj1" fmla="val -48673"/>
+              </a:avLst>
+            </a:prstGeom>
+            <a:ln w="9525" cap="flat" cmpd="sng" algn="ctr">
+              <a:solidFill>
+                <a:schemeClr val="accent6"/>
+              </a:solidFill>
+              <a:prstDash val="solid"/>
+              <a:round/>
+              <a:headEnd type="none" w="med" len="med"/>
+              <a:tailEnd type="arrow" w="med" len="med"/>
+            </a:ln>
+          </p:spPr>
+          <p:style>
+            <a:lnRef idx="0">
+              <a:scrgbClr r="0" g="0" b="0"/>
+            </a:lnRef>
+            <a:fillRef idx="0">
+              <a:scrgbClr r="0" g="0" b="0"/>
+            </a:fillRef>
+            <a:effectRef idx="0">
+              <a:scrgbClr r="0" g="0" b="0"/>
+            </a:effectRef>
+            <a:fontRef idx="minor">
+              <a:schemeClr val="tx1"/>
+            </a:fontRef>
+          </p:style>
+        </p:cxnSp>
+        <p:sp>
+          <p:nvSpPr>
+            <p:cNvPr id="32" name="TextBox 31"/>
+            <p:cNvSpPr txBox="1"/>
+            <p:nvPr/>
+          </p:nvSpPr>
+          <p:spPr>
+            <a:xfrm>
+              <a:off x="7804877" y="4857849"/>
+              <a:ext cx="720436" cy="369332"/>
+            </a:xfrm>
+            <a:prstGeom prst="rect">
+              <a:avLst/>
+            </a:prstGeom>
+            <a:noFill/>
+          </p:spPr>
+          <p:txBody>
+            <a:bodyPr wrap="square" rtlCol="0">
+              <a:spAutoFit/>
+            </a:bodyPr>
+            <a:lstStyle/>
+            <a:p>
+              <a:r>
+                <a:rPr lang="en-US" smtClean="0"/>
+                <a:t>Da</a:t>
+              </a:r>
+              <a:endParaRPr lang="sr-Latn-RS"/>
+            </a:p>
+          </p:txBody>
+        </p:sp>
+        <p:sp>
+          <p:nvSpPr>
+            <p:cNvPr id="35" name="Flowchart: Process 34"/>
+            <p:cNvSpPr/>
+            <p:nvPr/>
+          </p:nvSpPr>
+          <p:spPr>
+            <a:xfrm>
+              <a:off x="9771124" y="4948207"/>
+              <a:ext cx="1562793" cy="706582"/>
+            </a:xfrm>
+            <a:prstGeom prst="flowChartProcess">
+              <a:avLst/>
+            </a:prstGeom>
+          </p:spPr>
+          <p:style>
+            <a:lnRef idx="2">
+              <a:schemeClr val="accent1">
+                <a:shade val="50000"/>
+              </a:schemeClr>
+            </a:lnRef>
+            <a:fillRef idx="1">
+              <a:schemeClr val="accent1"/>
+            </a:fillRef>
+            <a:effectRef idx="0">
+              <a:schemeClr val="accent1"/>
+            </a:effectRef>
+            <a:fontRef idx="minor">
+              <a:schemeClr val="lt1"/>
+            </a:fontRef>
+          </p:style>
+          <p:txBody>
+            <a:bodyPr rtlCol="0" anchor="ctr"/>
+            <a:lstStyle/>
+            <a:p>
+              <a:pPr algn="ctr"/>
+              <a:r>
+                <a:rPr lang="en-US" smtClean="0"/>
+                <a:t>Smesti ga u niz</a:t>
+              </a:r>
+              <a:endParaRPr lang="sr-Latn-RS"/>
+            </a:p>
+          </p:txBody>
+        </p:sp>
+        <p:cxnSp>
+          <p:nvCxnSpPr>
+            <p:cNvPr id="37" name="Elbow Connector 36"/>
+            <p:cNvCxnSpPr>
+              <a:stCxn id="5" idx="2"/>
+              <a:endCxn id="49" idx="0"/>
+            </p:cNvCxnSpPr>
+            <p:nvPr/>
+          </p:nvCxnSpPr>
+          <p:spPr>
+            <a:xfrm rot="5400000">
+              <a:off x="8736276" y="2340845"/>
+              <a:ext cx="1017699" cy="1801113"/>
+            </a:xfrm>
+            <a:prstGeom prst="bentConnector3">
+              <a:avLst>
+                <a:gd name="adj1" fmla="val 50000"/>
+              </a:avLst>
+            </a:prstGeom>
+            <a:ln>
+              <a:tailEnd type="triangle"/>
+            </a:ln>
+          </p:spPr>
+          <p:style>
+            <a:lnRef idx="1">
+              <a:schemeClr val="accent1"/>
+            </a:lnRef>
+            <a:fillRef idx="0">
+              <a:schemeClr val="accent1"/>
+            </a:fillRef>
+            <a:effectRef idx="0">
+              <a:schemeClr val="accent1"/>
+            </a:effectRef>
+            <a:fontRef idx="minor">
+              <a:schemeClr val="tx1"/>
+            </a:fontRef>
+          </p:style>
+        </p:cxnSp>
+        <p:sp>
+          <p:nvSpPr>
+            <p:cNvPr id="38" name="TextBox 37"/>
+            <p:cNvSpPr txBox="1"/>
+            <p:nvPr/>
+          </p:nvSpPr>
+          <p:spPr>
+            <a:xfrm>
+              <a:off x="10145681" y="2823466"/>
+              <a:ext cx="720436" cy="369332"/>
+            </a:xfrm>
+            <a:prstGeom prst="rect">
+              <a:avLst/>
+            </a:prstGeom>
+            <a:noFill/>
+          </p:spPr>
+          <p:txBody>
+            <a:bodyPr wrap="square" rtlCol="0">
+              <a:spAutoFit/>
+            </a:bodyPr>
+            <a:lstStyle/>
+            <a:p>
+              <a:r>
+                <a:rPr lang="en-US" smtClean="0"/>
+                <a:t>Ne</a:t>
+              </a:r>
+              <a:endParaRPr lang="sr-Latn-RS"/>
+            </a:p>
+          </p:txBody>
+        </p:sp>
+        <p:sp>
+          <p:nvSpPr>
+            <p:cNvPr id="49" name="Flowchart: Decision 48"/>
+            <p:cNvSpPr/>
+            <p:nvPr/>
+          </p:nvSpPr>
+          <p:spPr>
+            <a:xfrm>
+              <a:off x="7093503" y="3750251"/>
+              <a:ext cx="2502130" cy="918622"/>
+            </a:xfrm>
+            <a:prstGeom prst="flowChartDecision">
+              <a:avLst/>
+            </a:prstGeom>
+          </p:spPr>
+          <p:style>
+            <a:lnRef idx="2">
+              <a:schemeClr val="accent1">
+                <a:shade val="50000"/>
+              </a:schemeClr>
+            </a:lnRef>
+            <a:fillRef idx="1">
+              <a:schemeClr val="accent1"/>
+            </a:fillRef>
+            <a:effectRef idx="0">
+              <a:schemeClr val="accent1"/>
+            </a:effectRef>
+            <a:fontRef idx="minor">
+              <a:schemeClr val="lt1"/>
+            </a:fontRef>
+          </p:style>
+          <p:txBody>
+            <a:bodyPr rtlCol="0" anchor="ctr"/>
+            <a:lstStyle/>
+            <a:p>
+              <a:pPr algn="ctr"/>
+              <a:r>
+                <a:rPr lang="en-US" smtClean="0"/>
+                <a:t>Da li su svi brojevi izvuceni?</a:t>
+              </a:r>
+              <a:endParaRPr lang="sr-Latn-RS"/>
+            </a:p>
+          </p:txBody>
+        </p:sp>
+        <p:cxnSp>
+          <p:nvCxnSpPr>
+            <p:cNvPr id="63" name="Elbow Connector 62"/>
+            <p:cNvCxnSpPr>
+              <a:stCxn id="49" idx="3"/>
+              <a:endCxn id="35" idx="0"/>
+            </p:cNvCxnSpPr>
+            <p:nvPr/>
+          </p:nvCxnSpPr>
+          <p:spPr>
+            <a:xfrm>
+              <a:off x="9595633" y="4209562"/>
+              <a:ext cx="956888" cy="738645"/>
+            </a:xfrm>
+            <a:prstGeom prst="bentConnector2">
+              <a:avLst/>
+            </a:prstGeom>
+            <a:ln>
+              <a:tailEnd type="triangle"/>
+            </a:ln>
+          </p:spPr>
+          <p:style>
+            <a:lnRef idx="1">
+              <a:schemeClr val="accent1"/>
+            </a:lnRef>
+            <a:fillRef idx="0">
+              <a:schemeClr val="accent1"/>
+            </a:fillRef>
+            <a:effectRef idx="0">
+              <a:schemeClr val="accent1"/>
+            </a:effectRef>
+            <a:fontRef idx="minor">
+              <a:schemeClr val="tx1"/>
+            </a:fontRef>
+          </p:style>
+        </p:cxnSp>
+        <p:sp>
+          <p:nvSpPr>
+            <p:cNvPr id="69" name="TextBox 68"/>
+            <p:cNvSpPr txBox="1"/>
+            <p:nvPr/>
+          </p:nvSpPr>
+          <p:spPr>
+            <a:xfrm>
+              <a:off x="9595633" y="3795240"/>
+              <a:ext cx="720436" cy="369332"/>
+            </a:xfrm>
+            <a:prstGeom prst="rect">
+              <a:avLst/>
+            </a:prstGeom>
+            <a:noFill/>
+          </p:spPr>
+          <p:txBody>
+            <a:bodyPr wrap="square" rtlCol="0">
+              <a:spAutoFit/>
+            </a:bodyPr>
+            <a:lstStyle/>
+            <a:p>
+              <a:r>
+                <a:rPr lang="en-US" smtClean="0"/>
+                <a:t>Ne</a:t>
+              </a:r>
+              <a:endParaRPr lang="sr-Latn-RS"/>
+            </a:p>
+          </p:txBody>
+        </p:sp>
+        <p:sp>
+          <p:nvSpPr>
+            <p:cNvPr id="70" name="TextBox 69"/>
+            <p:cNvSpPr txBox="1"/>
+            <p:nvPr/>
+          </p:nvSpPr>
+          <p:spPr>
+            <a:xfrm>
+              <a:off x="11333917" y="2198985"/>
+              <a:ext cx="720436" cy="369332"/>
+            </a:xfrm>
+            <a:prstGeom prst="rect">
+              <a:avLst/>
+            </a:prstGeom>
+            <a:noFill/>
+          </p:spPr>
+          <p:txBody>
+            <a:bodyPr wrap="square" rtlCol="0">
+              <a:spAutoFit/>
+            </a:bodyPr>
+            <a:lstStyle/>
+            <a:p>
+              <a:r>
+                <a:rPr lang="en-US" smtClean="0"/>
+                <a:t>Da</a:t>
+              </a:r>
+              <a:endParaRPr lang="sr-Latn-RS"/>
+            </a:p>
+          </p:txBody>
+        </p:sp>
+        <p:sp>
+          <p:nvSpPr>
+            <p:cNvPr id="74" name="Flowchart: Terminator 73"/>
+            <p:cNvSpPr/>
+            <p:nvPr/>
+          </p:nvSpPr>
+          <p:spPr>
+            <a:xfrm>
+              <a:off x="7536623" y="5839867"/>
+              <a:ext cx="1615889" cy="443345"/>
+            </a:xfrm>
+            <a:prstGeom prst="flowChartTerminator">
+              <a:avLst/>
+            </a:prstGeom>
+          </p:spPr>
+          <p:style>
+            <a:lnRef idx="2">
+              <a:schemeClr val="accent1">
+                <a:shade val="50000"/>
+              </a:schemeClr>
+            </a:lnRef>
+            <a:fillRef idx="1">
+              <a:schemeClr val="accent1"/>
+            </a:fillRef>
+            <a:effectRef idx="0">
+              <a:schemeClr val="accent1"/>
+            </a:effectRef>
+            <a:fontRef idx="minor">
+              <a:schemeClr val="lt1"/>
+            </a:fontRef>
+          </p:style>
+          <p:txBody>
+            <a:bodyPr rtlCol="0" anchor="ctr"/>
+            <a:lstStyle/>
+            <a:p>
+              <a:pPr algn="ctr"/>
+              <a:r>
+                <a:rPr lang="en-US" smtClean="0"/>
+                <a:t>End!</a:t>
+              </a:r>
+              <a:endParaRPr lang="sr-Latn-RS"/>
+            </a:p>
+          </p:txBody>
+        </p:sp>
+        <p:cxnSp>
+          <p:nvCxnSpPr>
+            <p:cNvPr id="76" name="Elbow Connector 75"/>
+            <p:cNvCxnSpPr>
+              <a:stCxn id="49" idx="2"/>
+              <a:endCxn id="74" idx="0"/>
+            </p:cNvCxnSpPr>
+            <p:nvPr/>
+          </p:nvCxnSpPr>
+          <p:spPr>
+            <a:xfrm rot="5400000">
+              <a:off x="7759071" y="5254370"/>
+              <a:ext cx="1170994" cy="12700"/>
+            </a:xfrm>
+            <a:prstGeom prst="bentConnector3">
+              <a:avLst/>
+            </a:prstGeom>
+            <a:ln>
+              <a:tailEnd type="triangle"/>
+            </a:ln>
+          </p:spPr>
+          <p:style>
+            <a:lnRef idx="1">
+              <a:schemeClr val="accent1"/>
+            </a:lnRef>
+            <a:fillRef idx="0">
+              <a:schemeClr val="accent1"/>
+            </a:fillRef>
+            <a:effectRef idx="0">
+              <a:schemeClr val="accent1"/>
+            </a:effectRef>
+            <a:fontRef idx="minor">
+              <a:schemeClr val="tx1"/>
+            </a:fontRef>
+          </p:style>
+        </p:cxnSp>
+      </p:grpSp>
+    </p:spTree>
+    <p:extLst>
+      <p:ext uri="{BB962C8B-B14F-4D97-AF65-F5344CB8AC3E}">
+        <p14:creationId xmlns:p14="http://schemas.microsoft.com/office/powerpoint/2010/main" val="866974622"/>
+      </p:ext>
+    </p:extLst>
+  </p:cSld>
+  <p:clrMapOvr>
+    <a:masterClrMapping/>
+  </p:clrMapOvr>
+  <p:timing>
+    <p:tnLst>
+      <p:par>
+        <p:cTn id="1" dur="indefinite" restart="never" nodeType="tmRoot">
+          <p:childTnLst>
+            <p:seq concurrent="1" nextAc="seek">
+              <p:cTn id="2" dur="indefinite" nodeType="mainSeq">
+                <p:childTnLst>
+                  <p:par>
+                    <p:cTn id="3" fill="hold">
+                      <p:stCondLst>
+                        <p:cond delay="indefinite"/>
+                      </p:stCondLst>
+                      <p:childTnLst>
+                        <p:par>
+                          <p:cTn id="4" fill="hold">
+                            <p:stCondLst>
+                              <p:cond delay="0"/>
+                            </p:stCondLst>
+                            <p:childTnLst>
+                              <p:par>
+                                <p:cTn id="5" presetID="22" presetClass="entr" presetSubtype="4" fill="hold" nodeType="clickEffect">
+                                  <p:stCondLst>
+                                    <p:cond delay="0"/>
+                                  </p:stCondLst>
+                                  <p:childTnLst>
+                                    <p:set>
+                                      <p:cBhvr>
+                                        <p:cTn id="6" dur="1" fill="hold">
+                                          <p:stCondLst>
+                                            <p:cond delay="0"/>
+                                          </p:stCondLst>
+                                        </p:cTn>
+                                        <p:tgtEl>
+                                          <p:spTgt spid="79"/>
+                                        </p:tgtEl>
+                                        <p:attrNameLst>
+                                          <p:attrName>style.visibility</p:attrName>
+                                        </p:attrNameLst>
+                                      </p:cBhvr>
+                                      <p:to>
+                                        <p:strVal val="visible"/>
+                                      </p:to>
+                                    </p:set>
+                                    <p:animEffect transition="in" filter="wipe(down)">
+                                      <p:cBhvr>
+                                        <p:cTn id="7" dur="500"/>
+                                        <p:tgtEl>
+                                          <p:spTgt spid="79"/>
+                                        </p:tgtEl>
+                                      </p:cBhvr>
+                                    </p:animEffect>
+                                  </p:childTnLst>
+                                </p:cTn>
+                              </p:par>
+                            </p:childTnLst>
+                          </p:cTn>
+                        </p:par>
+                      </p:childTnLst>
+                    </p:cTn>
+                  </p:par>
+                </p:childTnLst>
+              </p:cTn>
+              <p:prevCondLst>
+                <p:cond evt="onPrev" delay="0">
+                  <p:tgtEl>
+                    <p:sldTgt/>
+                  </p:tgtEl>
+                </p:cond>
+              </p:prevCondLst>
+              <p:nextCondLst>
+                <p:cond evt="onNext" delay="0">
+                  <p:tgtEl>
+                    <p:sldTgt/>
+                  </p:tgtEl>
+                </p:cond>
+              </p:nextCondLst>
+            </p:seq>
+          </p:childTnLst>
+        </p:cTn>
+      </p:par>
+    </p:tnLst>
+  </p:timing>
 </p:sld>
 </file>
 
